--- a/cross_platform.pptx
+++ b/cross_platform.pptx
@@ -5,49 +5,54 @@
     <p:sldMasterId id="2147483658" r:id="rId1"/>
   </p:sldMasterIdLst>
   <p:notesMasterIdLst>
-    <p:notesMasterId r:id="rId18"/>
+    <p:notesMasterId r:id="rId23"/>
   </p:notesMasterIdLst>
   <p:sldIdLst>
     <p:sldId id="256" r:id="rId2"/>
-    <p:sldId id="275" r:id="rId3"/>
-    <p:sldId id="261" r:id="rId4"/>
-    <p:sldId id="281" r:id="rId5"/>
-    <p:sldId id="259" r:id="rId6"/>
-    <p:sldId id="267" r:id="rId7"/>
-    <p:sldId id="262" r:id="rId8"/>
-    <p:sldId id="260" r:id="rId9"/>
+    <p:sldId id="281" r:id="rId3"/>
+    <p:sldId id="300" r:id="rId4"/>
+    <p:sldId id="260" r:id="rId5"/>
+    <p:sldId id="275" r:id="rId6"/>
+    <p:sldId id="261" r:id="rId7"/>
+    <p:sldId id="259" r:id="rId8"/>
+    <p:sldId id="262" r:id="rId9"/>
     <p:sldId id="263" r:id="rId10"/>
     <p:sldId id="264" r:id="rId11"/>
-    <p:sldId id="265" r:id="rId12"/>
-    <p:sldId id="270" r:id="rId13"/>
-    <p:sldId id="295" r:id="rId14"/>
-    <p:sldId id="271" r:id="rId15"/>
-    <p:sldId id="268" r:id="rId16"/>
-    <p:sldId id="278" r:id="rId17"/>
+    <p:sldId id="296" r:id="rId12"/>
+    <p:sldId id="297" r:id="rId13"/>
+    <p:sldId id="267" r:id="rId14"/>
+    <p:sldId id="265" r:id="rId15"/>
+    <p:sldId id="270" r:id="rId16"/>
+    <p:sldId id="295" r:id="rId17"/>
+    <p:sldId id="271" r:id="rId18"/>
+    <p:sldId id="268" r:id="rId19"/>
+    <p:sldId id="298" r:id="rId20"/>
+    <p:sldId id="299" r:id="rId21"/>
+    <p:sldId id="278" r:id="rId22"/>
   </p:sldIdLst>
   <p:sldSz cx="9144000" cy="5143500" type="screen16x9"/>
   <p:notesSz cx="6858000" cy="9144000"/>
   <p:embeddedFontLst>
     <p:embeddedFont>
       <p:font typeface="Ubuntu" panose="020B0604020202020204" charset="0"/>
-      <p:regular r:id="rId19"/>
-      <p:bold r:id="rId20"/>
-      <p:italic r:id="rId21"/>
-      <p:boldItalic r:id="rId22"/>
+      <p:regular r:id="rId24"/>
+      <p:bold r:id="rId25"/>
+      <p:italic r:id="rId26"/>
+      <p:boldItalic r:id="rId27"/>
     </p:embeddedFont>
     <p:embeddedFont>
       <p:font typeface="Ubuntu Light" panose="020B0604020202020204" charset="0"/>
-      <p:regular r:id="rId23"/>
-      <p:bold r:id="rId24"/>
-      <p:italic r:id="rId25"/>
-      <p:boldItalic r:id="rId26"/>
+      <p:regular r:id="rId28"/>
+      <p:bold r:id="rId29"/>
+      <p:italic r:id="rId30"/>
+      <p:boldItalic r:id="rId31"/>
     </p:embeddedFont>
     <p:embeddedFont>
       <p:font typeface="Work Sans Regular" panose="020B0604020202020204" charset="0"/>
-      <p:regular r:id="rId27"/>
-      <p:bold r:id="rId28"/>
-      <p:italic r:id="rId29"/>
-      <p:boldItalic r:id="rId30"/>
+      <p:regular r:id="rId32"/>
+      <p:bold r:id="rId33"/>
+      <p:italic r:id="rId34"/>
+      <p:boldItalic r:id="rId35"/>
     </p:embeddedFont>
   </p:embeddedFontLst>
   <p:defaultTextStyle>
@@ -847,7 +852,7 @@
   <p:cSld>
     <p:spTree>
       <p:nvGrpSpPr>
-        <p:cNvPr id="1" name="Shape 116"/>
+        <p:cNvPr id="1" name="Shape 139"/>
         <p:cNvGrpSpPr/>
         <p:nvPr/>
       </p:nvGrpSpPr>
@@ -861,7 +866,7 @@
       </p:grpSpPr>
       <p:sp>
         <p:nvSpPr>
-          <p:cNvPr id="117" name="Google Shape;117;g35f391192_045:notes"/>
+          <p:cNvPr id="140" name="Google Shape;140;g35f391192_073:notes"/>
           <p:cNvSpPr>
             <a:spLocks noGrp="1" noRot="1" noChangeAspect="1"/>
           </p:cNvSpPr>
@@ -902,7 +907,7 @@
       </p:sp>
       <p:sp>
         <p:nvSpPr>
-          <p:cNvPr id="118" name="Google Shape;118;g35f391192_045:notes"/>
+          <p:cNvPr id="141" name="Google Shape;141;g35f391192_073:notes"/>
           <p:cNvSpPr txBox="1">
             <a:spLocks noGrp="1"/>
           </p:cNvSpPr>
@@ -941,7 +946,7 @@
     </p:spTree>
     <p:extLst>
       <p:ext uri="{BB962C8B-B14F-4D97-AF65-F5344CB8AC3E}">
-        <p14:creationId xmlns:p14="http://schemas.microsoft.com/office/powerpoint/2010/main" val="3606383363"/>
+        <p14:creationId xmlns:p14="http://schemas.microsoft.com/office/powerpoint/2010/main" val="2377032843"/>
       </p:ext>
     </p:extLst>
   </p:cSld>
@@ -1501,6 +1506,224 @@
   <p:cSld>
     <p:spTree>
       <p:nvGrpSpPr>
+        <p:cNvPr id="1" name="Shape 319"/>
+        <p:cNvGrpSpPr/>
+        <p:nvPr/>
+      </p:nvGrpSpPr>
+      <p:grpSpPr>
+        <a:xfrm>
+          <a:off x="0" y="0"/>
+          <a:ext cx="0" cy="0"/>
+          <a:chOff x="0" y="0"/>
+          <a:chExt cx="0" cy="0"/>
+        </a:xfrm>
+      </p:grpSpPr>
+      <p:sp>
+        <p:nvSpPr>
+          <p:cNvPr id="320" name="Google Shape;320;gc8a06234e5_0_59:notes"/>
+          <p:cNvSpPr>
+            <a:spLocks noGrp="1" noRot="1" noChangeAspect="1"/>
+          </p:cNvSpPr>
+          <p:nvPr>
+            <p:ph type="sldImg" idx="2"/>
+          </p:nvPr>
+        </p:nvSpPr>
+        <p:spPr>
+          <a:xfrm>
+            <a:off x="381000" y="685800"/>
+            <a:ext cx="6096000" cy="3429000"/>
+          </a:xfrm>
+          <a:custGeom>
+            <a:avLst/>
+            <a:gdLst/>
+            <a:ahLst/>
+            <a:cxnLst/>
+            <a:rect l="l" t="t" r="r" b="b"/>
+            <a:pathLst>
+              <a:path w="120000" h="120000" extrusionOk="0">
+                <a:moveTo>
+                  <a:pt x="0" y="0"/>
+                </a:moveTo>
+                <a:lnTo>
+                  <a:pt x="120000" y="0"/>
+                </a:lnTo>
+                <a:lnTo>
+                  <a:pt x="120000" y="120000"/>
+                </a:lnTo>
+                <a:lnTo>
+                  <a:pt x="0" y="120000"/>
+                </a:lnTo>
+                <a:close/>
+              </a:path>
+            </a:pathLst>
+          </a:custGeom>
+        </p:spPr>
+      </p:sp>
+      <p:sp>
+        <p:nvSpPr>
+          <p:cNvPr id="321" name="Google Shape;321;gc8a06234e5_0_59:notes"/>
+          <p:cNvSpPr txBox="1">
+            <a:spLocks noGrp="1"/>
+          </p:cNvSpPr>
+          <p:nvPr>
+            <p:ph type="body" idx="1"/>
+          </p:nvPr>
+        </p:nvSpPr>
+        <p:spPr>
+          <a:xfrm>
+            <a:off x="685800" y="4343400"/>
+            <a:ext cx="5486400" cy="4114800"/>
+          </a:xfrm>
+          <a:prstGeom prst="rect">
+            <a:avLst/>
+          </a:prstGeom>
+        </p:spPr>
+        <p:txBody>
+          <a:bodyPr spcFirstLastPara="1" wrap="square" lIns="91425" tIns="91425" rIns="91425" bIns="91425" anchor="t" anchorCtr="0">
+            <a:noAutofit/>
+          </a:bodyPr>
+          <a:lstStyle/>
+          <a:p>
+            <a:pPr marL="0" lvl="0" indent="0" algn="l" rtl="0">
+              <a:spcBef>
+                <a:spcPts val="0"/>
+              </a:spcBef>
+              <a:spcAft>
+                <a:spcPts val="0"/>
+              </a:spcAft>
+              <a:buNone/>
+            </a:pPr>
+            <a:endParaRPr/>
+          </a:p>
+        </p:txBody>
+      </p:sp>
+    </p:spTree>
+    <p:extLst>
+      <p:ext uri="{BB962C8B-B14F-4D97-AF65-F5344CB8AC3E}">
+        <p14:creationId xmlns:p14="http://schemas.microsoft.com/office/powerpoint/2010/main" val="2831083490"/>
+      </p:ext>
+    </p:extLst>
+  </p:cSld>
+  <p:clrMapOvr>
+    <a:masterClrMapping/>
+  </p:clrMapOvr>
+</p:notes>
+</file>
+
+<file path=ppt/notesSlides/notesSlide3.xml><?xml version="1.0" encoding="utf-8"?>
+<p:notes xmlns:a="http://schemas.openxmlformats.org/drawingml/2006/main" xmlns:r="http://schemas.openxmlformats.org/officeDocument/2006/relationships" xmlns:p="http://schemas.openxmlformats.org/presentationml/2006/main" showMasterSp="0" showMasterPhAnim="0">
+  <p:cSld>
+    <p:spTree>
+      <p:nvGrpSpPr>
+        <p:cNvPr id="1" name="Shape 75"/>
+        <p:cNvGrpSpPr/>
+        <p:nvPr/>
+      </p:nvGrpSpPr>
+      <p:grpSpPr>
+        <a:xfrm>
+          <a:off x="0" y="0"/>
+          <a:ext cx="0" cy="0"/>
+          <a:chOff x="0" y="0"/>
+          <a:chExt cx="0" cy="0"/>
+        </a:xfrm>
+      </p:grpSpPr>
+      <p:sp>
+        <p:nvSpPr>
+          <p:cNvPr id="76" name="Google Shape;76;g35f391192_09:notes"/>
+          <p:cNvSpPr>
+            <a:spLocks noGrp="1" noRot="1" noChangeAspect="1"/>
+          </p:cNvSpPr>
+          <p:nvPr>
+            <p:ph type="sldImg" idx="2"/>
+          </p:nvPr>
+        </p:nvSpPr>
+        <p:spPr>
+          <a:xfrm>
+            <a:off x="381000" y="685800"/>
+            <a:ext cx="6096000" cy="3429000"/>
+          </a:xfrm>
+          <a:custGeom>
+            <a:avLst/>
+            <a:gdLst/>
+            <a:ahLst/>
+            <a:cxnLst/>
+            <a:rect l="l" t="t" r="r" b="b"/>
+            <a:pathLst>
+              <a:path w="120000" h="120000" extrusionOk="0">
+                <a:moveTo>
+                  <a:pt x="0" y="0"/>
+                </a:moveTo>
+                <a:lnTo>
+                  <a:pt x="120000" y="0"/>
+                </a:lnTo>
+                <a:lnTo>
+                  <a:pt x="120000" y="120000"/>
+                </a:lnTo>
+                <a:lnTo>
+                  <a:pt x="0" y="120000"/>
+                </a:lnTo>
+                <a:close/>
+              </a:path>
+            </a:pathLst>
+          </a:custGeom>
+        </p:spPr>
+      </p:sp>
+      <p:sp>
+        <p:nvSpPr>
+          <p:cNvPr id="77" name="Google Shape;77;g35f391192_09:notes"/>
+          <p:cNvSpPr txBox="1">
+            <a:spLocks noGrp="1"/>
+          </p:cNvSpPr>
+          <p:nvPr>
+            <p:ph type="body" idx="1"/>
+          </p:nvPr>
+        </p:nvSpPr>
+        <p:spPr>
+          <a:xfrm>
+            <a:off x="685800" y="4343400"/>
+            <a:ext cx="5486400" cy="4114800"/>
+          </a:xfrm>
+          <a:prstGeom prst="rect">
+            <a:avLst/>
+          </a:prstGeom>
+        </p:spPr>
+        <p:txBody>
+          <a:bodyPr spcFirstLastPara="1" wrap="square" lIns="91425" tIns="91425" rIns="91425" bIns="91425" anchor="t" anchorCtr="0">
+            <a:noAutofit/>
+          </a:bodyPr>
+          <a:lstStyle/>
+          <a:p>
+            <a:pPr marL="0" lvl="0" indent="0" algn="l" rtl="0">
+              <a:spcBef>
+                <a:spcPts val="0"/>
+              </a:spcBef>
+              <a:spcAft>
+                <a:spcPts val="0"/>
+              </a:spcAft>
+              <a:buNone/>
+            </a:pPr>
+            <a:endParaRPr/>
+          </a:p>
+        </p:txBody>
+      </p:sp>
+    </p:spTree>
+    <p:extLst>
+      <p:ext uri="{BB962C8B-B14F-4D97-AF65-F5344CB8AC3E}">
+        <p14:creationId xmlns:p14="http://schemas.microsoft.com/office/powerpoint/2010/main" val="1994194346"/>
+      </p:ext>
+    </p:extLst>
+  </p:cSld>
+  <p:clrMapOvr>
+    <a:masterClrMapping/>
+  </p:clrMapOvr>
+</p:notes>
+</file>
+
+<file path=ppt/notesSlides/notesSlide4.xml><?xml version="1.0" encoding="utf-8"?>
+<p:notes xmlns:a="http://schemas.openxmlformats.org/drawingml/2006/main" xmlns:r="http://schemas.openxmlformats.org/officeDocument/2006/relationships" xmlns:p="http://schemas.openxmlformats.org/presentationml/2006/main" showMasterSp="0" showMasterPhAnim="0">
+  <p:cSld>
+    <p:spTree>
+      <p:nvGrpSpPr>
         <p:cNvPr id="1" name="Shape 260"/>
         <p:cNvGrpSpPr/>
         <p:nvPr/>
@@ -1605,7 +1828,7 @@
 </p:notes>
 </file>
 
-<file path=ppt/notesSlides/notesSlide3.xml><?xml version="1.0" encoding="utf-8"?>
+<file path=ppt/notesSlides/notesSlide5.xml><?xml version="1.0" encoding="utf-8"?>
 <p:notes xmlns:a="http://schemas.openxmlformats.org/drawingml/2006/main" xmlns:r="http://schemas.openxmlformats.org/officeDocument/2006/relationships" xmlns:p="http://schemas.openxmlformats.org/presentationml/2006/main" showMasterSp="0" showMasterPhAnim="0">
   <p:cSld>
     <p:spTree>
@@ -1714,116 +1937,7 @@
 </p:notes>
 </file>
 
-<file path=ppt/notesSlides/notesSlide4.xml><?xml version="1.0" encoding="utf-8"?>
-<p:notes xmlns:a="http://schemas.openxmlformats.org/drawingml/2006/main" xmlns:r="http://schemas.openxmlformats.org/officeDocument/2006/relationships" xmlns:p="http://schemas.openxmlformats.org/presentationml/2006/main" showMasterSp="0" showMasterPhAnim="0">
-  <p:cSld>
-    <p:spTree>
-      <p:nvGrpSpPr>
-        <p:cNvPr id="1" name="Shape 319"/>
-        <p:cNvGrpSpPr/>
-        <p:nvPr/>
-      </p:nvGrpSpPr>
-      <p:grpSpPr>
-        <a:xfrm>
-          <a:off x="0" y="0"/>
-          <a:ext cx="0" cy="0"/>
-          <a:chOff x="0" y="0"/>
-          <a:chExt cx="0" cy="0"/>
-        </a:xfrm>
-      </p:grpSpPr>
-      <p:sp>
-        <p:nvSpPr>
-          <p:cNvPr id="320" name="Google Shape;320;gc8a06234e5_0_59:notes"/>
-          <p:cNvSpPr>
-            <a:spLocks noGrp="1" noRot="1" noChangeAspect="1"/>
-          </p:cNvSpPr>
-          <p:nvPr>
-            <p:ph type="sldImg" idx="2"/>
-          </p:nvPr>
-        </p:nvSpPr>
-        <p:spPr>
-          <a:xfrm>
-            <a:off x="381000" y="685800"/>
-            <a:ext cx="6096000" cy="3429000"/>
-          </a:xfrm>
-          <a:custGeom>
-            <a:avLst/>
-            <a:gdLst/>
-            <a:ahLst/>
-            <a:cxnLst/>
-            <a:rect l="l" t="t" r="r" b="b"/>
-            <a:pathLst>
-              <a:path w="120000" h="120000" extrusionOk="0">
-                <a:moveTo>
-                  <a:pt x="0" y="0"/>
-                </a:moveTo>
-                <a:lnTo>
-                  <a:pt x="120000" y="0"/>
-                </a:lnTo>
-                <a:lnTo>
-                  <a:pt x="120000" y="120000"/>
-                </a:lnTo>
-                <a:lnTo>
-                  <a:pt x="0" y="120000"/>
-                </a:lnTo>
-                <a:close/>
-              </a:path>
-            </a:pathLst>
-          </a:custGeom>
-        </p:spPr>
-      </p:sp>
-      <p:sp>
-        <p:nvSpPr>
-          <p:cNvPr id="321" name="Google Shape;321;gc8a06234e5_0_59:notes"/>
-          <p:cNvSpPr txBox="1">
-            <a:spLocks noGrp="1"/>
-          </p:cNvSpPr>
-          <p:nvPr>
-            <p:ph type="body" idx="1"/>
-          </p:nvPr>
-        </p:nvSpPr>
-        <p:spPr>
-          <a:xfrm>
-            <a:off x="685800" y="4343400"/>
-            <a:ext cx="5486400" cy="4114800"/>
-          </a:xfrm>
-          <a:prstGeom prst="rect">
-            <a:avLst/>
-          </a:prstGeom>
-        </p:spPr>
-        <p:txBody>
-          <a:bodyPr spcFirstLastPara="1" wrap="square" lIns="91425" tIns="91425" rIns="91425" bIns="91425" anchor="t" anchorCtr="0">
-            <a:noAutofit/>
-          </a:bodyPr>
-          <a:lstStyle/>
-          <a:p>
-            <a:pPr marL="0" lvl="0" indent="0" algn="l" rtl="0">
-              <a:spcBef>
-                <a:spcPts val="0"/>
-              </a:spcBef>
-              <a:spcAft>
-                <a:spcPts val="0"/>
-              </a:spcAft>
-              <a:buNone/>
-            </a:pPr>
-            <a:endParaRPr/>
-          </a:p>
-        </p:txBody>
-      </p:sp>
-    </p:spTree>
-    <p:extLst>
-      <p:ext uri="{BB962C8B-B14F-4D97-AF65-F5344CB8AC3E}">
-        <p14:creationId xmlns:p14="http://schemas.microsoft.com/office/powerpoint/2010/main" val="2831083490"/>
-      </p:ext>
-    </p:extLst>
-  </p:cSld>
-  <p:clrMapOvr>
-    <a:masterClrMapping/>
-  </p:clrMapOvr>
-</p:notes>
-</file>
-
-<file path=ppt/notesSlides/notesSlide5.xml><?xml version="1.0" encoding="utf-8"?>
+<file path=ppt/notesSlides/notesSlide6.xml><?xml version="1.0" encoding="utf-8"?>
 <p:notes xmlns:a="http://schemas.openxmlformats.org/drawingml/2006/main" xmlns:r="http://schemas.openxmlformats.org/officeDocument/2006/relationships" xmlns:p="http://schemas.openxmlformats.org/presentationml/2006/main" showMasterSp="0" showMasterPhAnim="0">
   <p:cSld>
     <p:spTree>
@@ -1923,115 +2037,6 @@
     <p:extLst>
       <p:ext uri="{BB962C8B-B14F-4D97-AF65-F5344CB8AC3E}">
         <p14:creationId xmlns:p14="http://schemas.microsoft.com/office/powerpoint/2010/main" val="1288592469"/>
-      </p:ext>
-    </p:extLst>
-  </p:cSld>
-  <p:clrMapOvr>
-    <a:masterClrMapping/>
-  </p:clrMapOvr>
-</p:notes>
-</file>
-
-<file path=ppt/notesSlides/notesSlide6.xml><?xml version="1.0" encoding="utf-8"?>
-<p:notes xmlns:a="http://schemas.openxmlformats.org/drawingml/2006/main" xmlns:r="http://schemas.openxmlformats.org/officeDocument/2006/relationships" xmlns:p="http://schemas.openxmlformats.org/presentationml/2006/main" showMasterSp="0" showMasterPhAnim="0">
-  <p:cSld>
-    <p:spTree>
-      <p:nvGrpSpPr>
-        <p:cNvPr id="1" name="Shape 139"/>
-        <p:cNvGrpSpPr/>
-        <p:nvPr/>
-      </p:nvGrpSpPr>
-      <p:grpSpPr>
-        <a:xfrm>
-          <a:off x="0" y="0"/>
-          <a:ext cx="0" cy="0"/>
-          <a:chOff x="0" y="0"/>
-          <a:chExt cx="0" cy="0"/>
-        </a:xfrm>
-      </p:grpSpPr>
-      <p:sp>
-        <p:nvSpPr>
-          <p:cNvPr id="140" name="Google Shape;140;g35f391192_073:notes"/>
-          <p:cNvSpPr>
-            <a:spLocks noGrp="1" noRot="1" noChangeAspect="1"/>
-          </p:cNvSpPr>
-          <p:nvPr>
-            <p:ph type="sldImg" idx="2"/>
-          </p:nvPr>
-        </p:nvSpPr>
-        <p:spPr>
-          <a:xfrm>
-            <a:off x="381000" y="685800"/>
-            <a:ext cx="6096000" cy="3429000"/>
-          </a:xfrm>
-          <a:custGeom>
-            <a:avLst/>
-            <a:gdLst/>
-            <a:ahLst/>
-            <a:cxnLst/>
-            <a:rect l="l" t="t" r="r" b="b"/>
-            <a:pathLst>
-              <a:path w="120000" h="120000" extrusionOk="0">
-                <a:moveTo>
-                  <a:pt x="0" y="0"/>
-                </a:moveTo>
-                <a:lnTo>
-                  <a:pt x="120000" y="0"/>
-                </a:lnTo>
-                <a:lnTo>
-                  <a:pt x="120000" y="120000"/>
-                </a:lnTo>
-                <a:lnTo>
-                  <a:pt x="0" y="120000"/>
-                </a:lnTo>
-                <a:close/>
-              </a:path>
-            </a:pathLst>
-          </a:custGeom>
-        </p:spPr>
-      </p:sp>
-      <p:sp>
-        <p:nvSpPr>
-          <p:cNvPr id="141" name="Google Shape;141;g35f391192_073:notes"/>
-          <p:cNvSpPr txBox="1">
-            <a:spLocks noGrp="1"/>
-          </p:cNvSpPr>
-          <p:nvPr>
-            <p:ph type="body" idx="1"/>
-          </p:nvPr>
-        </p:nvSpPr>
-        <p:spPr>
-          <a:xfrm>
-            <a:off x="685800" y="4343400"/>
-            <a:ext cx="5486400" cy="4114800"/>
-          </a:xfrm>
-          <a:prstGeom prst="rect">
-            <a:avLst/>
-          </a:prstGeom>
-        </p:spPr>
-        <p:txBody>
-          <a:bodyPr spcFirstLastPara="1" wrap="square" lIns="91425" tIns="91425" rIns="91425" bIns="91425" anchor="t" anchorCtr="0">
-            <a:noAutofit/>
-          </a:bodyPr>
-          <a:lstStyle/>
-          <a:p>
-            <a:pPr marL="0" lvl="0" indent="0" algn="l" rtl="0">
-              <a:spcBef>
-                <a:spcPts val="0"/>
-              </a:spcBef>
-              <a:spcAft>
-                <a:spcPts val="0"/>
-              </a:spcAft>
-              <a:buNone/>
-            </a:pPr>
-            <a:endParaRPr/>
-          </a:p>
-        </p:txBody>
-      </p:sp>
-    </p:spTree>
-    <p:extLst>
-      <p:ext uri="{BB962C8B-B14F-4D97-AF65-F5344CB8AC3E}">
-        <p14:creationId xmlns:p14="http://schemas.microsoft.com/office/powerpoint/2010/main" val="2377032843"/>
       </p:ext>
     </p:extLst>
   </p:cSld>
@@ -2155,115 +2160,6 @@
   <p:cSld>
     <p:spTree>
       <p:nvGrpSpPr>
-        <p:cNvPr id="1" name="Shape 75"/>
-        <p:cNvGrpSpPr/>
-        <p:nvPr/>
-      </p:nvGrpSpPr>
-      <p:grpSpPr>
-        <a:xfrm>
-          <a:off x="0" y="0"/>
-          <a:ext cx="0" cy="0"/>
-          <a:chOff x="0" y="0"/>
-          <a:chExt cx="0" cy="0"/>
-        </a:xfrm>
-      </p:grpSpPr>
-      <p:sp>
-        <p:nvSpPr>
-          <p:cNvPr id="76" name="Google Shape;76;g35f391192_09:notes"/>
-          <p:cNvSpPr>
-            <a:spLocks noGrp="1" noRot="1" noChangeAspect="1"/>
-          </p:cNvSpPr>
-          <p:nvPr>
-            <p:ph type="sldImg" idx="2"/>
-          </p:nvPr>
-        </p:nvSpPr>
-        <p:spPr>
-          <a:xfrm>
-            <a:off x="381000" y="685800"/>
-            <a:ext cx="6096000" cy="3429000"/>
-          </a:xfrm>
-          <a:custGeom>
-            <a:avLst/>
-            <a:gdLst/>
-            <a:ahLst/>
-            <a:cxnLst/>
-            <a:rect l="l" t="t" r="r" b="b"/>
-            <a:pathLst>
-              <a:path w="120000" h="120000" extrusionOk="0">
-                <a:moveTo>
-                  <a:pt x="0" y="0"/>
-                </a:moveTo>
-                <a:lnTo>
-                  <a:pt x="120000" y="0"/>
-                </a:lnTo>
-                <a:lnTo>
-                  <a:pt x="120000" y="120000"/>
-                </a:lnTo>
-                <a:lnTo>
-                  <a:pt x="0" y="120000"/>
-                </a:lnTo>
-                <a:close/>
-              </a:path>
-            </a:pathLst>
-          </a:custGeom>
-        </p:spPr>
-      </p:sp>
-      <p:sp>
-        <p:nvSpPr>
-          <p:cNvPr id="77" name="Google Shape;77;g35f391192_09:notes"/>
-          <p:cNvSpPr txBox="1">
-            <a:spLocks noGrp="1"/>
-          </p:cNvSpPr>
-          <p:nvPr>
-            <p:ph type="body" idx="1"/>
-          </p:nvPr>
-        </p:nvSpPr>
-        <p:spPr>
-          <a:xfrm>
-            <a:off x="685800" y="4343400"/>
-            <a:ext cx="5486400" cy="4114800"/>
-          </a:xfrm>
-          <a:prstGeom prst="rect">
-            <a:avLst/>
-          </a:prstGeom>
-        </p:spPr>
-        <p:txBody>
-          <a:bodyPr spcFirstLastPara="1" wrap="square" lIns="91425" tIns="91425" rIns="91425" bIns="91425" anchor="t" anchorCtr="0">
-            <a:noAutofit/>
-          </a:bodyPr>
-          <a:lstStyle/>
-          <a:p>
-            <a:pPr marL="0" lvl="0" indent="0" algn="l" rtl="0">
-              <a:spcBef>
-                <a:spcPts val="0"/>
-              </a:spcBef>
-              <a:spcAft>
-                <a:spcPts val="0"/>
-              </a:spcAft>
-              <a:buNone/>
-            </a:pPr>
-            <a:endParaRPr/>
-          </a:p>
-        </p:txBody>
-      </p:sp>
-    </p:spTree>
-    <p:extLst>
-      <p:ext uri="{BB962C8B-B14F-4D97-AF65-F5344CB8AC3E}">
-        <p14:creationId xmlns:p14="http://schemas.microsoft.com/office/powerpoint/2010/main" val="1994194346"/>
-      </p:ext>
-    </p:extLst>
-  </p:cSld>
-  <p:clrMapOvr>
-    <a:masterClrMapping/>
-  </p:clrMapOvr>
-</p:notes>
-</file>
-
-<file path=ppt/notesSlides/notesSlide9.xml><?xml version="1.0" encoding="utf-8"?>
-<p:notes xmlns:a="http://schemas.openxmlformats.org/drawingml/2006/main" xmlns:r="http://schemas.openxmlformats.org/officeDocument/2006/relationships" xmlns:p="http://schemas.openxmlformats.org/presentationml/2006/main" showMasterSp="0" showMasterPhAnim="0">
-  <p:cSld>
-    <p:spTree>
-      <p:nvGrpSpPr>
         <p:cNvPr id="1" name="Shape 108"/>
         <p:cNvGrpSpPr/>
         <p:nvPr/>
@@ -2359,6 +2255,115 @@
     <p:extLst>
       <p:ext uri="{BB962C8B-B14F-4D97-AF65-F5344CB8AC3E}">
         <p14:creationId xmlns:p14="http://schemas.microsoft.com/office/powerpoint/2010/main" val="2714107272"/>
+      </p:ext>
+    </p:extLst>
+  </p:cSld>
+  <p:clrMapOvr>
+    <a:masterClrMapping/>
+  </p:clrMapOvr>
+</p:notes>
+</file>
+
+<file path=ppt/notesSlides/notesSlide9.xml><?xml version="1.0" encoding="utf-8"?>
+<p:notes xmlns:a="http://schemas.openxmlformats.org/drawingml/2006/main" xmlns:r="http://schemas.openxmlformats.org/officeDocument/2006/relationships" xmlns:p="http://schemas.openxmlformats.org/presentationml/2006/main" showMasterSp="0" showMasterPhAnim="0">
+  <p:cSld>
+    <p:spTree>
+      <p:nvGrpSpPr>
+        <p:cNvPr id="1" name="Shape 116"/>
+        <p:cNvGrpSpPr/>
+        <p:nvPr/>
+      </p:nvGrpSpPr>
+      <p:grpSpPr>
+        <a:xfrm>
+          <a:off x="0" y="0"/>
+          <a:ext cx="0" cy="0"/>
+          <a:chOff x="0" y="0"/>
+          <a:chExt cx="0" cy="0"/>
+        </a:xfrm>
+      </p:grpSpPr>
+      <p:sp>
+        <p:nvSpPr>
+          <p:cNvPr id="117" name="Google Shape;117;g35f391192_045:notes"/>
+          <p:cNvSpPr>
+            <a:spLocks noGrp="1" noRot="1" noChangeAspect="1"/>
+          </p:cNvSpPr>
+          <p:nvPr>
+            <p:ph type="sldImg" idx="2"/>
+          </p:nvPr>
+        </p:nvSpPr>
+        <p:spPr>
+          <a:xfrm>
+            <a:off x="381000" y="685800"/>
+            <a:ext cx="6096000" cy="3429000"/>
+          </a:xfrm>
+          <a:custGeom>
+            <a:avLst/>
+            <a:gdLst/>
+            <a:ahLst/>
+            <a:cxnLst/>
+            <a:rect l="l" t="t" r="r" b="b"/>
+            <a:pathLst>
+              <a:path w="120000" h="120000" extrusionOk="0">
+                <a:moveTo>
+                  <a:pt x="0" y="0"/>
+                </a:moveTo>
+                <a:lnTo>
+                  <a:pt x="120000" y="0"/>
+                </a:lnTo>
+                <a:lnTo>
+                  <a:pt x="120000" y="120000"/>
+                </a:lnTo>
+                <a:lnTo>
+                  <a:pt x="0" y="120000"/>
+                </a:lnTo>
+                <a:close/>
+              </a:path>
+            </a:pathLst>
+          </a:custGeom>
+        </p:spPr>
+      </p:sp>
+      <p:sp>
+        <p:nvSpPr>
+          <p:cNvPr id="118" name="Google Shape;118;g35f391192_045:notes"/>
+          <p:cNvSpPr txBox="1">
+            <a:spLocks noGrp="1"/>
+          </p:cNvSpPr>
+          <p:nvPr>
+            <p:ph type="body" idx="1"/>
+          </p:nvPr>
+        </p:nvSpPr>
+        <p:spPr>
+          <a:xfrm>
+            <a:off x="685800" y="4343400"/>
+            <a:ext cx="5486400" cy="4114800"/>
+          </a:xfrm>
+          <a:prstGeom prst="rect">
+            <a:avLst/>
+          </a:prstGeom>
+        </p:spPr>
+        <p:txBody>
+          <a:bodyPr spcFirstLastPara="1" wrap="square" lIns="91425" tIns="91425" rIns="91425" bIns="91425" anchor="t" anchorCtr="0">
+            <a:noAutofit/>
+          </a:bodyPr>
+          <a:lstStyle/>
+          <a:p>
+            <a:pPr marL="0" lvl="0" indent="0" algn="l" rtl="0">
+              <a:spcBef>
+                <a:spcPts val="0"/>
+              </a:spcBef>
+              <a:spcAft>
+                <a:spcPts val="0"/>
+              </a:spcAft>
+              <a:buNone/>
+            </a:pPr>
+            <a:endParaRPr/>
+          </a:p>
+        </p:txBody>
+      </p:sp>
+    </p:spTree>
+    <p:extLst>
+      <p:ext uri="{BB962C8B-B14F-4D97-AF65-F5344CB8AC3E}">
+        <p14:creationId xmlns:p14="http://schemas.microsoft.com/office/powerpoint/2010/main" val="3606383363"/>
       </p:ext>
     </p:extLst>
   </p:cSld>
@@ -6704,7 +6709,7 @@
           </a:bodyPr>
           <a:lstStyle/>
           <a:p>
-            <a:pPr marL="0" lvl="0" indent="0" algn="l" rtl="0">
+            <a:pPr marL="0" lvl="0" indent="0" algn="ctr" rtl="0">
               <a:spcBef>
                 <a:spcPts val="0"/>
               </a:spcBef>
@@ -6714,7 +6719,7 @@
               <a:buNone/>
             </a:pPr>
             <a:r>
-              <a:rPr lang="en" dirty="0" smtClean="0">
+              <a:rPr lang="en" sz="5400" dirty="0" smtClean="0">
                 <a:effectLst>
                   <a:outerShdw blurRad="38100" dist="38100" dir="2700000" algn="tl">
                     <a:srgbClr val="000000">
@@ -6726,7 +6731,7 @@
               <a:t>“CROSS-PLATFORM</a:t>
             </a:r>
             <a:br>
-              <a:rPr lang="en" dirty="0" smtClean="0">
+              <a:rPr lang="en" sz="5400" dirty="0" smtClean="0">
                 <a:effectLst>
                   <a:outerShdw blurRad="38100" dist="38100" dir="2700000" algn="tl">
                     <a:srgbClr val="000000">
@@ -6737,7 +6742,7 @@
               </a:rPr>
             </a:br>
             <a:r>
-              <a:rPr lang="en" dirty="0" smtClean="0">
+              <a:rPr lang="en" sz="5400" dirty="0" smtClean="0">
                 <a:effectLst>
                   <a:outerShdw blurRad="38100" dist="38100" dir="2700000" algn="tl">
                     <a:srgbClr val="000000">
@@ -6748,7 +6753,7 @@
               </a:rPr>
               <a:t>APPLICATION DEVELOPMENT IN REACT NATIVE”</a:t>
             </a:r>
-            <a:endParaRPr dirty="0">
+            <a:endParaRPr sz="5400" dirty="0">
               <a:effectLst>
                 <a:outerShdw blurRad="38100" dist="38100" dir="2700000" algn="tl">
                   <a:srgbClr val="000000">
@@ -7090,6 +7095,1918 @@
   <p:cSld>
     <p:spTree>
       <p:nvGrpSpPr>
+        <p:cNvPr id="1" name=""/>
+        <p:cNvGrpSpPr/>
+        <p:nvPr/>
+      </p:nvGrpSpPr>
+      <p:grpSpPr>
+        <a:xfrm>
+          <a:off x="0" y="0"/>
+          <a:ext cx="0" cy="0"/>
+          <a:chOff x="0" y="0"/>
+          <a:chExt cx="0" cy="0"/>
+        </a:xfrm>
+      </p:grpSpPr>
+      <p:sp>
+        <p:nvSpPr>
+          <p:cNvPr id="2" name="Slide Number Placeholder 1"/>
+          <p:cNvSpPr>
+            <a:spLocks noGrp="1"/>
+          </p:cNvSpPr>
+          <p:nvPr>
+            <p:ph type="sldNum" idx="12"/>
+          </p:nvPr>
+        </p:nvSpPr>
+        <p:spPr/>
+        <p:txBody>
+          <a:bodyPr/>
+          <a:lstStyle/>
+          <a:p>
+            <a:pPr marL="0" lvl="0" indent="0" algn="r" rtl="0">
+              <a:spcBef>
+                <a:spcPts val="0"/>
+              </a:spcBef>
+              <a:spcAft>
+                <a:spcPts val="0"/>
+              </a:spcAft>
+              <a:buNone/>
+            </a:pPr>
+            <a:fld id="{00000000-1234-1234-1234-123412341234}" type="slidenum">
+              <a:rPr lang="en" smtClean="0"/>
+              <a:t>11</a:t>
+            </a:fld>
+            <a:endParaRPr lang="en"/>
+          </a:p>
+        </p:txBody>
+      </p:sp>
+      <p:sp>
+        <p:nvSpPr>
+          <p:cNvPr id="3" name="TextBox 2"/>
+          <p:cNvSpPr txBox="1"/>
+          <p:nvPr/>
+        </p:nvSpPr>
+        <p:spPr>
+          <a:xfrm>
+            <a:off x="1199745" y="648511"/>
+            <a:ext cx="7133617" cy="830997"/>
+          </a:xfrm>
+          <a:prstGeom prst="rect">
+            <a:avLst/>
+          </a:prstGeom>
+          <a:noFill/>
+        </p:spPr>
+        <p:txBody>
+          <a:bodyPr wrap="square" rtlCol="0">
+            <a:spAutoFit/>
+          </a:bodyPr>
+          <a:lstStyle/>
+          <a:p>
+            <a:r>
+              <a:rPr lang="en-US" sz="4800" dirty="0" smtClean="0">
+                <a:solidFill>
+                  <a:schemeClr val="bg1"/>
+                </a:solidFill>
+                <a:latin typeface="Ubuntu" panose="020B0604020202020204" charset="0"/>
+              </a:rPr>
+              <a:t>Literature Survey</a:t>
+            </a:r>
+            <a:endParaRPr lang="en-IN" sz="4800" dirty="0">
+              <a:solidFill>
+                <a:schemeClr val="bg1"/>
+              </a:solidFill>
+              <a:latin typeface="Ubuntu" panose="020B0604020202020204" charset="0"/>
+            </a:endParaRPr>
+          </a:p>
+        </p:txBody>
+      </p:sp>
+      <p:graphicFrame>
+        <p:nvGraphicFramePr>
+          <p:cNvPr id="4" name="Table 3"/>
+          <p:cNvGraphicFramePr>
+            <a:graphicFrameLocks noGrp="1"/>
+          </p:cNvGraphicFramePr>
+          <p:nvPr>
+            <p:extLst>
+              <p:ext uri="{D42A27DB-BD31-4B8C-83A1-F6EECF244321}">
+                <p14:modId xmlns:p14="http://schemas.microsoft.com/office/powerpoint/2010/main" val="1034632404"/>
+              </p:ext>
+            </p:extLst>
+          </p:nvPr>
+        </p:nvGraphicFramePr>
+        <p:xfrm>
+          <a:off x="1403562" y="1934048"/>
+          <a:ext cx="6725982" cy="2103120"/>
+        </p:xfrm>
+        <a:graphic>
+          <a:graphicData uri="http://schemas.openxmlformats.org/drawingml/2006/table">
+            <a:tbl>
+              <a:tblPr firstRow="1" bandRow="1">
+                <a:tableStyleId>{B84379CE-DF76-49EC-B630-198188EDF416}</a:tableStyleId>
+              </a:tblPr>
+              <a:tblGrid>
+                <a:gridCol w="1120997"/>
+                <a:gridCol w="1360020"/>
+                <a:gridCol w="881974"/>
+                <a:gridCol w="1120997"/>
+                <a:gridCol w="1120997"/>
+                <a:gridCol w="1120997"/>
+              </a:tblGrid>
+              <a:tr h="458957">
+                <a:tc>
+                  <a:txBody>
+                    <a:bodyPr/>
+                    <a:lstStyle/>
+                    <a:p>
+                      <a:pPr algn="ctr"/>
+                      <a:r>
+                        <a:rPr lang="en-US" dirty="0" smtClean="0">
+                          <a:solidFill>
+                            <a:schemeClr val="bg1"/>
+                          </a:solidFill>
+                          <a:latin typeface="Ubuntu" panose="020B0604020202020204" charset="0"/>
+                        </a:rPr>
+                        <a:t>sr.no</a:t>
+                      </a:r>
+                      <a:endParaRPr lang="en-IN" dirty="0">
+                        <a:solidFill>
+                          <a:schemeClr val="bg1"/>
+                        </a:solidFill>
+                        <a:latin typeface="Ubuntu" panose="020B0604020202020204" charset="0"/>
+                      </a:endParaRPr>
+                    </a:p>
+                  </a:txBody>
+                  <a:tcPr/>
+                </a:tc>
+                <a:tc>
+                  <a:txBody>
+                    <a:bodyPr/>
+                    <a:lstStyle/>
+                    <a:p>
+                      <a:pPr algn="ctr"/>
+                      <a:r>
+                        <a:rPr lang="en-IN" sz="1400" b="0" i="0" u="none" strike="noStrike" cap="none" dirty="0" smtClean="0">
+                          <a:solidFill>
+                            <a:schemeClr val="bg1"/>
+                          </a:solidFill>
+                          <a:effectLst/>
+                          <a:latin typeface="Ubuntu" panose="020B0604020202020204" charset="0"/>
+                          <a:ea typeface="Arial"/>
+                          <a:cs typeface="Arial"/>
+                          <a:sym typeface="Arial"/>
+                        </a:rPr>
+                        <a:t>Title of Page</a:t>
+                      </a:r>
+                      <a:endParaRPr lang="en-IN" dirty="0">
+                        <a:solidFill>
+                          <a:schemeClr val="bg1"/>
+                        </a:solidFill>
+                        <a:latin typeface="Ubuntu" panose="020B0604020202020204" charset="0"/>
+                      </a:endParaRPr>
+                    </a:p>
+                  </a:txBody>
+                  <a:tcPr/>
+                </a:tc>
+                <a:tc>
+                  <a:txBody>
+                    <a:bodyPr/>
+                    <a:lstStyle/>
+                    <a:p>
+                      <a:pPr algn="ctr"/>
+                      <a:r>
+                        <a:rPr lang="en-IN" sz="1400" b="0" i="0" u="none" strike="noStrike" cap="none" dirty="0" smtClean="0">
+                          <a:solidFill>
+                            <a:schemeClr val="bg1"/>
+                          </a:solidFill>
+                          <a:effectLst/>
+                          <a:latin typeface="Ubuntu" panose="020B0604020202020204" charset="0"/>
+                          <a:ea typeface="Arial"/>
+                          <a:cs typeface="Arial"/>
+                          <a:sym typeface="Arial"/>
+                        </a:rPr>
+                        <a:t>Author</a:t>
+                      </a:r>
+                      <a:endParaRPr lang="en-IN" dirty="0">
+                        <a:solidFill>
+                          <a:schemeClr val="bg1"/>
+                        </a:solidFill>
+                        <a:latin typeface="Ubuntu" panose="020B0604020202020204" charset="0"/>
+                      </a:endParaRPr>
+                    </a:p>
+                  </a:txBody>
+                  <a:tcPr/>
+                </a:tc>
+                <a:tc>
+                  <a:txBody>
+                    <a:bodyPr/>
+                    <a:lstStyle/>
+                    <a:p>
+                      <a:pPr algn="ctr"/>
+                      <a:r>
+                        <a:rPr lang="en-IN" sz="1400" b="0" i="0" u="none" strike="noStrike" cap="none" dirty="0" smtClean="0">
+                          <a:solidFill>
+                            <a:schemeClr val="bg1"/>
+                          </a:solidFill>
+                          <a:effectLst/>
+                          <a:latin typeface="Ubuntu" panose="020B0604020202020204" charset="0"/>
+                          <a:ea typeface="Arial"/>
+                          <a:cs typeface="Arial"/>
+                          <a:sym typeface="Arial"/>
+                        </a:rPr>
+                        <a:t>Published Year</a:t>
+                      </a:r>
+                      <a:endParaRPr lang="en-IN" dirty="0">
+                        <a:solidFill>
+                          <a:schemeClr val="bg1"/>
+                        </a:solidFill>
+                        <a:latin typeface="Ubuntu" panose="020B0604020202020204" charset="0"/>
+                      </a:endParaRPr>
+                    </a:p>
+                  </a:txBody>
+                  <a:tcPr/>
+                </a:tc>
+                <a:tc>
+                  <a:txBody>
+                    <a:bodyPr/>
+                    <a:lstStyle/>
+                    <a:p>
+                      <a:pPr algn="ctr"/>
+                      <a:r>
+                        <a:rPr lang="en-IN" sz="1400" b="0" i="0" u="none" strike="noStrike" cap="none" dirty="0" smtClean="0">
+                          <a:solidFill>
+                            <a:schemeClr val="bg1"/>
+                          </a:solidFill>
+                          <a:effectLst/>
+                          <a:latin typeface="Ubuntu" panose="020B0604020202020204" charset="0"/>
+                          <a:ea typeface="Arial"/>
+                          <a:cs typeface="Arial"/>
+                          <a:sym typeface="Arial"/>
+                        </a:rPr>
+                        <a:t>Finding</a:t>
+                      </a:r>
+                      <a:endParaRPr lang="en-IN" dirty="0">
+                        <a:solidFill>
+                          <a:schemeClr val="bg1"/>
+                        </a:solidFill>
+                        <a:latin typeface="Ubuntu" panose="020B0604020202020204" charset="0"/>
+                      </a:endParaRPr>
+                    </a:p>
+                  </a:txBody>
+                  <a:tcPr/>
+                </a:tc>
+                <a:tc>
+                  <a:txBody>
+                    <a:bodyPr/>
+                    <a:lstStyle/>
+                    <a:p>
+                      <a:pPr algn="ctr"/>
+                      <a:r>
+                        <a:rPr lang="en-IN" sz="1400" b="0" i="0" u="none" strike="noStrike" cap="none" dirty="0" smtClean="0">
+                          <a:solidFill>
+                            <a:schemeClr val="bg1"/>
+                          </a:solidFill>
+                          <a:effectLst/>
+                          <a:latin typeface="Ubuntu" panose="020B0604020202020204" charset="0"/>
+                          <a:ea typeface="Arial"/>
+                          <a:cs typeface="Arial"/>
+                          <a:sym typeface="Arial"/>
+                        </a:rPr>
+                        <a:t>Future Scope</a:t>
+                      </a:r>
+                      <a:endParaRPr lang="en-IN" dirty="0">
+                        <a:solidFill>
+                          <a:schemeClr val="bg1"/>
+                        </a:solidFill>
+                        <a:latin typeface="Ubuntu" panose="020B0604020202020204" charset="0"/>
+                      </a:endParaRPr>
+                    </a:p>
+                  </a:txBody>
+                  <a:tcPr/>
+                </a:tc>
+              </a:tr>
+              <a:tr h="1023904">
+                <a:tc>
+                  <a:txBody>
+                    <a:bodyPr/>
+                    <a:lstStyle/>
+                    <a:p>
+                      <a:pPr algn="ctr"/>
+                      <a:r>
+                        <a:rPr lang="en-US" dirty="0" smtClean="0">
+                          <a:solidFill>
+                            <a:schemeClr val="bg1"/>
+                          </a:solidFill>
+                          <a:latin typeface="Ubuntu" panose="020B0604020202020204" charset="0"/>
+                        </a:rPr>
+                        <a:t>1.</a:t>
+                      </a:r>
+                      <a:endParaRPr lang="en-IN" dirty="0">
+                        <a:solidFill>
+                          <a:schemeClr val="bg1"/>
+                        </a:solidFill>
+                        <a:latin typeface="Ubuntu" panose="020B0604020202020204" charset="0"/>
+                      </a:endParaRPr>
+                    </a:p>
+                  </a:txBody>
+                  <a:tcPr/>
+                </a:tc>
+                <a:tc>
+                  <a:txBody>
+                    <a:bodyPr/>
+                    <a:lstStyle/>
+                    <a:p>
+                      <a:pPr algn="ctr"/>
+                      <a:r>
+                        <a:rPr lang="en-US" sz="1400" b="0" i="0" u="none" strike="noStrike" cap="none" dirty="0" smtClean="0">
+                          <a:solidFill>
+                            <a:schemeClr val="bg1"/>
+                          </a:solidFill>
+                          <a:effectLst/>
+                          <a:latin typeface="Ubuntu" panose="020B0604020202020204" charset="0"/>
+                          <a:ea typeface="Arial"/>
+                          <a:cs typeface="Arial"/>
+                          <a:sym typeface="Arial"/>
+                        </a:rPr>
+                        <a:t>React Native Based Mobile App for Online Experimentation</a:t>
+                      </a:r>
+                      <a:endParaRPr lang="en-IN" dirty="0">
+                        <a:solidFill>
+                          <a:schemeClr val="bg1"/>
+                        </a:solidFill>
+                        <a:latin typeface="Ubuntu" panose="020B0604020202020204" charset="0"/>
+                      </a:endParaRPr>
+                    </a:p>
+                  </a:txBody>
+                  <a:tcPr/>
+                </a:tc>
+                <a:tc>
+                  <a:txBody>
+                    <a:bodyPr/>
+                    <a:lstStyle/>
+                    <a:p>
+                      <a:pPr algn="ctr"/>
+                      <a:r>
+                        <a:rPr lang="en-IN" sz="1400" b="0" i="0" u="none" strike="noStrike" cap="none" dirty="0" err="1" smtClean="0">
+                          <a:solidFill>
+                            <a:schemeClr val="bg1"/>
+                          </a:solidFill>
+                          <a:effectLst/>
+                          <a:latin typeface="Ubuntu" panose="020B0604020202020204" charset="0"/>
+                          <a:ea typeface="Arial"/>
+                          <a:cs typeface="Arial"/>
+                          <a:sym typeface="Arial"/>
+                        </a:rPr>
+                        <a:t>Xingwei</a:t>
+                      </a:r>
+                      <a:r>
+                        <a:rPr lang="en-IN" sz="1400" b="0" i="0" u="none" strike="noStrike" cap="none" dirty="0" smtClean="0">
+                          <a:solidFill>
+                            <a:schemeClr val="bg1"/>
+                          </a:solidFill>
+                          <a:effectLst/>
+                          <a:latin typeface="Ubuntu" panose="020B0604020202020204" charset="0"/>
+                          <a:ea typeface="Arial"/>
+                          <a:cs typeface="Arial"/>
+                          <a:sym typeface="Arial"/>
+                        </a:rPr>
+                        <a:t> Zhou </a:t>
+                      </a:r>
+                      <a:r>
+                        <a:rPr lang="en-IN" sz="1400" b="0" i="0" u="none" strike="noStrike" cap="none" dirty="0" err="1" smtClean="0">
+                          <a:solidFill>
+                            <a:schemeClr val="bg1"/>
+                          </a:solidFill>
+                          <a:effectLst/>
+                          <a:latin typeface="Ubuntu" panose="020B0604020202020204" charset="0"/>
+                          <a:ea typeface="Arial"/>
+                          <a:cs typeface="Arial"/>
+                          <a:sym typeface="Arial"/>
+                        </a:rPr>
+                        <a:t>etal</a:t>
+                      </a:r>
+                      <a:r>
+                        <a:rPr lang="en-IN" sz="1400" b="0" i="0" u="none" strike="noStrike" cap="none" dirty="0" smtClean="0">
+                          <a:solidFill>
+                            <a:schemeClr val="bg1"/>
+                          </a:solidFill>
+                          <a:effectLst/>
+                          <a:latin typeface="Ubuntu" panose="020B0604020202020204" charset="0"/>
+                          <a:ea typeface="Arial"/>
+                          <a:cs typeface="Arial"/>
+                          <a:sym typeface="Arial"/>
+                        </a:rPr>
+                        <a:t>.</a:t>
+                      </a:r>
+                      <a:endParaRPr lang="en-IN" dirty="0">
+                        <a:solidFill>
+                          <a:schemeClr val="bg1"/>
+                        </a:solidFill>
+                        <a:latin typeface="Ubuntu" panose="020B0604020202020204" charset="0"/>
+                      </a:endParaRPr>
+                    </a:p>
+                  </a:txBody>
+                  <a:tcPr/>
+                </a:tc>
+                <a:tc>
+                  <a:txBody>
+                    <a:bodyPr/>
+                    <a:lstStyle/>
+                    <a:p>
+                      <a:pPr algn="ctr"/>
+                      <a:r>
+                        <a:rPr lang="en-IN" sz="1400" b="0" i="0" u="none" strike="noStrike" cap="none" dirty="0" smtClean="0">
+                          <a:solidFill>
+                            <a:schemeClr val="bg1"/>
+                          </a:solidFill>
+                          <a:effectLst/>
+                          <a:latin typeface="Ubuntu" panose="020B0604020202020204" charset="0"/>
+                          <a:ea typeface="Arial"/>
+                          <a:cs typeface="Arial"/>
+                          <a:sym typeface="Arial"/>
+                        </a:rPr>
+                        <a:t>2020</a:t>
+                      </a:r>
+                      <a:endParaRPr lang="en-IN" dirty="0">
+                        <a:solidFill>
+                          <a:schemeClr val="bg1"/>
+                        </a:solidFill>
+                        <a:latin typeface="Ubuntu" panose="020B0604020202020204" charset="0"/>
+                      </a:endParaRPr>
+                    </a:p>
+                  </a:txBody>
+                  <a:tcPr/>
+                </a:tc>
+                <a:tc>
+                  <a:txBody>
+                    <a:bodyPr/>
+                    <a:lstStyle/>
+                    <a:p>
+                      <a:pPr algn="ctr"/>
+                      <a:r>
+                        <a:rPr lang="en-IN" sz="1400" b="0" i="0" u="none" strike="noStrike" cap="none" dirty="0" smtClean="0">
+                          <a:solidFill>
+                            <a:schemeClr val="bg1"/>
+                          </a:solidFill>
+                          <a:effectLst/>
+                          <a:latin typeface="Ubuntu" panose="020B0604020202020204" charset="0"/>
+                          <a:ea typeface="Arial"/>
+                          <a:cs typeface="Arial"/>
+                          <a:sym typeface="Arial"/>
+                        </a:rPr>
+                        <a:t>IEEE </a:t>
+                      </a:r>
+                      <a:r>
+                        <a:rPr lang="en-IN" sz="1400" b="0" i="0" u="none" strike="noStrike" cap="none" dirty="0" err="1" smtClean="0">
+                          <a:solidFill>
+                            <a:schemeClr val="bg1"/>
+                          </a:solidFill>
+                          <a:effectLst/>
+                          <a:latin typeface="Ubuntu" panose="020B0604020202020204" charset="0"/>
+                          <a:ea typeface="Arial"/>
+                          <a:cs typeface="Arial"/>
+                          <a:sym typeface="Arial"/>
+                        </a:rPr>
+                        <a:t>Xplore</a:t>
+                      </a:r>
+                      <a:r>
+                        <a:rPr lang="en-IN" sz="1400" b="0" i="0" u="none" strike="noStrike" cap="none" dirty="0" smtClean="0">
+                          <a:solidFill>
+                            <a:schemeClr val="bg1"/>
+                          </a:solidFill>
+                          <a:effectLst/>
+                          <a:latin typeface="Ubuntu" panose="020B0604020202020204" charset="0"/>
+                          <a:ea typeface="Arial"/>
+                          <a:cs typeface="Arial"/>
+                          <a:sym typeface="Arial"/>
+                        </a:rPr>
+                        <a:t>.</a:t>
+                      </a:r>
+                      <a:endParaRPr lang="en-IN" dirty="0">
+                        <a:solidFill>
+                          <a:schemeClr val="bg1"/>
+                        </a:solidFill>
+                        <a:latin typeface="Ubuntu" panose="020B0604020202020204" charset="0"/>
+                      </a:endParaRPr>
+                    </a:p>
+                  </a:txBody>
+                  <a:tcPr/>
+                </a:tc>
+                <a:tc>
+                  <a:txBody>
+                    <a:bodyPr/>
+                    <a:lstStyle/>
+                    <a:p>
+                      <a:pPr algn="ctr"/>
+                      <a:r>
+                        <a:rPr lang="en-US" sz="1400" b="0" i="0" u="none" strike="noStrike" cap="none" dirty="0" smtClean="0">
+                          <a:solidFill>
+                            <a:schemeClr val="bg1"/>
+                          </a:solidFill>
+                          <a:effectLst/>
+                          <a:latin typeface="Ubuntu" panose="020B0604020202020204" charset="0"/>
+                          <a:ea typeface="Arial"/>
+                          <a:cs typeface="Arial"/>
+                          <a:sym typeface="Arial"/>
+                        </a:rPr>
+                        <a:t>Helps Student To get Practical Experience Through 3D</a:t>
+                      </a:r>
+                      <a:endParaRPr lang="en-IN" dirty="0">
+                        <a:solidFill>
+                          <a:schemeClr val="bg1"/>
+                        </a:solidFill>
+                        <a:latin typeface="Ubuntu" panose="020B0604020202020204" charset="0"/>
+                      </a:endParaRPr>
+                    </a:p>
+                  </a:txBody>
+                  <a:tcPr/>
+                </a:tc>
+              </a:tr>
+            </a:tbl>
+          </a:graphicData>
+        </a:graphic>
+      </p:graphicFrame>
+    </p:spTree>
+    <p:extLst>
+      <p:ext uri="{BB962C8B-B14F-4D97-AF65-F5344CB8AC3E}">
+        <p14:creationId xmlns:p14="http://schemas.microsoft.com/office/powerpoint/2010/main" val="2839583367"/>
+      </p:ext>
+    </p:extLst>
+  </p:cSld>
+  <p:clrMapOvr>
+    <a:masterClrMapping/>
+  </p:clrMapOvr>
+  <p:timing>
+    <p:tnLst>
+      <p:par>
+        <p:cTn id="1" dur="indefinite" restart="never" nodeType="tmRoot"/>
+      </p:par>
+    </p:tnLst>
+  </p:timing>
+</p:sld>
+</file>
+
+<file path=ppt/slides/slide12.xml><?xml version="1.0" encoding="utf-8"?>
+<p:sld xmlns:a="http://schemas.openxmlformats.org/drawingml/2006/main" xmlns:r="http://schemas.openxmlformats.org/officeDocument/2006/relationships" xmlns:p="http://schemas.openxmlformats.org/presentationml/2006/main">
+  <p:cSld>
+    <p:spTree>
+      <p:nvGrpSpPr>
+        <p:cNvPr id="1" name=""/>
+        <p:cNvGrpSpPr/>
+        <p:nvPr/>
+      </p:nvGrpSpPr>
+      <p:grpSpPr>
+        <a:xfrm>
+          <a:off x="0" y="0"/>
+          <a:ext cx="0" cy="0"/>
+          <a:chOff x="0" y="0"/>
+          <a:chExt cx="0" cy="0"/>
+        </a:xfrm>
+      </p:grpSpPr>
+      <p:sp>
+        <p:nvSpPr>
+          <p:cNvPr id="2" name="Slide Number Placeholder 1"/>
+          <p:cNvSpPr>
+            <a:spLocks noGrp="1"/>
+          </p:cNvSpPr>
+          <p:nvPr>
+            <p:ph type="sldNum" idx="12"/>
+          </p:nvPr>
+        </p:nvSpPr>
+        <p:spPr/>
+        <p:txBody>
+          <a:bodyPr/>
+          <a:lstStyle/>
+          <a:p>
+            <a:pPr marL="0" lvl="0" indent="0" algn="r" rtl="0">
+              <a:spcBef>
+                <a:spcPts val="0"/>
+              </a:spcBef>
+              <a:spcAft>
+                <a:spcPts val="0"/>
+              </a:spcAft>
+              <a:buNone/>
+            </a:pPr>
+            <a:fld id="{00000000-1234-1234-1234-123412341234}" type="slidenum">
+              <a:rPr lang="en" smtClean="0"/>
+              <a:t>12</a:t>
+            </a:fld>
+            <a:endParaRPr lang="en"/>
+          </a:p>
+        </p:txBody>
+      </p:sp>
+      <p:graphicFrame>
+        <p:nvGraphicFramePr>
+          <p:cNvPr id="3" name="Table 2"/>
+          <p:cNvGraphicFramePr>
+            <a:graphicFrameLocks noGrp="1"/>
+          </p:cNvGraphicFramePr>
+          <p:nvPr>
+            <p:extLst>
+              <p:ext uri="{D42A27DB-BD31-4B8C-83A1-F6EECF244321}">
+                <p14:modId xmlns:p14="http://schemas.microsoft.com/office/powerpoint/2010/main" val="2958965089"/>
+              </p:ext>
+            </p:extLst>
+          </p:nvPr>
+        </p:nvGraphicFramePr>
+        <p:xfrm>
+          <a:off x="1371136" y="1557912"/>
+          <a:ext cx="6725982" cy="1542064"/>
+        </p:xfrm>
+        <a:graphic>
+          <a:graphicData uri="http://schemas.openxmlformats.org/drawingml/2006/table">
+            <a:tbl>
+              <a:tblPr firstRow="1" bandRow="1">
+                <a:tableStyleId>{B84379CE-DF76-49EC-B630-198188EDF416}</a:tableStyleId>
+              </a:tblPr>
+              <a:tblGrid>
+                <a:gridCol w="1120997"/>
+                <a:gridCol w="1360020"/>
+                <a:gridCol w="881974"/>
+                <a:gridCol w="1120997"/>
+                <a:gridCol w="1120997"/>
+                <a:gridCol w="1120997"/>
+              </a:tblGrid>
+              <a:tr h="458957">
+                <a:tc>
+                  <a:txBody>
+                    <a:bodyPr/>
+                    <a:lstStyle/>
+                    <a:p>
+                      <a:pPr algn="ctr"/>
+                      <a:r>
+                        <a:rPr lang="en-US" dirty="0" smtClean="0">
+                          <a:solidFill>
+                            <a:schemeClr val="bg1"/>
+                          </a:solidFill>
+                          <a:latin typeface="Ubuntu" panose="020B0604020202020204" charset="0"/>
+                        </a:rPr>
+                        <a:t>sr.no</a:t>
+                      </a:r>
+                      <a:endParaRPr lang="en-IN" dirty="0">
+                        <a:solidFill>
+                          <a:schemeClr val="bg1"/>
+                        </a:solidFill>
+                        <a:latin typeface="Ubuntu" panose="020B0604020202020204" charset="0"/>
+                      </a:endParaRPr>
+                    </a:p>
+                  </a:txBody>
+                  <a:tcPr/>
+                </a:tc>
+                <a:tc>
+                  <a:txBody>
+                    <a:bodyPr/>
+                    <a:lstStyle/>
+                    <a:p>
+                      <a:pPr algn="ctr"/>
+                      <a:r>
+                        <a:rPr lang="en-IN" sz="1400" b="0" i="0" u="none" strike="noStrike" cap="none" dirty="0" smtClean="0">
+                          <a:solidFill>
+                            <a:schemeClr val="bg1"/>
+                          </a:solidFill>
+                          <a:effectLst/>
+                          <a:latin typeface="Ubuntu" panose="020B0604020202020204" charset="0"/>
+                          <a:ea typeface="Arial"/>
+                          <a:cs typeface="Arial"/>
+                          <a:sym typeface="Arial"/>
+                        </a:rPr>
+                        <a:t>Title of Page</a:t>
+                      </a:r>
+                      <a:endParaRPr lang="en-IN" dirty="0">
+                        <a:solidFill>
+                          <a:schemeClr val="bg1"/>
+                        </a:solidFill>
+                        <a:latin typeface="Ubuntu" panose="020B0604020202020204" charset="0"/>
+                      </a:endParaRPr>
+                    </a:p>
+                  </a:txBody>
+                  <a:tcPr/>
+                </a:tc>
+                <a:tc>
+                  <a:txBody>
+                    <a:bodyPr/>
+                    <a:lstStyle/>
+                    <a:p>
+                      <a:pPr algn="ctr"/>
+                      <a:r>
+                        <a:rPr lang="en-IN" sz="1400" b="0" i="0" u="none" strike="noStrike" cap="none" dirty="0" smtClean="0">
+                          <a:solidFill>
+                            <a:schemeClr val="bg1"/>
+                          </a:solidFill>
+                          <a:effectLst/>
+                          <a:latin typeface="Ubuntu" panose="020B0604020202020204" charset="0"/>
+                          <a:ea typeface="Arial"/>
+                          <a:cs typeface="Arial"/>
+                          <a:sym typeface="Arial"/>
+                        </a:rPr>
+                        <a:t>Author</a:t>
+                      </a:r>
+                      <a:endParaRPr lang="en-IN" dirty="0">
+                        <a:solidFill>
+                          <a:schemeClr val="bg1"/>
+                        </a:solidFill>
+                        <a:latin typeface="Ubuntu" panose="020B0604020202020204" charset="0"/>
+                      </a:endParaRPr>
+                    </a:p>
+                  </a:txBody>
+                  <a:tcPr/>
+                </a:tc>
+                <a:tc>
+                  <a:txBody>
+                    <a:bodyPr/>
+                    <a:lstStyle/>
+                    <a:p>
+                      <a:pPr algn="ctr"/>
+                      <a:r>
+                        <a:rPr lang="en-IN" sz="1400" b="0" i="0" u="none" strike="noStrike" cap="none" dirty="0" smtClean="0">
+                          <a:solidFill>
+                            <a:schemeClr val="bg1"/>
+                          </a:solidFill>
+                          <a:effectLst/>
+                          <a:latin typeface="Ubuntu" panose="020B0604020202020204" charset="0"/>
+                          <a:ea typeface="Arial"/>
+                          <a:cs typeface="Arial"/>
+                          <a:sym typeface="Arial"/>
+                        </a:rPr>
+                        <a:t>Published Year</a:t>
+                      </a:r>
+                      <a:endParaRPr lang="en-IN" dirty="0">
+                        <a:solidFill>
+                          <a:schemeClr val="bg1"/>
+                        </a:solidFill>
+                        <a:latin typeface="Ubuntu" panose="020B0604020202020204" charset="0"/>
+                      </a:endParaRPr>
+                    </a:p>
+                  </a:txBody>
+                  <a:tcPr/>
+                </a:tc>
+                <a:tc>
+                  <a:txBody>
+                    <a:bodyPr/>
+                    <a:lstStyle/>
+                    <a:p>
+                      <a:pPr algn="ctr"/>
+                      <a:r>
+                        <a:rPr lang="en-IN" sz="1400" b="0" i="0" u="none" strike="noStrike" cap="none" dirty="0" smtClean="0">
+                          <a:solidFill>
+                            <a:schemeClr val="bg1"/>
+                          </a:solidFill>
+                          <a:effectLst/>
+                          <a:latin typeface="Ubuntu" panose="020B0604020202020204" charset="0"/>
+                          <a:ea typeface="Arial"/>
+                          <a:cs typeface="Arial"/>
+                          <a:sym typeface="Arial"/>
+                        </a:rPr>
+                        <a:t>Finding</a:t>
+                      </a:r>
+                      <a:endParaRPr lang="en-IN" dirty="0">
+                        <a:solidFill>
+                          <a:schemeClr val="bg1"/>
+                        </a:solidFill>
+                        <a:latin typeface="Ubuntu" panose="020B0604020202020204" charset="0"/>
+                      </a:endParaRPr>
+                    </a:p>
+                  </a:txBody>
+                  <a:tcPr/>
+                </a:tc>
+                <a:tc>
+                  <a:txBody>
+                    <a:bodyPr/>
+                    <a:lstStyle/>
+                    <a:p>
+                      <a:pPr algn="ctr"/>
+                      <a:r>
+                        <a:rPr lang="en-IN" sz="1400" b="0" i="0" u="none" strike="noStrike" cap="none" dirty="0" smtClean="0">
+                          <a:solidFill>
+                            <a:schemeClr val="bg1"/>
+                          </a:solidFill>
+                          <a:effectLst/>
+                          <a:latin typeface="Ubuntu" panose="020B0604020202020204" charset="0"/>
+                          <a:ea typeface="Arial"/>
+                          <a:cs typeface="Arial"/>
+                          <a:sym typeface="Arial"/>
+                        </a:rPr>
+                        <a:t>Future Scope</a:t>
+                      </a:r>
+                      <a:endParaRPr lang="en-IN" dirty="0">
+                        <a:solidFill>
+                          <a:schemeClr val="bg1"/>
+                        </a:solidFill>
+                        <a:latin typeface="Ubuntu" panose="020B0604020202020204" charset="0"/>
+                      </a:endParaRPr>
+                    </a:p>
+                  </a:txBody>
+                  <a:tcPr/>
+                </a:tc>
+              </a:tr>
+              <a:tr h="1023904">
+                <a:tc>
+                  <a:txBody>
+                    <a:bodyPr/>
+                    <a:lstStyle/>
+                    <a:p>
+                      <a:pPr algn="ctr"/>
+                      <a:r>
+                        <a:rPr lang="en-US" dirty="0" smtClean="0">
+                          <a:solidFill>
+                            <a:schemeClr val="bg1"/>
+                          </a:solidFill>
+                          <a:latin typeface="Ubuntu" panose="020B0604020202020204" charset="0"/>
+                        </a:rPr>
+                        <a:t>2</a:t>
+                      </a:r>
+                      <a:endParaRPr lang="en-IN" dirty="0">
+                        <a:solidFill>
+                          <a:schemeClr val="bg1"/>
+                        </a:solidFill>
+                        <a:latin typeface="Ubuntu" panose="020B0604020202020204" charset="0"/>
+                      </a:endParaRPr>
+                    </a:p>
+                  </a:txBody>
+                  <a:tcPr/>
+                </a:tc>
+                <a:tc>
+                  <a:txBody>
+                    <a:bodyPr/>
+                    <a:lstStyle/>
+                    <a:p>
+                      <a:pPr algn="ctr"/>
+                      <a:r>
+                        <a:rPr lang="en-IN" sz="1400" b="0" i="0" u="none" strike="noStrike" cap="none" dirty="0" smtClean="0">
+                          <a:solidFill>
+                            <a:schemeClr val="bg1"/>
+                          </a:solidFill>
+                          <a:effectLst/>
+                          <a:latin typeface="Ubuntu" panose="020B0604020202020204" charset="0"/>
+                          <a:ea typeface="Arial"/>
+                          <a:cs typeface="Arial"/>
+                          <a:sym typeface="Arial"/>
+                        </a:rPr>
+                        <a:t>React Native Supplements.</a:t>
+                      </a:r>
+                      <a:endParaRPr lang="en-IN" dirty="0">
+                        <a:solidFill>
+                          <a:schemeClr val="bg1"/>
+                        </a:solidFill>
+                        <a:latin typeface="Ubuntu" panose="020B0604020202020204" charset="0"/>
+                      </a:endParaRPr>
+                    </a:p>
+                  </a:txBody>
+                  <a:tcPr/>
+                </a:tc>
+                <a:tc>
+                  <a:txBody>
+                    <a:bodyPr/>
+                    <a:lstStyle/>
+                    <a:p>
+                      <a:pPr algn="ctr"/>
+                      <a:r>
+                        <a:rPr lang="en-IN" sz="1400" b="0" i="0" u="none" strike="noStrike" cap="none" dirty="0" smtClean="0">
+                          <a:solidFill>
+                            <a:schemeClr val="bg1"/>
+                          </a:solidFill>
+                          <a:effectLst/>
+                          <a:latin typeface="Ubuntu" panose="020B0604020202020204" charset="0"/>
+                          <a:ea typeface="Arial"/>
+                          <a:cs typeface="Arial"/>
+                          <a:sym typeface="Arial"/>
+                        </a:rPr>
+                        <a:t>Paul </a:t>
+                      </a:r>
+                      <a:r>
+                        <a:rPr lang="en-IN" sz="1400" b="0" i="0" u="none" strike="noStrike" cap="none" dirty="0" err="1" smtClean="0">
+                          <a:solidFill>
+                            <a:schemeClr val="bg1"/>
+                          </a:solidFill>
+                          <a:effectLst/>
+                          <a:latin typeface="Ubuntu" panose="020B0604020202020204" charset="0"/>
+                          <a:ea typeface="Arial"/>
+                          <a:cs typeface="Arial"/>
+                          <a:sym typeface="Arial"/>
+                        </a:rPr>
+                        <a:t>etal</a:t>
+                      </a:r>
+                      <a:r>
+                        <a:rPr lang="en-IN" sz="1400" b="0" i="0" u="none" strike="noStrike" cap="none" dirty="0" smtClean="0">
+                          <a:solidFill>
+                            <a:schemeClr val="bg1"/>
+                          </a:solidFill>
+                          <a:effectLst/>
+                          <a:latin typeface="Ubuntu" panose="020B0604020202020204" charset="0"/>
+                          <a:ea typeface="Arial"/>
+                          <a:cs typeface="Arial"/>
+                          <a:sym typeface="Arial"/>
+                        </a:rPr>
+                        <a:t>.</a:t>
+                      </a:r>
+                      <a:endParaRPr lang="en-IN" dirty="0">
+                        <a:solidFill>
+                          <a:schemeClr val="bg1"/>
+                        </a:solidFill>
+                        <a:latin typeface="Ubuntu" panose="020B0604020202020204" charset="0"/>
+                      </a:endParaRPr>
+                    </a:p>
+                  </a:txBody>
+                  <a:tcPr/>
+                </a:tc>
+                <a:tc>
+                  <a:txBody>
+                    <a:bodyPr/>
+                    <a:lstStyle/>
+                    <a:p>
+                      <a:pPr algn="ctr"/>
+                      <a:r>
+                        <a:rPr lang="en-IN" sz="1400" b="0" i="0" u="none" strike="noStrike" cap="none" dirty="0" smtClean="0">
+                          <a:solidFill>
+                            <a:schemeClr val="bg1"/>
+                          </a:solidFill>
+                          <a:effectLst/>
+                          <a:latin typeface="Ubuntu" panose="020B0604020202020204" charset="0"/>
+                          <a:ea typeface="Arial"/>
+                          <a:cs typeface="Arial"/>
+                          <a:sym typeface="Arial"/>
+                        </a:rPr>
+                        <a:t>2019</a:t>
+                      </a:r>
+                      <a:endParaRPr lang="en-IN" dirty="0">
+                        <a:solidFill>
+                          <a:schemeClr val="bg1"/>
+                        </a:solidFill>
+                        <a:latin typeface="Ubuntu" panose="020B0604020202020204" charset="0"/>
+                      </a:endParaRPr>
+                    </a:p>
+                  </a:txBody>
+                  <a:tcPr/>
+                </a:tc>
+                <a:tc>
+                  <a:txBody>
+                    <a:bodyPr/>
+                    <a:lstStyle/>
+                    <a:p>
+                      <a:pPr algn="ctr"/>
+                      <a:r>
+                        <a:rPr lang="en-IN" sz="1400" b="0" i="0" u="none" strike="noStrike" cap="none" dirty="0" smtClean="0">
+                          <a:solidFill>
+                            <a:schemeClr val="bg1"/>
+                          </a:solidFill>
+                          <a:effectLst/>
+                          <a:latin typeface="Ubuntu" panose="020B0604020202020204" charset="0"/>
+                          <a:ea typeface="Arial"/>
+                          <a:cs typeface="Arial"/>
+                          <a:sym typeface="Arial"/>
+                        </a:rPr>
+                        <a:t>Springer.</a:t>
+                      </a:r>
+                      <a:endParaRPr lang="en-IN" dirty="0">
+                        <a:solidFill>
+                          <a:schemeClr val="bg1"/>
+                        </a:solidFill>
+                        <a:latin typeface="Ubuntu" panose="020B0604020202020204" charset="0"/>
+                      </a:endParaRPr>
+                    </a:p>
+                  </a:txBody>
+                  <a:tcPr/>
+                </a:tc>
+                <a:tc>
+                  <a:txBody>
+                    <a:bodyPr/>
+                    <a:lstStyle/>
+                    <a:p>
+                      <a:pPr algn="ctr"/>
+                      <a:r>
+                        <a:rPr lang="en-IN" sz="1400" b="0" i="0" u="none" strike="noStrike" cap="none" dirty="0" smtClean="0">
+                          <a:solidFill>
+                            <a:schemeClr val="bg1"/>
+                          </a:solidFill>
+                          <a:effectLst/>
+                          <a:latin typeface="Ubuntu" panose="020B0604020202020204" charset="0"/>
+                          <a:ea typeface="Arial"/>
+                          <a:cs typeface="Arial"/>
+                          <a:sym typeface="Arial"/>
+                        </a:rPr>
+                        <a:t>Guide For Developers</a:t>
+                      </a:r>
+                      <a:endParaRPr lang="en-IN" dirty="0">
+                        <a:solidFill>
+                          <a:schemeClr val="bg1"/>
+                        </a:solidFill>
+                        <a:latin typeface="Ubuntu" panose="020B0604020202020204" charset="0"/>
+                      </a:endParaRPr>
+                    </a:p>
+                  </a:txBody>
+                  <a:tcPr/>
+                </a:tc>
+              </a:tr>
+            </a:tbl>
+          </a:graphicData>
+        </a:graphic>
+      </p:graphicFrame>
+    </p:spTree>
+    <p:extLst>
+      <p:ext uri="{BB962C8B-B14F-4D97-AF65-F5344CB8AC3E}">
+        <p14:creationId xmlns:p14="http://schemas.microsoft.com/office/powerpoint/2010/main" val="2181165785"/>
+      </p:ext>
+    </p:extLst>
+  </p:cSld>
+  <p:clrMapOvr>
+    <a:masterClrMapping/>
+  </p:clrMapOvr>
+  <p:timing>
+    <p:tnLst>
+      <p:par>
+        <p:cTn id="1" dur="indefinite" restart="never" nodeType="tmRoot"/>
+      </p:par>
+    </p:tnLst>
+  </p:timing>
+</p:sld>
+</file>
+
+<file path=ppt/slides/slide13.xml><?xml version="1.0" encoding="utf-8"?>
+<p:sld xmlns:a="http://schemas.openxmlformats.org/drawingml/2006/main" xmlns:r="http://schemas.openxmlformats.org/officeDocument/2006/relationships" xmlns:p="http://schemas.openxmlformats.org/presentationml/2006/main">
+  <p:cSld>
+    <p:spTree>
+      <p:nvGrpSpPr>
+        <p:cNvPr id="1" name="Shape 142"/>
+        <p:cNvGrpSpPr/>
+        <p:nvPr/>
+      </p:nvGrpSpPr>
+      <p:grpSpPr>
+        <a:xfrm>
+          <a:off x="0" y="0"/>
+          <a:ext cx="0" cy="0"/>
+          <a:chOff x="0" y="0"/>
+          <a:chExt cx="0" cy="0"/>
+        </a:xfrm>
+      </p:grpSpPr>
+      <p:sp>
+        <p:nvSpPr>
+          <p:cNvPr id="143" name="Google Shape;143;p23"/>
+          <p:cNvSpPr txBox="1">
+            <a:spLocks noGrp="1"/>
+          </p:cNvSpPr>
+          <p:nvPr>
+            <p:ph type="title"/>
+          </p:nvPr>
+        </p:nvSpPr>
+        <p:spPr>
+          <a:xfrm>
+            <a:off x="930600" y="886017"/>
+            <a:ext cx="7282800" cy="364200"/>
+          </a:xfrm>
+          <a:prstGeom prst="rect">
+            <a:avLst/>
+          </a:prstGeom>
+        </p:spPr>
+        <p:txBody>
+          <a:bodyPr spcFirstLastPara="1" wrap="square" lIns="0" tIns="0" rIns="0" bIns="0" anchor="b" anchorCtr="0">
+            <a:noAutofit/>
+          </a:bodyPr>
+          <a:lstStyle/>
+          <a:p>
+            <a:pPr marL="0" lvl="0" indent="0" algn="ctr" rtl="0">
+              <a:spcBef>
+                <a:spcPts val="0"/>
+              </a:spcBef>
+              <a:spcAft>
+                <a:spcPts val="0"/>
+              </a:spcAft>
+              <a:buNone/>
+            </a:pPr>
+            <a:r>
+              <a:rPr lang="en" dirty="0" smtClean="0"/>
+              <a:t>React Native Architecture</a:t>
+            </a:r>
+            <a:endParaRPr dirty="0"/>
+          </a:p>
+        </p:txBody>
+      </p:sp>
+      <p:sp>
+        <p:nvSpPr>
+          <p:cNvPr id="144" name="Google Shape;144;p23"/>
+          <p:cNvSpPr txBox="1">
+            <a:spLocks noGrp="1"/>
+          </p:cNvSpPr>
+          <p:nvPr>
+            <p:ph type="sldNum" idx="12"/>
+          </p:nvPr>
+        </p:nvSpPr>
+        <p:spPr>
+          <a:xfrm>
+            <a:off x="8213401" y="4248586"/>
+            <a:ext cx="465300" cy="474300"/>
+          </a:xfrm>
+          <a:prstGeom prst="rect">
+            <a:avLst/>
+          </a:prstGeom>
+        </p:spPr>
+        <p:txBody>
+          <a:bodyPr spcFirstLastPara="1" wrap="square" lIns="0" tIns="0" rIns="0" bIns="0" anchor="b" anchorCtr="0">
+            <a:noAutofit/>
+          </a:bodyPr>
+          <a:lstStyle/>
+          <a:p>
+            <a:pPr marL="0" lvl="0" indent="0" algn="r" rtl="0">
+              <a:spcBef>
+                <a:spcPts val="0"/>
+              </a:spcBef>
+              <a:spcAft>
+                <a:spcPts val="0"/>
+              </a:spcAft>
+              <a:buNone/>
+            </a:pPr>
+            <a:fld id="{00000000-1234-1234-1234-123412341234}" type="slidenum">
+              <a:rPr lang="en"/>
+              <a:t>13</a:t>
+            </a:fld>
+            <a:endParaRPr/>
+          </a:p>
+        </p:txBody>
+      </p:sp>
+      <p:cxnSp>
+        <p:nvCxnSpPr>
+          <p:cNvPr id="145" name="Google Shape;145;p23"/>
+          <p:cNvCxnSpPr>
+            <a:stCxn id="146" idx="2"/>
+            <a:endCxn id="147" idx="0"/>
+          </p:cNvCxnSpPr>
+          <p:nvPr/>
+        </p:nvCxnSpPr>
+        <p:spPr>
+          <a:xfrm rot="-5400000" flipH="1">
+            <a:off x="5265450" y="1298175"/>
+            <a:ext cx="517800" cy="1904700"/>
+          </a:xfrm>
+          <a:prstGeom prst="bentConnector3">
+            <a:avLst>
+              <a:gd name="adj1" fmla="val 49995"/>
+            </a:avLst>
+          </a:prstGeom>
+          <a:noFill/>
+          <a:ln w="9525" cap="flat" cmpd="sng">
+            <a:solidFill>
+              <a:schemeClr val="accent3"/>
+            </a:solidFill>
+            <a:prstDash val="solid"/>
+            <a:round/>
+            <a:headEnd type="diamond" w="med" len="med"/>
+            <a:tailEnd type="diamond" w="med" len="med"/>
+          </a:ln>
+        </p:spPr>
+      </p:cxnSp>
+      <p:cxnSp>
+        <p:nvCxnSpPr>
+          <p:cNvPr id="148" name="Google Shape;148;p23"/>
+          <p:cNvCxnSpPr>
+            <a:stCxn id="149" idx="2"/>
+            <a:endCxn id="150" idx="0"/>
+          </p:cNvCxnSpPr>
+          <p:nvPr/>
+        </p:nvCxnSpPr>
+        <p:spPr>
+          <a:xfrm rot="16200000" flipH="1">
+            <a:off x="2816041" y="2887531"/>
+            <a:ext cx="640859" cy="938176"/>
+          </a:xfrm>
+          <a:prstGeom prst="bentConnector3">
+            <a:avLst>
+              <a:gd name="adj1" fmla="val 50000"/>
+            </a:avLst>
+          </a:prstGeom>
+          <a:noFill/>
+          <a:ln w="9525" cap="flat" cmpd="sng">
+            <a:solidFill>
+              <a:schemeClr val="accent4"/>
+            </a:solidFill>
+            <a:prstDash val="solid"/>
+            <a:round/>
+            <a:headEnd type="diamond" w="med" len="med"/>
+            <a:tailEnd type="diamond" w="med" len="med"/>
+          </a:ln>
+        </p:spPr>
+      </p:cxnSp>
+      <p:cxnSp>
+        <p:nvCxnSpPr>
+          <p:cNvPr id="151" name="Google Shape;151;p23"/>
+          <p:cNvCxnSpPr>
+            <a:stCxn id="152" idx="0"/>
+            <a:endCxn id="149" idx="2"/>
+          </p:cNvCxnSpPr>
+          <p:nvPr/>
+        </p:nvCxnSpPr>
+        <p:spPr>
+          <a:xfrm rot="5400000" flipH="1" flipV="1">
+            <a:off x="1892220" y="2901888"/>
+            <a:ext cx="640860" cy="909464"/>
+          </a:xfrm>
+          <a:prstGeom prst="bentConnector3">
+            <a:avLst>
+              <a:gd name="adj1" fmla="val 50000"/>
+            </a:avLst>
+          </a:prstGeom>
+          <a:noFill/>
+          <a:ln w="9525" cap="flat" cmpd="sng">
+            <a:solidFill>
+              <a:schemeClr val="accent4"/>
+            </a:solidFill>
+            <a:prstDash val="solid"/>
+            <a:round/>
+            <a:headEnd type="diamond" w="med" len="med"/>
+            <a:tailEnd type="diamond" w="med" len="med"/>
+          </a:ln>
+        </p:spPr>
+      </p:cxnSp>
+      <p:cxnSp>
+        <p:nvCxnSpPr>
+          <p:cNvPr id="153" name="Google Shape;153;p23"/>
+          <p:cNvCxnSpPr>
+            <a:stCxn id="147" idx="2"/>
+            <a:endCxn id="154" idx="0"/>
+          </p:cNvCxnSpPr>
+          <p:nvPr/>
+        </p:nvCxnSpPr>
+        <p:spPr>
+          <a:xfrm rot="-5400000" flipH="1">
+            <a:off x="6610868" y="2901940"/>
+            <a:ext cx="640800" cy="909300"/>
+          </a:xfrm>
+          <a:prstGeom prst="bentConnector3">
+            <a:avLst>
+              <a:gd name="adj1" fmla="val 50000"/>
+            </a:avLst>
+          </a:prstGeom>
+          <a:noFill/>
+          <a:ln w="9525" cap="flat" cmpd="sng">
+            <a:solidFill>
+              <a:schemeClr val="accent5"/>
+            </a:solidFill>
+            <a:prstDash val="solid"/>
+            <a:round/>
+            <a:headEnd type="diamond" w="med" len="med"/>
+            <a:tailEnd type="diamond" w="med" len="med"/>
+          </a:ln>
+        </p:spPr>
+      </p:cxnSp>
+      <p:cxnSp>
+        <p:nvCxnSpPr>
+          <p:cNvPr id="155" name="Google Shape;155;p23"/>
+          <p:cNvCxnSpPr>
+            <a:stCxn id="156" idx="0"/>
+            <a:endCxn id="147" idx="2"/>
+          </p:cNvCxnSpPr>
+          <p:nvPr/>
+        </p:nvCxnSpPr>
+        <p:spPr>
+          <a:xfrm rot="-5400000">
+            <a:off x="5701486" y="2902000"/>
+            <a:ext cx="640800" cy="909300"/>
+          </a:xfrm>
+          <a:prstGeom prst="bentConnector3">
+            <a:avLst>
+              <a:gd name="adj1" fmla="val 50000"/>
+            </a:avLst>
+          </a:prstGeom>
+          <a:noFill/>
+          <a:ln w="9525" cap="flat" cmpd="sng">
+            <a:solidFill>
+              <a:schemeClr val="accent5"/>
+            </a:solidFill>
+            <a:prstDash val="solid"/>
+            <a:round/>
+            <a:headEnd type="diamond" w="med" len="med"/>
+            <a:tailEnd type="diamond" w="med" len="med"/>
+          </a:ln>
+        </p:spPr>
+      </p:cxnSp>
+      <p:cxnSp>
+        <p:nvCxnSpPr>
+          <p:cNvPr id="157" name="Google Shape;157;p23"/>
+          <p:cNvCxnSpPr>
+            <a:stCxn id="149" idx="0"/>
+            <a:endCxn id="146" idx="2"/>
+          </p:cNvCxnSpPr>
+          <p:nvPr/>
+        </p:nvCxnSpPr>
+        <p:spPr>
+          <a:xfrm rot="-5400000">
+            <a:off x="3360832" y="1298140"/>
+            <a:ext cx="517800" cy="1904700"/>
+          </a:xfrm>
+          <a:prstGeom prst="bentConnector3">
+            <a:avLst>
+              <a:gd name="adj1" fmla="val 49995"/>
+            </a:avLst>
+          </a:prstGeom>
+          <a:noFill/>
+          <a:ln w="9525" cap="flat" cmpd="sng">
+            <a:solidFill>
+              <a:schemeClr val="accent3"/>
+            </a:solidFill>
+            <a:prstDash val="solid"/>
+            <a:round/>
+            <a:headEnd type="diamond" w="med" len="med"/>
+            <a:tailEnd type="diamond" w="med" len="med"/>
+          </a:ln>
+        </p:spPr>
+      </p:cxnSp>
+      <p:sp>
+        <p:nvSpPr>
+          <p:cNvPr id="146" name="Google Shape;146;p23"/>
+          <p:cNvSpPr txBox="1"/>
+          <p:nvPr/>
+        </p:nvSpPr>
+        <p:spPr>
+          <a:xfrm>
+            <a:off x="3744600" y="1464825"/>
+            <a:ext cx="1654800" cy="526800"/>
+          </a:xfrm>
+          <a:prstGeom prst="rect">
+            <a:avLst/>
+          </a:prstGeom>
+          <a:noFill/>
+          <a:ln>
+            <a:noFill/>
+          </a:ln>
+        </p:spPr>
+        <p:txBody>
+          <a:bodyPr spcFirstLastPara="1" wrap="square" lIns="91425" tIns="91425" rIns="91425" bIns="91425" anchor="ctr" anchorCtr="0">
+            <a:noAutofit/>
+          </a:bodyPr>
+          <a:lstStyle/>
+          <a:p>
+            <a:pPr marL="0" lvl="0" indent="0" algn="ctr" rtl="0">
+              <a:spcBef>
+                <a:spcPts val="0"/>
+              </a:spcBef>
+              <a:spcAft>
+                <a:spcPts val="0"/>
+              </a:spcAft>
+              <a:buNone/>
+            </a:pPr>
+            <a:r>
+              <a:rPr lang="en-US" sz="1200" dirty="0" smtClean="0">
+                <a:solidFill>
+                  <a:schemeClr val="lt1"/>
+                </a:solidFill>
+                <a:latin typeface="Ubuntu Light"/>
+                <a:ea typeface="Ubuntu Light"/>
+                <a:cs typeface="Ubuntu Light"/>
+                <a:sym typeface="Ubuntu Light"/>
+              </a:rPr>
+              <a:t>React Native Code</a:t>
+            </a:r>
+            <a:endParaRPr sz="1200" dirty="0">
+              <a:solidFill>
+                <a:schemeClr val="lt1"/>
+              </a:solidFill>
+              <a:latin typeface="Ubuntu Light"/>
+              <a:ea typeface="Ubuntu Light"/>
+              <a:cs typeface="Ubuntu Light"/>
+              <a:sym typeface="Ubuntu Light"/>
+            </a:endParaRPr>
+          </a:p>
+        </p:txBody>
+      </p:sp>
+      <p:sp>
+        <p:nvSpPr>
+          <p:cNvPr id="149" name="Google Shape;149;p23"/>
+          <p:cNvSpPr txBox="1"/>
+          <p:nvPr/>
+        </p:nvSpPr>
+        <p:spPr>
+          <a:xfrm>
+            <a:off x="1839982" y="2509390"/>
+            <a:ext cx="1654800" cy="526800"/>
+          </a:xfrm>
+          <a:prstGeom prst="rect">
+            <a:avLst/>
+          </a:prstGeom>
+          <a:noFill/>
+          <a:ln>
+            <a:noFill/>
+          </a:ln>
+        </p:spPr>
+        <p:txBody>
+          <a:bodyPr spcFirstLastPara="1" wrap="square" lIns="91425" tIns="91425" rIns="91425" bIns="91425" anchor="ctr" anchorCtr="0">
+            <a:noAutofit/>
+          </a:bodyPr>
+          <a:lstStyle/>
+          <a:p>
+            <a:pPr marL="0" lvl="0" indent="0" algn="ctr" rtl="0">
+              <a:spcBef>
+                <a:spcPts val="0"/>
+              </a:spcBef>
+              <a:spcAft>
+                <a:spcPts val="0"/>
+              </a:spcAft>
+              <a:buNone/>
+            </a:pPr>
+            <a:r>
+              <a:rPr lang="en" sz="1200" dirty="0" smtClean="0">
+                <a:solidFill>
+                  <a:schemeClr val="lt1"/>
+                </a:solidFill>
+                <a:latin typeface="Ubuntu Light"/>
+                <a:ea typeface="Ubuntu Light"/>
+                <a:cs typeface="Ubuntu Light"/>
+                <a:sym typeface="Ubuntu Light"/>
+              </a:rPr>
+              <a:t>Expo App</a:t>
+            </a:r>
+            <a:endParaRPr sz="1200" dirty="0">
+              <a:solidFill>
+                <a:schemeClr val="lt1"/>
+              </a:solidFill>
+              <a:latin typeface="Ubuntu Light"/>
+              <a:ea typeface="Ubuntu Light"/>
+              <a:cs typeface="Ubuntu Light"/>
+              <a:sym typeface="Ubuntu Light"/>
+            </a:endParaRPr>
+          </a:p>
+        </p:txBody>
+      </p:sp>
+      <p:sp>
+        <p:nvSpPr>
+          <p:cNvPr id="147" name="Google Shape;147;p23"/>
+          <p:cNvSpPr txBox="1"/>
+          <p:nvPr/>
+        </p:nvSpPr>
+        <p:spPr>
+          <a:xfrm>
+            <a:off x="5649218" y="2509390"/>
+            <a:ext cx="1654800" cy="526800"/>
+          </a:xfrm>
+          <a:prstGeom prst="rect">
+            <a:avLst/>
+          </a:prstGeom>
+          <a:noFill/>
+          <a:ln>
+            <a:noFill/>
+          </a:ln>
+        </p:spPr>
+        <p:txBody>
+          <a:bodyPr spcFirstLastPara="1" wrap="square" lIns="91425" tIns="91425" rIns="91425" bIns="91425" anchor="ctr" anchorCtr="0">
+            <a:noAutofit/>
+          </a:bodyPr>
+          <a:lstStyle/>
+          <a:p>
+            <a:pPr marL="0" lvl="0" indent="0" algn="ctr" rtl="0">
+              <a:spcBef>
+                <a:spcPts val="0"/>
+              </a:spcBef>
+              <a:spcAft>
+                <a:spcPts val="0"/>
+              </a:spcAft>
+              <a:buNone/>
+            </a:pPr>
+            <a:r>
+              <a:rPr lang="en-US" sz="1200" dirty="0" smtClean="0">
+                <a:solidFill>
+                  <a:schemeClr val="lt1"/>
+                </a:solidFill>
+                <a:latin typeface="Ubuntu Light"/>
+                <a:ea typeface="Ubuntu Light"/>
+                <a:cs typeface="Ubuntu Light"/>
+                <a:sym typeface="Ubuntu Light"/>
+              </a:rPr>
+              <a:t>Native Modules </a:t>
+            </a:r>
+          </a:p>
+          <a:p>
+            <a:pPr marL="0" lvl="0" indent="0" algn="ctr" rtl="0">
+              <a:spcBef>
+                <a:spcPts val="0"/>
+              </a:spcBef>
+              <a:spcAft>
+                <a:spcPts val="0"/>
+              </a:spcAft>
+              <a:buNone/>
+            </a:pPr>
+            <a:r>
+              <a:rPr lang="en-US" sz="1200" dirty="0" smtClean="0">
+                <a:solidFill>
+                  <a:schemeClr val="lt1"/>
+                </a:solidFill>
+                <a:latin typeface="Ubuntu Light"/>
+                <a:ea typeface="Ubuntu Light"/>
+                <a:cs typeface="Ubuntu Light"/>
+                <a:sym typeface="Ubuntu Light"/>
+              </a:rPr>
+              <a:t>Implementation</a:t>
+            </a:r>
+            <a:endParaRPr sz="1200" dirty="0">
+              <a:solidFill>
+                <a:schemeClr val="lt1"/>
+              </a:solidFill>
+              <a:latin typeface="Ubuntu Light"/>
+              <a:ea typeface="Ubuntu Light"/>
+              <a:cs typeface="Ubuntu Light"/>
+              <a:sym typeface="Ubuntu Light"/>
+            </a:endParaRPr>
+          </a:p>
+        </p:txBody>
+      </p:sp>
+      <p:sp>
+        <p:nvSpPr>
+          <p:cNvPr id="154" name="Google Shape;154;p23"/>
+          <p:cNvSpPr txBox="1"/>
+          <p:nvPr/>
+        </p:nvSpPr>
+        <p:spPr>
+          <a:xfrm>
+            <a:off x="6558600" y="3677050"/>
+            <a:ext cx="1654800" cy="526800"/>
+          </a:xfrm>
+          <a:prstGeom prst="rect">
+            <a:avLst/>
+          </a:prstGeom>
+          <a:noFill/>
+          <a:ln>
+            <a:noFill/>
+          </a:ln>
+        </p:spPr>
+        <p:txBody>
+          <a:bodyPr spcFirstLastPara="1" wrap="square" lIns="91425" tIns="91425" rIns="91425" bIns="91425" anchor="ctr" anchorCtr="0">
+            <a:noAutofit/>
+          </a:bodyPr>
+          <a:lstStyle/>
+          <a:p>
+            <a:pPr marL="0" lvl="0" indent="0" algn="ctr" rtl="0">
+              <a:spcBef>
+                <a:spcPts val="0"/>
+              </a:spcBef>
+              <a:spcAft>
+                <a:spcPts val="0"/>
+              </a:spcAft>
+              <a:buNone/>
+            </a:pPr>
+            <a:r>
+              <a:rPr lang="en-US" sz="1200" dirty="0" smtClean="0">
+                <a:solidFill>
+                  <a:schemeClr val="lt1"/>
+                </a:solidFill>
+                <a:latin typeface="Ubuntu Light"/>
+                <a:ea typeface="Ubuntu Light"/>
+                <a:cs typeface="Ubuntu Light"/>
+                <a:sym typeface="Ubuntu Light"/>
+              </a:rPr>
+              <a:t>Creating IOS </a:t>
+            </a:r>
+          </a:p>
+          <a:p>
+            <a:pPr marL="0" lvl="0" indent="0" algn="ctr" rtl="0">
+              <a:spcBef>
+                <a:spcPts val="0"/>
+              </a:spcBef>
+              <a:spcAft>
+                <a:spcPts val="0"/>
+              </a:spcAft>
+              <a:buNone/>
+            </a:pPr>
+            <a:r>
+              <a:rPr lang="en-US" sz="1200" dirty="0" smtClean="0">
+                <a:solidFill>
+                  <a:schemeClr val="lt1"/>
+                </a:solidFill>
+                <a:latin typeface="Ubuntu Light"/>
+                <a:ea typeface="Ubuntu Light"/>
+                <a:cs typeface="Ubuntu Light"/>
+                <a:sym typeface="Ubuntu Light"/>
+              </a:rPr>
+              <a:t>Modules</a:t>
+            </a:r>
+            <a:endParaRPr sz="1200" dirty="0">
+              <a:solidFill>
+                <a:schemeClr val="lt1"/>
+              </a:solidFill>
+              <a:latin typeface="Ubuntu Light"/>
+              <a:ea typeface="Ubuntu Light"/>
+              <a:cs typeface="Ubuntu Light"/>
+              <a:sym typeface="Ubuntu Light"/>
+            </a:endParaRPr>
+          </a:p>
+        </p:txBody>
+      </p:sp>
+      <p:sp>
+        <p:nvSpPr>
+          <p:cNvPr id="156" name="Google Shape;156;p23"/>
+          <p:cNvSpPr txBox="1"/>
+          <p:nvPr/>
+        </p:nvSpPr>
+        <p:spPr>
+          <a:xfrm>
+            <a:off x="4739836" y="3677050"/>
+            <a:ext cx="1654800" cy="526800"/>
+          </a:xfrm>
+          <a:prstGeom prst="rect">
+            <a:avLst/>
+          </a:prstGeom>
+          <a:noFill/>
+          <a:ln>
+            <a:noFill/>
+          </a:ln>
+        </p:spPr>
+        <p:txBody>
+          <a:bodyPr spcFirstLastPara="1" wrap="square" lIns="91425" tIns="91425" rIns="91425" bIns="91425" anchor="ctr" anchorCtr="0">
+            <a:noAutofit/>
+          </a:bodyPr>
+          <a:lstStyle/>
+          <a:p>
+            <a:pPr marL="0" lvl="0" indent="0" algn="ctr" rtl="0">
+              <a:spcBef>
+                <a:spcPts val="0"/>
+              </a:spcBef>
+              <a:spcAft>
+                <a:spcPts val="0"/>
+              </a:spcAft>
+              <a:buNone/>
+            </a:pPr>
+            <a:r>
+              <a:rPr lang="en-US" sz="1200" dirty="0" smtClean="0">
+                <a:solidFill>
+                  <a:schemeClr val="lt1"/>
+                </a:solidFill>
+                <a:latin typeface="Ubuntu Light"/>
+                <a:ea typeface="Ubuntu Light"/>
+                <a:cs typeface="Ubuntu Light"/>
+                <a:sym typeface="Ubuntu Light"/>
+              </a:rPr>
+              <a:t>Creating Android</a:t>
+            </a:r>
+          </a:p>
+          <a:p>
+            <a:pPr marL="0" lvl="0" indent="0" algn="ctr" rtl="0">
+              <a:spcBef>
+                <a:spcPts val="0"/>
+              </a:spcBef>
+              <a:spcAft>
+                <a:spcPts val="0"/>
+              </a:spcAft>
+              <a:buNone/>
+            </a:pPr>
+            <a:r>
+              <a:rPr lang="en-US" sz="1200" dirty="0" smtClean="0">
+                <a:solidFill>
+                  <a:schemeClr val="lt1"/>
+                </a:solidFill>
+                <a:latin typeface="Ubuntu Light"/>
+                <a:ea typeface="Ubuntu Light"/>
+                <a:cs typeface="Ubuntu Light"/>
+                <a:sym typeface="Ubuntu Light"/>
+              </a:rPr>
+              <a:t>Modules</a:t>
+            </a:r>
+            <a:endParaRPr sz="1200" dirty="0">
+              <a:solidFill>
+                <a:schemeClr val="lt1"/>
+              </a:solidFill>
+              <a:latin typeface="Ubuntu Light"/>
+              <a:ea typeface="Ubuntu Light"/>
+              <a:cs typeface="Ubuntu Light"/>
+              <a:sym typeface="Ubuntu Light"/>
+            </a:endParaRPr>
+          </a:p>
+        </p:txBody>
+      </p:sp>
+      <p:sp>
+        <p:nvSpPr>
+          <p:cNvPr id="150" name="Google Shape;150;p23"/>
+          <p:cNvSpPr txBox="1"/>
+          <p:nvPr/>
+        </p:nvSpPr>
+        <p:spPr>
+          <a:xfrm>
+            <a:off x="2749363" y="3677049"/>
+            <a:ext cx="1712390" cy="618313"/>
+          </a:xfrm>
+          <a:prstGeom prst="rect">
+            <a:avLst/>
+          </a:prstGeom>
+          <a:noFill/>
+          <a:ln>
+            <a:noFill/>
+          </a:ln>
+        </p:spPr>
+        <p:txBody>
+          <a:bodyPr spcFirstLastPara="1" wrap="square" lIns="91425" tIns="91425" rIns="91425" bIns="91425" anchor="ctr" anchorCtr="0">
+            <a:noAutofit/>
+          </a:bodyPr>
+          <a:lstStyle/>
+          <a:p>
+            <a:pPr marL="0" lvl="0" indent="0" algn="ctr" rtl="0">
+              <a:spcBef>
+                <a:spcPts val="0"/>
+              </a:spcBef>
+              <a:spcAft>
+                <a:spcPts val="0"/>
+              </a:spcAft>
+              <a:buNone/>
+            </a:pPr>
+            <a:r>
+              <a:rPr lang="en-US" sz="1200" dirty="0" smtClean="0">
+                <a:solidFill>
+                  <a:schemeClr val="lt1"/>
+                </a:solidFill>
+                <a:latin typeface="Ubuntu Light"/>
+                <a:ea typeface="Ubuntu Light"/>
+                <a:cs typeface="Ubuntu Light"/>
+                <a:sym typeface="Ubuntu Light"/>
+              </a:rPr>
+              <a:t>Converts IOS </a:t>
+            </a:r>
+          </a:p>
+          <a:p>
+            <a:pPr marL="0" lvl="0" indent="0" algn="ctr" rtl="0">
+              <a:spcBef>
+                <a:spcPts val="0"/>
+              </a:spcBef>
+              <a:spcAft>
+                <a:spcPts val="0"/>
+              </a:spcAft>
+              <a:buNone/>
+            </a:pPr>
+            <a:r>
+              <a:rPr lang="en-US" sz="1200" dirty="0" smtClean="0">
+                <a:solidFill>
+                  <a:schemeClr val="lt1"/>
+                </a:solidFill>
+                <a:latin typeface="Ubuntu Light"/>
+                <a:ea typeface="Ubuntu Light"/>
+                <a:cs typeface="Ubuntu Light"/>
+                <a:sym typeface="Ubuntu Light"/>
+              </a:rPr>
+              <a:t>Code </a:t>
+            </a:r>
+          </a:p>
+          <a:p>
+            <a:pPr marL="0" lvl="0" indent="0" algn="ctr" rtl="0">
+              <a:spcBef>
+                <a:spcPts val="0"/>
+              </a:spcBef>
+              <a:spcAft>
+                <a:spcPts val="0"/>
+              </a:spcAft>
+              <a:buNone/>
+            </a:pPr>
+            <a:r>
+              <a:rPr lang="en-US" sz="1200" dirty="0" smtClean="0">
+                <a:solidFill>
+                  <a:schemeClr val="lt1"/>
+                </a:solidFill>
+                <a:latin typeface="Ubuntu Light"/>
+                <a:ea typeface="Ubuntu Light"/>
+                <a:cs typeface="Ubuntu Light"/>
+                <a:sym typeface="Ubuntu Light"/>
+              </a:rPr>
+              <a:t>(</a:t>
+            </a:r>
+            <a:r>
+              <a:rPr lang="en-US" sz="1200" dirty="0" err="1" smtClean="0">
+                <a:solidFill>
+                  <a:schemeClr val="lt1"/>
+                </a:solidFill>
+                <a:latin typeface="Ubuntu Light"/>
+                <a:ea typeface="Ubuntu Light"/>
+                <a:cs typeface="Ubuntu Light"/>
+                <a:sym typeface="Ubuntu Light"/>
+              </a:rPr>
+              <a:t>swift,objective</a:t>
+            </a:r>
+            <a:r>
+              <a:rPr lang="en-US" sz="1200" dirty="0">
+                <a:solidFill>
+                  <a:schemeClr val="lt1"/>
+                </a:solidFill>
+                <a:latin typeface="Ubuntu Light"/>
+                <a:ea typeface="Ubuntu Light"/>
+                <a:cs typeface="Ubuntu Light"/>
+                <a:sym typeface="Ubuntu Light"/>
+              </a:rPr>
+              <a:t>-</a:t>
+            </a:r>
+            <a:r>
+              <a:rPr lang="en-US" sz="1200" dirty="0" smtClean="0">
+                <a:solidFill>
+                  <a:schemeClr val="lt1"/>
+                </a:solidFill>
+                <a:latin typeface="Ubuntu Light"/>
+                <a:ea typeface="Ubuntu Light"/>
+                <a:cs typeface="Ubuntu Light"/>
+                <a:sym typeface="Ubuntu Light"/>
+              </a:rPr>
+              <a:t>C) </a:t>
+            </a:r>
+            <a:endParaRPr sz="1200" dirty="0">
+              <a:solidFill>
+                <a:schemeClr val="lt1"/>
+              </a:solidFill>
+              <a:latin typeface="Ubuntu Light"/>
+              <a:ea typeface="Ubuntu Light"/>
+              <a:cs typeface="Ubuntu Light"/>
+              <a:sym typeface="Ubuntu Light"/>
+            </a:endParaRPr>
+          </a:p>
+        </p:txBody>
+      </p:sp>
+      <p:sp>
+        <p:nvSpPr>
+          <p:cNvPr id="152" name="Google Shape;152;p23"/>
+          <p:cNvSpPr txBox="1"/>
+          <p:nvPr/>
+        </p:nvSpPr>
+        <p:spPr>
+          <a:xfrm>
+            <a:off x="930518" y="3677050"/>
+            <a:ext cx="1654800" cy="526800"/>
+          </a:xfrm>
+          <a:prstGeom prst="rect">
+            <a:avLst/>
+          </a:prstGeom>
+          <a:noFill/>
+          <a:ln>
+            <a:noFill/>
+          </a:ln>
+        </p:spPr>
+        <p:txBody>
+          <a:bodyPr spcFirstLastPara="1" wrap="square" lIns="91425" tIns="91425" rIns="91425" bIns="91425" anchor="ctr" anchorCtr="0">
+            <a:noAutofit/>
+          </a:bodyPr>
+          <a:lstStyle/>
+          <a:p>
+            <a:pPr marL="0" lvl="0" indent="0" algn="ctr" rtl="0">
+              <a:spcBef>
+                <a:spcPts val="0"/>
+              </a:spcBef>
+              <a:spcAft>
+                <a:spcPts val="0"/>
+              </a:spcAft>
+              <a:buNone/>
+            </a:pPr>
+            <a:r>
+              <a:rPr lang="en-US" sz="1200" dirty="0" smtClean="0">
+                <a:solidFill>
+                  <a:schemeClr val="lt1"/>
+                </a:solidFill>
+                <a:latin typeface="Ubuntu Light"/>
+                <a:ea typeface="Ubuntu Light"/>
+                <a:cs typeface="Ubuntu Light"/>
+                <a:sym typeface="Ubuntu Light"/>
+              </a:rPr>
+              <a:t>Converts Android Code(Java, </a:t>
+            </a:r>
+            <a:r>
+              <a:rPr lang="en-US" sz="1200" dirty="0" err="1" smtClean="0">
+                <a:solidFill>
+                  <a:schemeClr val="lt1"/>
+                </a:solidFill>
+                <a:latin typeface="Ubuntu Light"/>
+                <a:ea typeface="Ubuntu Light"/>
+                <a:cs typeface="Ubuntu Light"/>
+                <a:sym typeface="Ubuntu Light"/>
+              </a:rPr>
+              <a:t>Kotlin</a:t>
+            </a:r>
+            <a:r>
+              <a:rPr lang="en-US" sz="1200" dirty="0" smtClean="0">
+                <a:solidFill>
+                  <a:schemeClr val="lt1"/>
+                </a:solidFill>
+                <a:latin typeface="Ubuntu Light"/>
+                <a:ea typeface="Ubuntu Light"/>
+                <a:cs typeface="Ubuntu Light"/>
+                <a:sym typeface="Ubuntu Light"/>
+              </a:rPr>
+              <a:t>)</a:t>
+            </a:r>
+            <a:endParaRPr sz="1200" dirty="0">
+              <a:solidFill>
+                <a:schemeClr val="lt1"/>
+              </a:solidFill>
+              <a:latin typeface="Ubuntu Light"/>
+              <a:ea typeface="Ubuntu Light"/>
+              <a:cs typeface="Ubuntu Light"/>
+              <a:sym typeface="Ubuntu Light"/>
+            </a:endParaRPr>
+          </a:p>
+        </p:txBody>
+      </p:sp>
+    </p:spTree>
+  </p:cSld>
+  <p:clrMapOvr>
+    <a:masterClrMapping/>
+  </p:clrMapOvr>
+  <p:timing>
+    <p:tnLst>
+      <p:par>
+        <p:cTn id="1" dur="indefinite" restart="never" nodeType="tmRoot"/>
+      </p:par>
+    </p:tnLst>
+  </p:timing>
+</p:sld>
+</file>
+
+<file path=ppt/slides/slide14.xml><?xml version="1.0" encoding="utf-8"?>
+<p:sld xmlns:a="http://schemas.openxmlformats.org/drawingml/2006/main" xmlns:r="http://schemas.openxmlformats.org/officeDocument/2006/relationships" xmlns:p="http://schemas.openxmlformats.org/presentationml/2006/main">
+  <p:cSld>
+    <p:spTree>
+      <p:nvGrpSpPr>
         <p:cNvPr id="1" name="Shape 128"/>
         <p:cNvGrpSpPr/>
         <p:nvPr/>
@@ -7234,7 +9151,7 @@
             </a:pPr>
             <a:fld id="{00000000-1234-1234-1234-123412341234}" type="slidenum">
               <a:rPr lang="en"/>
-              <a:t>11</a:t>
+              <a:t>14</a:t>
             </a:fld>
             <a:endParaRPr/>
           </a:p>
@@ -8005,7 +9922,7 @@
 </p:sld>
 </file>
 
-<file path=ppt/slides/slide12.xml><?xml version="1.0" encoding="utf-8"?>
+<file path=ppt/slides/slide15.xml><?xml version="1.0" encoding="utf-8"?>
 <p:sld xmlns:a="http://schemas.openxmlformats.org/drawingml/2006/main" xmlns:r="http://schemas.openxmlformats.org/officeDocument/2006/relationships" xmlns:p="http://schemas.openxmlformats.org/presentationml/2006/main">
   <p:cSld>
     <p:spTree>
@@ -8115,7 +10032,6 @@
               <a:rPr lang="en-IN" dirty="0" smtClean="0"/>
               <a:t>Customizable Builds</a:t>
             </a:r>
-            <a:endParaRPr lang="en-IN" dirty="0" smtClean="0"/>
           </a:p>
           <a:p>
             <a:pPr marL="342900" indent="-342900"/>
@@ -8159,7 +10075,7 @@
             </a:pPr>
             <a:fld id="{00000000-1234-1234-1234-123412341234}" type="slidenum">
               <a:rPr lang="en"/>
-              <a:t>12</a:t>
+              <a:t>15</a:t>
             </a:fld>
             <a:endParaRPr/>
           </a:p>
@@ -8180,7 +10096,7 @@
 </p:sld>
 </file>
 
-<file path=ppt/slides/slide13.xml><?xml version="1.0" encoding="utf-8"?>
+<file path=ppt/slides/slide16.xml><?xml version="1.0" encoding="utf-8"?>
 <p:sld xmlns:a="http://schemas.openxmlformats.org/drawingml/2006/main" xmlns:r="http://schemas.openxmlformats.org/officeDocument/2006/relationships" xmlns:p="http://schemas.openxmlformats.org/presentationml/2006/main">
   <p:cSld>
     <p:spTree>
@@ -8223,7 +10139,7 @@
             </a:pPr>
             <a:fld id="{00000000-1234-1234-1234-123412341234}" type="slidenum">
               <a:rPr lang="en" smtClean="0"/>
-              <a:t>13</a:t>
+              <a:t>16</a:t>
             </a:fld>
             <a:endParaRPr lang="en"/>
           </a:p>
@@ -8239,7 +10155,7 @@
         </p:nvSpPr>
         <p:spPr>
           <a:xfrm>
-            <a:off x="603115" y="543516"/>
+            <a:off x="603115" y="550001"/>
             <a:ext cx="7902115" cy="1129641"/>
           </a:xfrm>
           <a:prstGeom prst="rect">
@@ -8504,10 +10420,10 @@
           <a:p>
             <a:pPr algn="ctr"/>
             <a:r>
-              <a:rPr lang="en-IN" sz="7200" dirty="0" smtClean="0"/>
+              <a:rPr lang="en-IN" sz="6000" dirty="0" smtClean="0"/>
               <a:t>LIMITATIONS</a:t>
             </a:r>
-            <a:endParaRPr lang="en-IN" sz="7200" dirty="0"/>
+            <a:endParaRPr lang="en-IN" sz="6000" dirty="0"/>
           </a:p>
         </p:txBody>
       </p:sp>
@@ -8826,7 +10742,7 @@
 </p:sld>
 </file>
 
-<file path=ppt/slides/slide14.xml><?xml version="1.0" encoding="utf-8"?>
+<file path=ppt/slides/slide17.xml><?xml version="1.0" encoding="utf-8"?>
 <p:sld xmlns:a="http://schemas.openxmlformats.org/drawingml/2006/main" xmlns:r="http://schemas.openxmlformats.org/officeDocument/2006/relationships" xmlns:p="http://schemas.openxmlformats.org/presentationml/2006/main">
   <p:cSld>
     <p:spTree>
@@ -9135,7 +11051,7 @@
             </a:pPr>
             <a:fld id="{00000000-1234-1234-1234-123412341234}" type="slidenum">
               <a:rPr lang="en"/>
-              <a:t>14</a:t>
+              <a:t>17</a:t>
             </a:fld>
             <a:endParaRPr/>
           </a:p>
@@ -11121,7 +13037,7 @@
 </p:sld>
 </file>
 
-<file path=ppt/slides/slide15.xml><?xml version="1.0" encoding="utf-8"?>
+<file path=ppt/slides/slide18.xml><?xml version="1.0" encoding="utf-8"?>
 <p:sld xmlns:a="http://schemas.openxmlformats.org/drawingml/2006/main" xmlns:r="http://schemas.openxmlformats.org/officeDocument/2006/relationships" xmlns:p="http://schemas.openxmlformats.org/presentationml/2006/main">
   <p:cSld>
     <p:spTree>
@@ -12513,7 +14429,7 @@
             </a:pPr>
             <a:fld id="{00000000-1234-1234-1234-123412341234}" type="slidenum">
               <a:rPr lang="en"/>
-              <a:t>15</a:t>
+              <a:t>18</a:t>
             </a:fld>
             <a:endParaRPr/>
           </a:p>
@@ -12534,12 +14450,12 @@
 </p:sld>
 </file>
 
-<file path=ppt/slides/slide16.xml><?xml version="1.0" encoding="utf-8"?>
+<file path=ppt/slides/slide19.xml><?xml version="1.0" encoding="utf-8"?>
 <p:sld xmlns:a="http://schemas.openxmlformats.org/drawingml/2006/main" xmlns:r="http://schemas.openxmlformats.org/officeDocument/2006/relationships" xmlns:p="http://schemas.openxmlformats.org/presentationml/2006/main">
   <p:cSld>
     <p:spTree>
       <p:nvGrpSpPr>
-        <p:cNvPr id="1" name="Shape 299"/>
+        <p:cNvPr id="1" name=""/>
         <p:cNvGrpSpPr/>
         <p:nvPr/>
       </p:nvGrpSpPr>
@@ -12553,170 +14469,17 @@
       </p:grpSpPr>
       <p:sp>
         <p:nvSpPr>
-          <p:cNvPr id="300" name="Google Shape;300;p34"/>
-          <p:cNvSpPr txBox="1">
-            <a:spLocks noGrp="1"/>
-          </p:cNvSpPr>
-          <p:nvPr>
-            <p:ph type="ctrTitle" idx="4294967295"/>
-          </p:nvPr>
-        </p:nvSpPr>
-        <p:spPr>
-          <a:xfrm>
-            <a:off x="930600" y="789712"/>
-            <a:ext cx="3582000" cy="846900"/>
-          </a:xfrm>
-          <a:prstGeom prst="rect">
-            <a:avLst/>
-          </a:prstGeom>
-        </p:spPr>
-        <p:txBody>
-          <a:bodyPr spcFirstLastPara="1" wrap="square" lIns="0" tIns="0" rIns="0" bIns="0" anchor="b" anchorCtr="0">
-            <a:noAutofit/>
-          </a:bodyPr>
-          <a:lstStyle/>
-          <a:p>
-            <a:pPr marL="0" lvl="0" indent="0" algn="l" rtl="0">
-              <a:spcBef>
-                <a:spcPts val="0"/>
-              </a:spcBef>
-              <a:spcAft>
-                <a:spcPts val="0"/>
-              </a:spcAft>
-              <a:buNone/>
-            </a:pPr>
-            <a:r>
-              <a:rPr lang="en" sz="6000"/>
-              <a:t>Thanks!</a:t>
-            </a:r>
-            <a:endParaRPr sz="6000"/>
-          </a:p>
-        </p:txBody>
-      </p:sp>
-      <p:sp>
-        <p:nvSpPr>
-          <p:cNvPr id="301" name="Google Shape;301;p34"/>
-          <p:cNvSpPr txBox="1">
-            <a:spLocks noGrp="1"/>
-          </p:cNvSpPr>
-          <p:nvPr>
-            <p:ph type="subTitle" idx="4294967295"/>
-          </p:nvPr>
-        </p:nvSpPr>
-        <p:spPr>
-          <a:xfrm>
-            <a:off x="930599" y="1903103"/>
-            <a:ext cx="4387187" cy="2300700"/>
-          </a:xfrm>
-          <a:prstGeom prst="rect">
-            <a:avLst/>
-          </a:prstGeom>
-        </p:spPr>
-        <p:txBody>
-          <a:bodyPr spcFirstLastPara="1" wrap="square" lIns="0" tIns="0" rIns="0" bIns="0" anchor="t" anchorCtr="0">
-            <a:noAutofit/>
-          </a:bodyPr>
-          <a:lstStyle/>
-          <a:p>
-            <a:pPr marL="0" lvl="0" indent="0" algn="l" rtl="0">
-              <a:spcBef>
-                <a:spcPts val="600"/>
-              </a:spcBef>
-              <a:spcAft>
-                <a:spcPts val="0"/>
-              </a:spcAft>
-              <a:buNone/>
-            </a:pPr>
-            <a:r>
-              <a:rPr lang="en" b="1" dirty="0">
-                <a:latin typeface="Ubuntu"/>
-                <a:ea typeface="Ubuntu"/>
-                <a:cs typeface="Ubuntu"/>
-                <a:sym typeface="Ubuntu"/>
-              </a:rPr>
-              <a:t>Any questions?</a:t>
-            </a:r>
-            <a:endParaRPr b="1" dirty="0">
-              <a:latin typeface="Ubuntu"/>
-              <a:ea typeface="Ubuntu"/>
-              <a:cs typeface="Ubuntu"/>
-              <a:sym typeface="Ubuntu"/>
-            </a:endParaRPr>
-          </a:p>
-          <a:p>
-            <a:pPr marL="0" lvl="0" indent="0" algn="l" rtl="0">
-              <a:spcBef>
-                <a:spcPts val="600"/>
-              </a:spcBef>
-              <a:spcAft>
-                <a:spcPts val="0"/>
-              </a:spcAft>
-              <a:buNone/>
-            </a:pPr>
-            <a:r>
-              <a:rPr lang="en" dirty="0"/>
-              <a:t>You can find me at:</a:t>
-            </a:r>
-            <a:endParaRPr dirty="0"/>
-          </a:p>
-          <a:p>
-            <a:pPr marL="457200" lvl="0" indent="-381000" algn="l" rtl="0">
-              <a:spcBef>
-                <a:spcPts val="600"/>
-              </a:spcBef>
-              <a:spcAft>
-                <a:spcPts val="0"/>
-              </a:spcAft>
-              <a:buSzPts val="2400"/>
-              <a:buChar char="▪"/>
-            </a:pPr>
-            <a:r>
-              <a:rPr lang="en" dirty="0" smtClean="0"/>
-              <a:t>@github.com/sanketscode</a:t>
-            </a:r>
-          </a:p>
-          <a:p>
-            <a:pPr marL="457200" lvl="0" indent="-381000" algn="l" rtl="0">
-              <a:spcBef>
-                <a:spcPts val="600"/>
-              </a:spcBef>
-              <a:spcAft>
-                <a:spcPts val="0"/>
-              </a:spcAft>
-              <a:buSzPts val="2400"/>
-              <a:buChar char="▪"/>
-            </a:pPr>
-            <a:r>
-              <a:rPr lang="en-IN" dirty="0" smtClean="0"/>
-              <a:t>Sanket.202165@srttc.ac.in</a:t>
-            </a:r>
-            <a:endParaRPr dirty="0"/>
-          </a:p>
-        </p:txBody>
-      </p:sp>
-      <p:sp>
-        <p:nvSpPr>
-          <p:cNvPr id="302" name="Google Shape;302;p34"/>
-          <p:cNvSpPr txBox="1">
+          <p:cNvPr id="2" name="Slide Number Placeholder 1"/>
+          <p:cNvSpPr>
             <a:spLocks noGrp="1"/>
           </p:cNvSpPr>
           <p:nvPr>
             <p:ph type="sldNum" idx="12"/>
           </p:nvPr>
         </p:nvSpPr>
-        <p:spPr>
-          <a:xfrm>
-            <a:off x="8213401" y="4248586"/>
-            <a:ext cx="465300" cy="474300"/>
-          </a:xfrm>
-          <a:prstGeom prst="rect">
-            <a:avLst/>
-          </a:prstGeom>
-        </p:spPr>
+        <p:spPr/>
         <p:txBody>
-          <a:bodyPr spcFirstLastPara="1" wrap="square" lIns="0" tIns="0" rIns="0" bIns="0" anchor="b" anchorCtr="0">
-            <a:noAutofit/>
-          </a:bodyPr>
+          <a:bodyPr/>
           <a:lstStyle/>
           <a:p>
             <a:pPr marL="0" lvl="0" indent="0" algn="r" rtl="0">
@@ -12729,841 +14492,118 @@
               <a:buNone/>
             </a:pPr>
             <a:fld id="{00000000-1234-1234-1234-123412341234}" type="slidenum">
-              <a:rPr lang="en"/>
-              <a:t>16</a:t>
+              <a:rPr lang="en" smtClean="0"/>
+              <a:t>19</a:t>
             </a:fld>
-            <a:endParaRPr/>
+            <a:endParaRPr lang="en"/>
           </a:p>
         </p:txBody>
       </p:sp>
       <p:sp>
         <p:nvSpPr>
-          <p:cNvPr id="303" name="Google Shape;303;p34"/>
-          <p:cNvSpPr/>
+          <p:cNvPr id="3" name="TextBox 2"/>
+          <p:cNvSpPr txBox="1"/>
           <p:nvPr/>
         </p:nvSpPr>
         <p:spPr>
           <a:xfrm>
-            <a:off x="5504401" y="1494825"/>
-            <a:ext cx="2153902" cy="2153864"/>
+            <a:off x="920885" y="752272"/>
+            <a:ext cx="7516238" cy="646331"/>
           </a:xfrm>
-          <a:custGeom>
+          <a:prstGeom prst="rect">
             <a:avLst/>
-            <a:gdLst/>
-            <a:ahLst/>
-            <a:cxnLst/>
-            <a:rect l="l" t="t" r="r" b="b"/>
-            <a:pathLst>
-              <a:path w="15290" h="15290" extrusionOk="0">
-                <a:moveTo>
-                  <a:pt x="4519" y="6815"/>
-                </a:moveTo>
-                <a:lnTo>
-                  <a:pt x="4690" y="6839"/>
-                </a:lnTo>
-                <a:lnTo>
-                  <a:pt x="4861" y="6888"/>
-                </a:lnTo>
-                <a:lnTo>
-                  <a:pt x="5007" y="6986"/>
-                </a:lnTo>
-                <a:lnTo>
-                  <a:pt x="5154" y="7084"/>
-                </a:lnTo>
-                <a:lnTo>
-                  <a:pt x="5251" y="7230"/>
-                </a:lnTo>
-                <a:lnTo>
-                  <a:pt x="5325" y="7401"/>
-                </a:lnTo>
-                <a:lnTo>
-                  <a:pt x="5374" y="7572"/>
-                </a:lnTo>
-                <a:lnTo>
-                  <a:pt x="5398" y="7767"/>
-                </a:lnTo>
-                <a:lnTo>
-                  <a:pt x="5374" y="7963"/>
-                </a:lnTo>
-                <a:lnTo>
-                  <a:pt x="5325" y="8134"/>
-                </a:lnTo>
-                <a:lnTo>
-                  <a:pt x="5251" y="8305"/>
-                </a:lnTo>
-                <a:lnTo>
-                  <a:pt x="5154" y="8451"/>
-                </a:lnTo>
-                <a:lnTo>
-                  <a:pt x="5007" y="8549"/>
-                </a:lnTo>
-                <a:lnTo>
-                  <a:pt x="4861" y="8647"/>
-                </a:lnTo>
-                <a:lnTo>
-                  <a:pt x="4690" y="8696"/>
-                </a:lnTo>
-                <a:lnTo>
-                  <a:pt x="4519" y="8720"/>
-                </a:lnTo>
-                <a:lnTo>
-                  <a:pt x="4348" y="8696"/>
-                </a:lnTo>
-                <a:lnTo>
-                  <a:pt x="4177" y="8647"/>
-                </a:lnTo>
-                <a:lnTo>
-                  <a:pt x="4030" y="8549"/>
-                </a:lnTo>
-                <a:lnTo>
-                  <a:pt x="3884" y="8451"/>
-                </a:lnTo>
-                <a:lnTo>
-                  <a:pt x="3786" y="8305"/>
-                </a:lnTo>
-                <a:lnTo>
-                  <a:pt x="3713" y="8134"/>
-                </a:lnTo>
-                <a:lnTo>
-                  <a:pt x="3664" y="7963"/>
-                </a:lnTo>
-                <a:lnTo>
-                  <a:pt x="3640" y="7767"/>
-                </a:lnTo>
-                <a:lnTo>
-                  <a:pt x="3664" y="7572"/>
-                </a:lnTo>
-                <a:lnTo>
-                  <a:pt x="3713" y="7401"/>
-                </a:lnTo>
-                <a:lnTo>
-                  <a:pt x="3786" y="7230"/>
-                </a:lnTo>
-                <a:lnTo>
-                  <a:pt x="3884" y="7084"/>
-                </a:lnTo>
-                <a:lnTo>
-                  <a:pt x="4030" y="6986"/>
-                </a:lnTo>
-                <a:lnTo>
-                  <a:pt x="4177" y="6888"/>
-                </a:lnTo>
-                <a:lnTo>
-                  <a:pt x="4348" y="6839"/>
-                </a:lnTo>
-                <a:lnTo>
-                  <a:pt x="4519" y="6815"/>
-                </a:lnTo>
-                <a:close/>
-                <a:moveTo>
-                  <a:pt x="10771" y="6815"/>
-                </a:moveTo>
-                <a:lnTo>
-                  <a:pt x="10942" y="6839"/>
-                </a:lnTo>
-                <a:lnTo>
-                  <a:pt x="11113" y="6888"/>
-                </a:lnTo>
-                <a:lnTo>
-                  <a:pt x="11260" y="6986"/>
-                </a:lnTo>
-                <a:lnTo>
-                  <a:pt x="11406" y="7084"/>
-                </a:lnTo>
-                <a:lnTo>
-                  <a:pt x="11504" y="7230"/>
-                </a:lnTo>
-                <a:lnTo>
-                  <a:pt x="11577" y="7401"/>
-                </a:lnTo>
-                <a:lnTo>
-                  <a:pt x="11626" y="7572"/>
-                </a:lnTo>
-                <a:lnTo>
-                  <a:pt x="11650" y="7767"/>
-                </a:lnTo>
-                <a:lnTo>
-                  <a:pt x="11626" y="7963"/>
-                </a:lnTo>
-                <a:lnTo>
-                  <a:pt x="11577" y="8134"/>
-                </a:lnTo>
-                <a:lnTo>
-                  <a:pt x="11504" y="8305"/>
-                </a:lnTo>
-                <a:lnTo>
-                  <a:pt x="11406" y="8451"/>
-                </a:lnTo>
-                <a:lnTo>
-                  <a:pt x="11260" y="8549"/>
-                </a:lnTo>
-                <a:lnTo>
-                  <a:pt x="11113" y="8647"/>
-                </a:lnTo>
-                <a:lnTo>
-                  <a:pt x="10942" y="8696"/>
-                </a:lnTo>
-                <a:lnTo>
-                  <a:pt x="10771" y="8720"/>
-                </a:lnTo>
-                <a:lnTo>
-                  <a:pt x="10600" y="8696"/>
-                </a:lnTo>
-                <a:lnTo>
-                  <a:pt x="10429" y="8647"/>
-                </a:lnTo>
-                <a:lnTo>
-                  <a:pt x="10283" y="8549"/>
-                </a:lnTo>
-                <a:lnTo>
-                  <a:pt x="10136" y="8451"/>
-                </a:lnTo>
-                <a:lnTo>
-                  <a:pt x="10038" y="8305"/>
-                </a:lnTo>
-                <a:lnTo>
-                  <a:pt x="9965" y="8134"/>
-                </a:lnTo>
-                <a:lnTo>
-                  <a:pt x="9916" y="7963"/>
-                </a:lnTo>
-                <a:lnTo>
-                  <a:pt x="9892" y="7767"/>
-                </a:lnTo>
-                <a:lnTo>
-                  <a:pt x="9916" y="7572"/>
-                </a:lnTo>
-                <a:lnTo>
-                  <a:pt x="9965" y="7401"/>
-                </a:lnTo>
-                <a:lnTo>
-                  <a:pt x="10038" y="7230"/>
-                </a:lnTo>
-                <a:lnTo>
-                  <a:pt x="10136" y="7084"/>
-                </a:lnTo>
-                <a:lnTo>
-                  <a:pt x="10283" y="6986"/>
-                </a:lnTo>
-                <a:lnTo>
-                  <a:pt x="10429" y="6888"/>
-                </a:lnTo>
-                <a:lnTo>
-                  <a:pt x="10600" y="6839"/>
-                </a:lnTo>
-                <a:lnTo>
-                  <a:pt x="10771" y="6815"/>
-                </a:lnTo>
-                <a:close/>
-                <a:moveTo>
-                  <a:pt x="11308" y="10210"/>
-                </a:moveTo>
-                <a:lnTo>
-                  <a:pt x="11406" y="10234"/>
-                </a:lnTo>
-                <a:lnTo>
-                  <a:pt x="11479" y="10259"/>
-                </a:lnTo>
-                <a:lnTo>
-                  <a:pt x="11577" y="10307"/>
-                </a:lnTo>
-                <a:lnTo>
-                  <a:pt x="11650" y="10356"/>
-                </a:lnTo>
-                <a:lnTo>
-                  <a:pt x="11699" y="10430"/>
-                </a:lnTo>
-                <a:lnTo>
-                  <a:pt x="11748" y="10527"/>
-                </a:lnTo>
-                <a:lnTo>
-                  <a:pt x="11772" y="10625"/>
-                </a:lnTo>
-                <a:lnTo>
-                  <a:pt x="11797" y="10698"/>
-                </a:lnTo>
-                <a:lnTo>
-                  <a:pt x="11772" y="10796"/>
-                </a:lnTo>
-                <a:lnTo>
-                  <a:pt x="11748" y="10894"/>
-                </a:lnTo>
-                <a:lnTo>
-                  <a:pt x="11699" y="10967"/>
-                </a:lnTo>
-                <a:lnTo>
-                  <a:pt x="11650" y="11065"/>
-                </a:lnTo>
-                <a:lnTo>
-                  <a:pt x="11235" y="11431"/>
-                </a:lnTo>
-                <a:lnTo>
-                  <a:pt x="10795" y="11773"/>
-                </a:lnTo>
-                <a:lnTo>
-                  <a:pt x="10307" y="12041"/>
-                </a:lnTo>
-                <a:lnTo>
-                  <a:pt x="9819" y="12286"/>
-                </a:lnTo>
-                <a:lnTo>
-                  <a:pt x="9281" y="12457"/>
-                </a:lnTo>
-                <a:lnTo>
-                  <a:pt x="8768" y="12603"/>
-                </a:lnTo>
-                <a:lnTo>
-                  <a:pt x="8207" y="12676"/>
-                </a:lnTo>
-                <a:lnTo>
-                  <a:pt x="7645" y="12701"/>
-                </a:lnTo>
-                <a:lnTo>
-                  <a:pt x="7083" y="12676"/>
-                </a:lnTo>
-                <a:lnTo>
-                  <a:pt x="6521" y="12603"/>
-                </a:lnTo>
-                <a:lnTo>
-                  <a:pt x="6009" y="12457"/>
-                </a:lnTo>
-                <a:lnTo>
-                  <a:pt x="5471" y="12286"/>
-                </a:lnTo>
-                <a:lnTo>
-                  <a:pt x="4983" y="12041"/>
-                </a:lnTo>
-                <a:lnTo>
-                  <a:pt x="4494" y="11773"/>
-                </a:lnTo>
-                <a:lnTo>
-                  <a:pt x="4055" y="11431"/>
-                </a:lnTo>
-                <a:lnTo>
-                  <a:pt x="3640" y="11065"/>
-                </a:lnTo>
-                <a:lnTo>
-                  <a:pt x="3591" y="10967"/>
-                </a:lnTo>
-                <a:lnTo>
-                  <a:pt x="3542" y="10894"/>
-                </a:lnTo>
-                <a:lnTo>
-                  <a:pt x="3517" y="10796"/>
-                </a:lnTo>
-                <a:lnTo>
-                  <a:pt x="3493" y="10698"/>
-                </a:lnTo>
-                <a:lnTo>
-                  <a:pt x="3517" y="10625"/>
-                </a:lnTo>
-                <a:lnTo>
-                  <a:pt x="3542" y="10527"/>
-                </a:lnTo>
-                <a:lnTo>
-                  <a:pt x="3591" y="10430"/>
-                </a:lnTo>
-                <a:lnTo>
-                  <a:pt x="3640" y="10356"/>
-                </a:lnTo>
-                <a:lnTo>
-                  <a:pt x="3713" y="10307"/>
-                </a:lnTo>
-                <a:lnTo>
-                  <a:pt x="3811" y="10259"/>
-                </a:lnTo>
-                <a:lnTo>
-                  <a:pt x="3884" y="10234"/>
-                </a:lnTo>
-                <a:lnTo>
-                  <a:pt x="3981" y="10210"/>
-                </a:lnTo>
-                <a:lnTo>
-                  <a:pt x="4079" y="10234"/>
-                </a:lnTo>
-                <a:lnTo>
-                  <a:pt x="4177" y="10259"/>
-                </a:lnTo>
-                <a:lnTo>
-                  <a:pt x="4250" y="10307"/>
-                </a:lnTo>
-                <a:lnTo>
-                  <a:pt x="4323" y="10356"/>
-                </a:lnTo>
-                <a:lnTo>
-                  <a:pt x="4690" y="10674"/>
-                </a:lnTo>
-                <a:lnTo>
-                  <a:pt x="5056" y="10942"/>
-                </a:lnTo>
-                <a:lnTo>
-                  <a:pt x="5447" y="11187"/>
-                </a:lnTo>
-                <a:lnTo>
-                  <a:pt x="5862" y="11382"/>
-                </a:lnTo>
-                <a:lnTo>
-                  <a:pt x="6277" y="11529"/>
-                </a:lnTo>
-                <a:lnTo>
-                  <a:pt x="6717" y="11651"/>
-                </a:lnTo>
-                <a:lnTo>
-                  <a:pt x="7181" y="11700"/>
-                </a:lnTo>
-                <a:lnTo>
-                  <a:pt x="7645" y="11724"/>
-                </a:lnTo>
-                <a:lnTo>
-                  <a:pt x="8109" y="11700"/>
-                </a:lnTo>
-                <a:lnTo>
-                  <a:pt x="8573" y="11651"/>
-                </a:lnTo>
-                <a:lnTo>
-                  <a:pt x="9013" y="11529"/>
-                </a:lnTo>
-                <a:lnTo>
-                  <a:pt x="9428" y="11382"/>
-                </a:lnTo>
-                <a:lnTo>
-                  <a:pt x="9843" y="11187"/>
-                </a:lnTo>
-                <a:lnTo>
-                  <a:pt x="10234" y="10942"/>
-                </a:lnTo>
-                <a:lnTo>
-                  <a:pt x="10600" y="10674"/>
-                </a:lnTo>
-                <a:lnTo>
-                  <a:pt x="10966" y="10356"/>
-                </a:lnTo>
-                <a:lnTo>
-                  <a:pt x="11040" y="10307"/>
-                </a:lnTo>
-                <a:lnTo>
-                  <a:pt x="11113" y="10259"/>
-                </a:lnTo>
-                <a:lnTo>
-                  <a:pt x="11211" y="10234"/>
-                </a:lnTo>
-                <a:lnTo>
-                  <a:pt x="11308" y="10210"/>
-                </a:lnTo>
-                <a:close/>
-                <a:moveTo>
-                  <a:pt x="7254" y="1"/>
-                </a:moveTo>
-                <a:lnTo>
-                  <a:pt x="6863" y="50"/>
-                </a:lnTo>
-                <a:lnTo>
-                  <a:pt x="6473" y="99"/>
-                </a:lnTo>
-                <a:lnTo>
-                  <a:pt x="6106" y="147"/>
-                </a:lnTo>
-                <a:lnTo>
-                  <a:pt x="5740" y="245"/>
-                </a:lnTo>
-                <a:lnTo>
-                  <a:pt x="5374" y="343"/>
-                </a:lnTo>
-                <a:lnTo>
-                  <a:pt x="5007" y="465"/>
-                </a:lnTo>
-                <a:lnTo>
-                  <a:pt x="4665" y="611"/>
-                </a:lnTo>
-                <a:lnTo>
-                  <a:pt x="4323" y="758"/>
-                </a:lnTo>
-                <a:lnTo>
-                  <a:pt x="4006" y="929"/>
-                </a:lnTo>
-                <a:lnTo>
-                  <a:pt x="3688" y="1100"/>
-                </a:lnTo>
-                <a:lnTo>
-                  <a:pt x="3371" y="1295"/>
-                </a:lnTo>
-                <a:lnTo>
-                  <a:pt x="3078" y="1515"/>
-                </a:lnTo>
-                <a:lnTo>
-                  <a:pt x="2785" y="1735"/>
-                </a:lnTo>
-                <a:lnTo>
-                  <a:pt x="2516" y="1979"/>
-                </a:lnTo>
-                <a:lnTo>
-                  <a:pt x="2247" y="2248"/>
-                </a:lnTo>
-                <a:lnTo>
-                  <a:pt x="1979" y="2516"/>
-                </a:lnTo>
-                <a:lnTo>
-                  <a:pt x="1735" y="2785"/>
-                </a:lnTo>
-                <a:lnTo>
-                  <a:pt x="1515" y="3078"/>
-                </a:lnTo>
-                <a:lnTo>
-                  <a:pt x="1295" y="3371"/>
-                </a:lnTo>
-                <a:lnTo>
-                  <a:pt x="1100" y="3689"/>
-                </a:lnTo>
-                <a:lnTo>
-                  <a:pt x="929" y="4006"/>
-                </a:lnTo>
-                <a:lnTo>
-                  <a:pt x="758" y="4324"/>
-                </a:lnTo>
-                <a:lnTo>
-                  <a:pt x="611" y="4666"/>
-                </a:lnTo>
-                <a:lnTo>
-                  <a:pt x="465" y="5008"/>
-                </a:lnTo>
-                <a:lnTo>
-                  <a:pt x="342" y="5374"/>
-                </a:lnTo>
-                <a:lnTo>
-                  <a:pt x="245" y="5740"/>
-                </a:lnTo>
-                <a:lnTo>
-                  <a:pt x="147" y="6107"/>
-                </a:lnTo>
-                <a:lnTo>
-                  <a:pt x="98" y="6473"/>
-                </a:lnTo>
-                <a:lnTo>
-                  <a:pt x="49" y="6864"/>
-                </a:lnTo>
-                <a:lnTo>
-                  <a:pt x="1" y="7255"/>
-                </a:lnTo>
-                <a:lnTo>
-                  <a:pt x="1" y="7645"/>
-                </a:lnTo>
-                <a:lnTo>
-                  <a:pt x="1" y="8036"/>
-                </a:lnTo>
-                <a:lnTo>
-                  <a:pt x="49" y="8427"/>
-                </a:lnTo>
-                <a:lnTo>
-                  <a:pt x="98" y="8818"/>
-                </a:lnTo>
-                <a:lnTo>
-                  <a:pt x="147" y="9184"/>
-                </a:lnTo>
-                <a:lnTo>
-                  <a:pt x="245" y="9550"/>
-                </a:lnTo>
-                <a:lnTo>
-                  <a:pt x="342" y="9917"/>
-                </a:lnTo>
-                <a:lnTo>
-                  <a:pt x="465" y="10283"/>
-                </a:lnTo>
-                <a:lnTo>
-                  <a:pt x="611" y="10625"/>
-                </a:lnTo>
-                <a:lnTo>
-                  <a:pt x="758" y="10967"/>
-                </a:lnTo>
-                <a:lnTo>
-                  <a:pt x="929" y="11284"/>
-                </a:lnTo>
-                <a:lnTo>
-                  <a:pt x="1100" y="11602"/>
-                </a:lnTo>
-                <a:lnTo>
-                  <a:pt x="1295" y="11919"/>
-                </a:lnTo>
-                <a:lnTo>
-                  <a:pt x="1515" y="12212"/>
-                </a:lnTo>
-                <a:lnTo>
-                  <a:pt x="1735" y="12506"/>
-                </a:lnTo>
-                <a:lnTo>
-                  <a:pt x="1979" y="12774"/>
-                </a:lnTo>
-                <a:lnTo>
-                  <a:pt x="2247" y="13043"/>
-                </a:lnTo>
-                <a:lnTo>
-                  <a:pt x="2516" y="13311"/>
-                </a:lnTo>
-                <a:lnTo>
-                  <a:pt x="2785" y="13556"/>
-                </a:lnTo>
-                <a:lnTo>
-                  <a:pt x="3078" y="13776"/>
-                </a:lnTo>
-                <a:lnTo>
-                  <a:pt x="3371" y="13995"/>
-                </a:lnTo>
-                <a:lnTo>
-                  <a:pt x="3688" y="14191"/>
-                </a:lnTo>
-                <a:lnTo>
-                  <a:pt x="4006" y="14362"/>
-                </a:lnTo>
-                <a:lnTo>
-                  <a:pt x="4323" y="14533"/>
-                </a:lnTo>
-                <a:lnTo>
-                  <a:pt x="4665" y="14679"/>
-                </a:lnTo>
-                <a:lnTo>
-                  <a:pt x="5007" y="14826"/>
-                </a:lnTo>
-                <a:lnTo>
-                  <a:pt x="5374" y="14948"/>
-                </a:lnTo>
-                <a:lnTo>
-                  <a:pt x="5740" y="15046"/>
-                </a:lnTo>
-                <a:lnTo>
-                  <a:pt x="6106" y="15143"/>
-                </a:lnTo>
-                <a:lnTo>
-                  <a:pt x="6473" y="15192"/>
-                </a:lnTo>
-                <a:lnTo>
-                  <a:pt x="6863" y="15241"/>
-                </a:lnTo>
-                <a:lnTo>
-                  <a:pt x="7254" y="15290"/>
-                </a:lnTo>
-                <a:lnTo>
-                  <a:pt x="8036" y="15290"/>
-                </a:lnTo>
-                <a:lnTo>
-                  <a:pt x="8426" y="15241"/>
-                </a:lnTo>
-                <a:lnTo>
-                  <a:pt x="8817" y="15192"/>
-                </a:lnTo>
-                <a:lnTo>
-                  <a:pt x="9184" y="15143"/>
-                </a:lnTo>
-                <a:lnTo>
-                  <a:pt x="9550" y="15046"/>
-                </a:lnTo>
-                <a:lnTo>
-                  <a:pt x="9916" y="14948"/>
-                </a:lnTo>
-                <a:lnTo>
-                  <a:pt x="10283" y="14826"/>
-                </a:lnTo>
-                <a:lnTo>
-                  <a:pt x="10625" y="14679"/>
-                </a:lnTo>
-                <a:lnTo>
-                  <a:pt x="10966" y="14533"/>
-                </a:lnTo>
-                <a:lnTo>
-                  <a:pt x="11284" y="14362"/>
-                </a:lnTo>
-                <a:lnTo>
-                  <a:pt x="11601" y="14191"/>
-                </a:lnTo>
-                <a:lnTo>
-                  <a:pt x="11919" y="13995"/>
-                </a:lnTo>
-                <a:lnTo>
-                  <a:pt x="12212" y="13776"/>
-                </a:lnTo>
-                <a:lnTo>
-                  <a:pt x="12505" y="13556"/>
-                </a:lnTo>
-                <a:lnTo>
-                  <a:pt x="12774" y="13311"/>
-                </a:lnTo>
-                <a:lnTo>
-                  <a:pt x="13042" y="13043"/>
-                </a:lnTo>
-                <a:lnTo>
-                  <a:pt x="13311" y="12774"/>
-                </a:lnTo>
-                <a:lnTo>
-                  <a:pt x="13555" y="12506"/>
-                </a:lnTo>
-                <a:lnTo>
-                  <a:pt x="13775" y="12212"/>
-                </a:lnTo>
-                <a:lnTo>
-                  <a:pt x="13995" y="11919"/>
-                </a:lnTo>
-                <a:lnTo>
-                  <a:pt x="14190" y="11602"/>
-                </a:lnTo>
-                <a:lnTo>
-                  <a:pt x="14361" y="11284"/>
-                </a:lnTo>
-                <a:lnTo>
-                  <a:pt x="14532" y="10967"/>
-                </a:lnTo>
-                <a:lnTo>
-                  <a:pt x="14679" y="10625"/>
-                </a:lnTo>
-                <a:lnTo>
-                  <a:pt x="14825" y="10283"/>
-                </a:lnTo>
-                <a:lnTo>
-                  <a:pt x="14947" y="9917"/>
-                </a:lnTo>
-                <a:lnTo>
-                  <a:pt x="15045" y="9550"/>
-                </a:lnTo>
-                <a:lnTo>
-                  <a:pt x="15143" y="9184"/>
-                </a:lnTo>
-                <a:lnTo>
-                  <a:pt x="15192" y="8818"/>
-                </a:lnTo>
-                <a:lnTo>
-                  <a:pt x="15240" y="8427"/>
-                </a:lnTo>
-                <a:lnTo>
-                  <a:pt x="15289" y="8036"/>
-                </a:lnTo>
-                <a:lnTo>
-                  <a:pt x="15289" y="7645"/>
-                </a:lnTo>
-                <a:lnTo>
-                  <a:pt x="15289" y="7255"/>
-                </a:lnTo>
-                <a:lnTo>
-                  <a:pt x="15240" y="6864"/>
-                </a:lnTo>
-                <a:lnTo>
-                  <a:pt x="15192" y="6473"/>
-                </a:lnTo>
-                <a:lnTo>
-                  <a:pt x="15143" y="6107"/>
-                </a:lnTo>
-                <a:lnTo>
-                  <a:pt x="15045" y="5740"/>
-                </a:lnTo>
-                <a:lnTo>
-                  <a:pt x="14947" y="5374"/>
-                </a:lnTo>
-                <a:lnTo>
-                  <a:pt x="14825" y="5008"/>
-                </a:lnTo>
-                <a:lnTo>
-                  <a:pt x="14679" y="4666"/>
-                </a:lnTo>
-                <a:lnTo>
-                  <a:pt x="14532" y="4324"/>
-                </a:lnTo>
-                <a:lnTo>
-                  <a:pt x="14361" y="4006"/>
-                </a:lnTo>
-                <a:lnTo>
-                  <a:pt x="14190" y="3689"/>
-                </a:lnTo>
-                <a:lnTo>
-                  <a:pt x="13995" y="3371"/>
-                </a:lnTo>
-                <a:lnTo>
-                  <a:pt x="13775" y="3078"/>
-                </a:lnTo>
-                <a:lnTo>
-                  <a:pt x="13555" y="2785"/>
-                </a:lnTo>
-                <a:lnTo>
-                  <a:pt x="13311" y="2516"/>
-                </a:lnTo>
-                <a:lnTo>
-                  <a:pt x="13042" y="2248"/>
-                </a:lnTo>
-                <a:lnTo>
-                  <a:pt x="12774" y="1979"/>
-                </a:lnTo>
-                <a:lnTo>
-                  <a:pt x="12505" y="1735"/>
-                </a:lnTo>
-                <a:lnTo>
-                  <a:pt x="12212" y="1515"/>
-                </a:lnTo>
-                <a:lnTo>
-                  <a:pt x="11919" y="1295"/>
-                </a:lnTo>
-                <a:lnTo>
-                  <a:pt x="11601" y="1100"/>
-                </a:lnTo>
-                <a:lnTo>
-                  <a:pt x="11284" y="929"/>
-                </a:lnTo>
-                <a:lnTo>
-                  <a:pt x="10966" y="758"/>
-                </a:lnTo>
-                <a:lnTo>
-                  <a:pt x="10625" y="611"/>
-                </a:lnTo>
-                <a:lnTo>
-                  <a:pt x="10283" y="465"/>
-                </a:lnTo>
-                <a:lnTo>
-                  <a:pt x="9916" y="343"/>
-                </a:lnTo>
-                <a:lnTo>
-                  <a:pt x="9550" y="245"/>
-                </a:lnTo>
-                <a:lnTo>
-                  <a:pt x="9184" y="147"/>
-                </a:lnTo>
-                <a:lnTo>
-                  <a:pt x="8817" y="99"/>
-                </a:lnTo>
-                <a:lnTo>
-                  <a:pt x="8426" y="50"/>
-                </a:lnTo>
-                <a:lnTo>
-                  <a:pt x="8036" y="1"/>
-                </a:lnTo>
-                <a:close/>
-              </a:path>
-            </a:pathLst>
-          </a:custGeom>
-          <a:solidFill>
-            <a:schemeClr val="lt1"/>
-          </a:solidFill>
-          <a:ln>
-            <a:noFill/>
-          </a:ln>
+          </a:prstGeom>
+          <a:noFill/>
         </p:spPr>
         <p:txBody>
-          <a:bodyPr spcFirstLastPara="1" wrap="square" lIns="91425" tIns="91425" rIns="91425" bIns="91425" anchor="ctr" anchorCtr="0">
-            <a:noAutofit/>
+          <a:bodyPr wrap="square" rtlCol="0">
+            <a:spAutoFit/>
           </a:bodyPr>
           <a:lstStyle/>
           <a:p>
-            <a:pPr marL="0" lvl="0" indent="0" algn="l" rtl="0">
-              <a:spcBef>
-                <a:spcPts val="0"/>
-              </a:spcBef>
-              <a:spcAft>
-                <a:spcPts val="0"/>
-              </a:spcAft>
-              <a:buNone/>
-            </a:pPr>
-            <a:endParaRPr>
+            <a:pPr algn="ctr"/>
+            <a:r>
+              <a:rPr lang="en-US" sz="3600" dirty="0" smtClean="0">
+                <a:solidFill>
+                  <a:schemeClr val="bg1"/>
+                </a:solidFill>
+                <a:latin typeface="Ubuntu" panose="020B0604020202020204" charset="0"/>
+              </a:rPr>
+              <a:t>Conclusion</a:t>
+            </a:r>
+            <a:endParaRPr lang="en-IN" sz="3600" dirty="0">
               <a:solidFill>
-                <a:schemeClr val="dk1"/>
+                <a:schemeClr val="bg1"/>
               </a:solidFill>
+              <a:latin typeface="Ubuntu" panose="020B0604020202020204" charset="0"/>
+            </a:endParaRPr>
+          </a:p>
+        </p:txBody>
+      </p:sp>
+      <p:sp>
+        <p:nvSpPr>
+          <p:cNvPr id="4" name="TextBox 3"/>
+          <p:cNvSpPr txBox="1"/>
+          <p:nvPr/>
+        </p:nvSpPr>
+        <p:spPr>
+          <a:xfrm>
+            <a:off x="1057072" y="1757464"/>
+            <a:ext cx="7388979" cy="2246769"/>
+          </a:xfrm>
+          <a:prstGeom prst="rect">
+            <a:avLst/>
+          </a:prstGeom>
+          <a:noFill/>
+        </p:spPr>
+        <p:txBody>
+          <a:bodyPr wrap="square" rtlCol="0">
+            <a:spAutoFit/>
+          </a:bodyPr>
+          <a:lstStyle/>
+          <a:p>
+            <a:r>
+              <a:rPr lang="en-US" sz="2000" dirty="0" smtClean="0">
+                <a:solidFill>
+                  <a:schemeClr val="bg1"/>
+                </a:solidFill>
+                <a:latin typeface="Ubuntu" panose="020B0604020202020204" charset="0"/>
+              </a:rPr>
+              <a:t>We can use React Native for Developing Android and IOS app but one thing you need to keep in mind is that it usage third party libraries so performance that we get it really bad on higher level applications, so that if you are building something like website app (creating web app on android or </a:t>
+            </a:r>
+            <a:r>
+              <a:rPr lang="en-US" sz="2000" dirty="0" err="1" smtClean="0">
+                <a:solidFill>
+                  <a:schemeClr val="bg1"/>
+                </a:solidFill>
+                <a:latin typeface="Ubuntu" panose="020B0604020202020204" charset="0"/>
+              </a:rPr>
+              <a:t>ios</a:t>
+            </a:r>
+            <a:r>
+              <a:rPr lang="en-US" sz="2000" dirty="0" smtClean="0">
+                <a:solidFill>
+                  <a:schemeClr val="bg1"/>
+                </a:solidFill>
+                <a:latin typeface="Ubuntu" panose="020B0604020202020204" charset="0"/>
+              </a:rPr>
+              <a:t> ) then its better to use that thing, also if you are creating app for UI Thing then its better as well.</a:t>
+            </a:r>
+            <a:endParaRPr lang="en-IN" sz="2000" dirty="0">
+              <a:solidFill>
+                <a:schemeClr val="bg1"/>
+              </a:solidFill>
+              <a:latin typeface="Ubuntu" panose="020B0604020202020204" charset="0"/>
             </a:endParaRPr>
           </a:p>
         </p:txBody>
       </p:sp>
     </p:spTree>
+    <p:extLst>
+      <p:ext uri="{BB962C8B-B14F-4D97-AF65-F5344CB8AC3E}">
+        <p14:creationId xmlns:p14="http://schemas.microsoft.com/office/powerpoint/2010/main" val="3398052694"/>
+      </p:ext>
+    </p:extLst>
   </p:cSld>
   <p:clrMapOvr>
     <a:masterClrMapping/>
@@ -13579,1112 +14619,6 @@
 </file>
 
 <file path=ppt/slides/slide2.xml><?xml version="1.0" encoding="utf-8"?>
-<p:sld xmlns:a="http://schemas.openxmlformats.org/drawingml/2006/main" xmlns:r="http://schemas.openxmlformats.org/officeDocument/2006/relationships" xmlns:p="http://schemas.openxmlformats.org/presentationml/2006/main">
-  <p:cSld>
-    <p:spTree>
-      <p:nvGrpSpPr>
-        <p:cNvPr id="1" name="Shape 263"/>
-        <p:cNvGrpSpPr/>
-        <p:nvPr/>
-      </p:nvGrpSpPr>
-      <p:grpSpPr>
-        <a:xfrm>
-          <a:off x="0" y="0"/>
-          <a:ext cx="0" cy="0"/>
-          <a:chOff x="0" y="0"/>
-          <a:chExt cx="0" cy="0"/>
-        </a:xfrm>
-      </p:grpSpPr>
-      <p:sp>
-        <p:nvSpPr>
-          <p:cNvPr id="264" name="Google Shape;264;p31"/>
-          <p:cNvSpPr txBox="1">
-            <a:spLocks noGrp="1"/>
-          </p:cNvSpPr>
-          <p:nvPr>
-            <p:ph type="body" idx="4294967295"/>
-          </p:nvPr>
-        </p:nvSpPr>
-        <p:spPr>
-          <a:xfrm>
-            <a:off x="457200" y="465400"/>
-            <a:ext cx="2762100" cy="4212600"/>
-          </a:xfrm>
-          <a:prstGeom prst="rect">
-            <a:avLst/>
-          </a:prstGeom>
-        </p:spPr>
-        <p:txBody>
-          <a:bodyPr spcFirstLastPara="1" wrap="square" lIns="0" tIns="0" rIns="0" bIns="0" anchor="t" anchorCtr="0">
-            <a:noAutofit/>
-          </a:bodyPr>
-          <a:lstStyle/>
-          <a:p>
-            <a:pPr marL="0" lvl="0" indent="0" algn="l" rtl="0">
-              <a:spcBef>
-                <a:spcPts val="600"/>
-              </a:spcBef>
-              <a:spcAft>
-                <a:spcPts val="0"/>
-              </a:spcAft>
-              <a:buNone/>
-            </a:pPr>
-            <a:r>
-              <a:rPr lang="en-IN" b="1" dirty="0" smtClean="0">
-                <a:latin typeface="Ubuntu"/>
-                <a:ea typeface="Ubuntu"/>
-                <a:cs typeface="Ubuntu"/>
-                <a:sym typeface="Ubuntu"/>
-              </a:rPr>
-              <a:t>What is Native Apps?</a:t>
-            </a:r>
-            <a:endParaRPr b="1" dirty="0">
-              <a:latin typeface="Ubuntu"/>
-              <a:ea typeface="Ubuntu"/>
-              <a:cs typeface="Ubuntu"/>
-              <a:sym typeface="Ubuntu"/>
-            </a:endParaRPr>
-          </a:p>
-          <a:p>
-            <a:pPr marL="0" lvl="0" indent="0" algn="l" rtl="0">
-              <a:spcBef>
-                <a:spcPts val="600"/>
-              </a:spcBef>
-              <a:spcAft>
-                <a:spcPts val="0"/>
-              </a:spcAft>
-              <a:buNone/>
-            </a:pPr>
-            <a:r>
-              <a:rPr lang="en" sz="1800" dirty="0" smtClean="0"/>
-              <a:t>Native apps Build using one Programming Language and Specifically for one Platform.</a:t>
-            </a:r>
-            <a:endParaRPr sz="1800" dirty="0"/>
-          </a:p>
-        </p:txBody>
-      </p:sp>
-      <p:sp>
-        <p:nvSpPr>
-          <p:cNvPr id="265" name="Google Shape;265;p31"/>
-          <p:cNvSpPr txBox="1">
-            <a:spLocks noGrp="1"/>
-          </p:cNvSpPr>
-          <p:nvPr>
-            <p:ph type="sldNum" idx="12"/>
-          </p:nvPr>
-        </p:nvSpPr>
-        <p:spPr>
-          <a:xfrm>
-            <a:off x="8213401" y="4248586"/>
-            <a:ext cx="465300" cy="474300"/>
-          </a:xfrm>
-          <a:prstGeom prst="rect">
-            <a:avLst/>
-          </a:prstGeom>
-        </p:spPr>
-        <p:txBody>
-          <a:bodyPr spcFirstLastPara="1" wrap="square" lIns="0" tIns="0" rIns="0" bIns="0" anchor="b" anchorCtr="0">
-            <a:noAutofit/>
-          </a:bodyPr>
-          <a:lstStyle/>
-          <a:p>
-            <a:pPr marL="0" lvl="0" indent="0" algn="r" rtl="0">
-              <a:spcBef>
-                <a:spcPts val="0"/>
-              </a:spcBef>
-              <a:spcAft>
-                <a:spcPts val="0"/>
-              </a:spcAft>
-              <a:buNone/>
-            </a:pPr>
-            <a:fld id="{00000000-1234-1234-1234-123412341234}" type="slidenum">
-              <a:rPr lang="en"/>
-              <a:t>2</a:t>
-            </a:fld>
-            <a:endParaRPr/>
-          </a:p>
-        </p:txBody>
-      </p:sp>
-      <p:grpSp>
-        <p:nvGrpSpPr>
-          <p:cNvPr id="266" name="Google Shape;266;p31"/>
-          <p:cNvGrpSpPr/>
-          <p:nvPr/>
-        </p:nvGrpSpPr>
-        <p:grpSpPr>
-          <a:xfrm>
-            <a:off x="5538280" y="531779"/>
-            <a:ext cx="2033423" cy="3991718"/>
-            <a:chOff x="5353200" y="373572"/>
-            <a:chExt cx="2119546" cy="4396359"/>
-          </a:xfrm>
-        </p:grpSpPr>
-        <p:sp>
-          <p:nvSpPr>
-            <p:cNvPr id="267" name="Google Shape;267;p31"/>
-            <p:cNvSpPr/>
-            <p:nvPr/>
-          </p:nvSpPr>
-          <p:spPr>
-            <a:xfrm>
-              <a:off x="5353200" y="373572"/>
-              <a:ext cx="2119546" cy="4396359"/>
-            </a:xfrm>
-            <a:custGeom>
-              <a:avLst/>
-              <a:gdLst/>
-              <a:ahLst/>
-              <a:cxnLst/>
-              <a:rect l="l" t="t" r="r" b="b"/>
-              <a:pathLst>
-                <a:path w="101027" h="209550" extrusionOk="0">
-                  <a:moveTo>
-                    <a:pt x="98629" y="18886"/>
-                  </a:moveTo>
-                  <a:lnTo>
-                    <a:pt x="98629" y="190364"/>
-                  </a:lnTo>
-                  <a:lnTo>
-                    <a:pt x="2398" y="190364"/>
-                  </a:lnTo>
-                  <a:lnTo>
-                    <a:pt x="2398" y="18886"/>
-                  </a:lnTo>
-                  <a:close/>
-                  <a:moveTo>
-                    <a:pt x="10343" y="0"/>
-                  </a:moveTo>
-                  <a:lnTo>
-                    <a:pt x="9293" y="75"/>
-                  </a:lnTo>
-                  <a:lnTo>
-                    <a:pt x="8244" y="225"/>
-                  </a:lnTo>
-                  <a:lnTo>
-                    <a:pt x="7270" y="450"/>
-                  </a:lnTo>
-                  <a:lnTo>
-                    <a:pt x="6295" y="824"/>
-                  </a:lnTo>
-                  <a:lnTo>
-                    <a:pt x="5396" y="1274"/>
-                  </a:lnTo>
-                  <a:lnTo>
-                    <a:pt x="4572" y="1799"/>
-                  </a:lnTo>
-                  <a:lnTo>
-                    <a:pt x="3747" y="2398"/>
-                  </a:lnTo>
-                  <a:lnTo>
-                    <a:pt x="2998" y="3073"/>
-                  </a:lnTo>
-                  <a:lnTo>
-                    <a:pt x="2323" y="3747"/>
-                  </a:lnTo>
-                  <a:lnTo>
-                    <a:pt x="1724" y="4572"/>
-                  </a:lnTo>
-                  <a:lnTo>
-                    <a:pt x="1199" y="5396"/>
-                  </a:lnTo>
-                  <a:lnTo>
-                    <a:pt x="824" y="6370"/>
-                  </a:lnTo>
-                  <a:lnTo>
-                    <a:pt x="450" y="7270"/>
-                  </a:lnTo>
-                  <a:lnTo>
-                    <a:pt x="225" y="8319"/>
-                  </a:lnTo>
-                  <a:lnTo>
-                    <a:pt x="0" y="9293"/>
-                  </a:lnTo>
-                  <a:lnTo>
-                    <a:pt x="0" y="10343"/>
-                  </a:lnTo>
-                  <a:lnTo>
-                    <a:pt x="0" y="199207"/>
-                  </a:lnTo>
-                  <a:lnTo>
-                    <a:pt x="0" y="200257"/>
-                  </a:lnTo>
-                  <a:lnTo>
-                    <a:pt x="225" y="201231"/>
-                  </a:lnTo>
-                  <a:lnTo>
-                    <a:pt x="450" y="202280"/>
-                  </a:lnTo>
-                  <a:lnTo>
-                    <a:pt x="824" y="203180"/>
-                  </a:lnTo>
-                  <a:lnTo>
-                    <a:pt x="1199" y="204154"/>
-                  </a:lnTo>
-                  <a:lnTo>
-                    <a:pt x="1724" y="204978"/>
-                  </a:lnTo>
-                  <a:lnTo>
-                    <a:pt x="2323" y="205803"/>
-                  </a:lnTo>
-                  <a:lnTo>
-                    <a:pt x="2998" y="206477"/>
-                  </a:lnTo>
-                  <a:lnTo>
-                    <a:pt x="3747" y="207152"/>
-                  </a:lnTo>
-                  <a:lnTo>
-                    <a:pt x="4572" y="207751"/>
-                  </a:lnTo>
-                  <a:lnTo>
-                    <a:pt x="5396" y="208276"/>
-                  </a:lnTo>
-                  <a:lnTo>
-                    <a:pt x="6295" y="208726"/>
-                  </a:lnTo>
-                  <a:lnTo>
-                    <a:pt x="7270" y="209100"/>
-                  </a:lnTo>
-                  <a:lnTo>
-                    <a:pt x="8244" y="209325"/>
-                  </a:lnTo>
-                  <a:lnTo>
-                    <a:pt x="9293" y="209475"/>
-                  </a:lnTo>
-                  <a:lnTo>
-                    <a:pt x="10343" y="209550"/>
-                  </a:lnTo>
-                  <a:lnTo>
-                    <a:pt x="90610" y="209550"/>
-                  </a:lnTo>
-                  <a:lnTo>
-                    <a:pt x="91659" y="209475"/>
-                  </a:lnTo>
-                  <a:lnTo>
-                    <a:pt x="92708" y="209325"/>
-                  </a:lnTo>
-                  <a:lnTo>
-                    <a:pt x="93682" y="209100"/>
-                  </a:lnTo>
-                  <a:lnTo>
-                    <a:pt x="94657" y="208726"/>
-                  </a:lnTo>
-                  <a:lnTo>
-                    <a:pt x="95556" y="208276"/>
-                  </a:lnTo>
-                  <a:lnTo>
-                    <a:pt x="96455" y="207751"/>
-                  </a:lnTo>
-                  <a:lnTo>
-                    <a:pt x="97205" y="207152"/>
-                  </a:lnTo>
-                  <a:lnTo>
-                    <a:pt x="97954" y="206477"/>
-                  </a:lnTo>
-                  <a:lnTo>
-                    <a:pt x="98629" y="205803"/>
-                  </a:lnTo>
-                  <a:lnTo>
-                    <a:pt x="99228" y="204978"/>
-                  </a:lnTo>
-                  <a:lnTo>
-                    <a:pt x="99753" y="204154"/>
-                  </a:lnTo>
-                  <a:lnTo>
-                    <a:pt x="100203" y="203180"/>
-                  </a:lnTo>
-                  <a:lnTo>
-                    <a:pt x="100577" y="202280"/>
-                  </a:lnTo>
-                  <a:lnTo>
-                    <a:pt x="100802" y="201231"/>
-                  </a:lnTo>
-                  <a:lnTo>
-                    <a:pt x="100952" y="200257"/>
-                  </a:lnTo>
-                  <a:lnTo>
-                    <a:pt x="101027" y="199207"/>
-                  </a:lnTo>
-                  <a:lnTo>
-                    <a:pt x="101027" y="10343"/>
-                  </a:lnTo>
-                  <a:lnTo>
-                    <a:pt x="100952" y="9293"/>
-                  </a:lnTo>
-                  <a:lnTo>
-                    <a:pt x="100802" y="8319"/>
-                  </a:lnTo>
-                  <a:lnTo>
-                    <a:pt x="100577" y="7270"/>
-                  </a:lnTo>
-                  <a:lnTo>
-                    <a:pt x="100203" y="6370"/>
-                  </a:lnTo>
-                  <a:lnTo>
-                    <a:pt x="99753" y="5396"/>
-                  </a:lnTo>
-                  <a:lnTo>
-                    <a:pt x="99228" y="4572"/>
-                  </a:lnTo>
-                  <a:lnTo>
-                    <a:pt x="98629" y="3747"/>
-                  </a:lnTo>
-                  <a:lnTo>
-                    <a:pt x="97954" y="3073"/>
-                  </a:lnTo>
-                  <a:lnTo>
-                    <a:pt x="97205" y="2398"/>
-                  </a:lnTo>
-                  <a:lnTo>
-                    <a:pt x="96455" y="1799"/>
-                  </a:lnTo>
-                  <a:lnTo>
-                    <a:pt x="95556" y="1274"/>
-                  </a:lnTo>
-                  <a:lnTo>
-                    <a:pt x="94657" y="824"/>
-                  </a:lnTo>
-                  <a:lnTo>
-                    <a:pt x="93682" y="450"/>
-                  </a:lnTo>
-                  <a:lnTo>
-                    <a:pt x="92708" y="225"/>
-                  </a:lnTo>
-                  <a:lnTo>
-                    <a:pt x="91659" y="75"/>
-                  </a:lnTo>
-                  <a:lnTo>
-                    <a:pt x="90610" y="0"/>
-                  </a:lnTo>
-                  <a:close/>
-                </a:path>
-              </a:pathLst>
-            </a:custGeom>
-            <a:solidFill>
-              <a:schemeClr val="dk1"/>
-            </a:solidFill>
-            <a:ln>
-              <a:noFill/>
-            </a:ln>
-          </p:spPr>
-          <p:txBody>
-            <a:bodyPr spcFirstLastPara="1" wrap="square" lIns="91425" tIns="91425" rIns="91425" bIns="91425" anchor="ctr" anchorCtr="0">
-              <a:noAutofit/>
-            </a:bodyPr>
-            <a:lstStyle/>
-            <a:p>
-              <a:pPr marL="0" lvl="0" indent="0" algn="l" rtl="0">
-                <a:spcBef>
-                  <a:spcPts val="0"/>
-                </a:spcBef>
-                <a:spcAft>
-                  <a:spcPts val="0"/>
-                </a:spcAft>
-                <a:buNone/>
-              </a:pPr>
-              <a:endParaRPr/>
-            </a:p>
-          </p:txBody>
-        </p:sp>
-        <p:sp>
-          <p:nvSpPr>
-            <p:cNvPr id="268" name="Google Shape;268;p31"/>
-            <p:cNvSpPr/>
-            <p:nvPr/>
-          </p:nvSpPr>
-          <p:spPr>
-            <a:xfrm>
-              <a:off x="6200687" y="4493184"/>
-              <a:ext cx="422999" cy="150972"/>
-            </a:xfrm>
-            <a:custGeom>
-              <a:avLst/>
-              <a:gdLst/>
-              <a:ahLst/>
-              <a:cxnLst/>
-              <a:rect l="l" t="t" r="r" b="b"/>
-              <a:pathLst>
-                <a:path w="20162" h="7196" extrusionOk="0">
-                  <a:moveTo>
-                    <a:pt x="3598" y="0"/>
-                  </a:moveTo>
-                  <a:lnTo>
-                    <a:pt x="2849" y="75"/>
-                  </a:lnTo>
-                  <a:lnTo>
-                    <a:pt x="2174" y="300"/>
-                  </a:lnTo>
-                  <a:lnTo>
-                    <a:pt x="1575" y="600"/>
-                  </a:lnTo>
-                  <a:lnTo>
-                    <a:pt x="1050" y="1050"/>
-                  </a:lnTo>
-                  <a:lnTo>
-                    <a:pt x="600" y="1574"/>
-                  </a:lnTo>
-                  <a:lnTo>
-                    <a:pt x="301" y="2174"/>
-                  </a:lnTo>
-                  <a:lnTo>
-                    <a:pt x="76" y="2848"/>
-                  </a:lnTo>
-                  <a:lnTo>
-                    <a:pt x="1" y="3598"/>
-                  </a:lnTo>
-                  <a:lnTo>
-                    <a:pt x="76" y="4347"/>
-                  </a:lnTo>
-                  <a:lnTo>
-                    <a:pt x="301" y="5022"/>
-                  </a:lnTo>
-                  <a:lnTo>
-                    <a:pt x="600" y="5621"/>
-                  </a:lnTo>
-                  <a:lnTo>
-                    <a:pt x="1050" y="6146"/>
-                  </a:lnTo>
-                  <a:lnTo>
-                    <a:pt x="1575" y="6596"/>
-                  </a:lnTo>
-                  <a:lnTo>
-                    <a:pt x="2174" y="6896"/>
-                  </a:lnTo>
-                  <a:lnTo>
-                    <a:pt x="2849" y="7120"/>
-                  </a:lnTo>
-                  <a:lnTo>
-                    <a:pt x="3598" y="7195"/>
-                  </a:lnTo>
-                  <a:lnTo>
-                    <a:pt x="16639" y="7195"/>
-                  </a:lnTo>
-                  <a:lnTo>
-                    <a:pt x="17313" y="7120"/>
-                  </a:lnTo>
-                  <a:lnTo>
-                    <a:pt x="17988" y="6896"/>
-                  </a:lnTo>
-                  <a:lnTo>
-                    <a:pt x="18587" y="6596"/>
-                  </a:lnTo>
-                  <a:lnTo>
-                    <a:pt x="19112" y="6146"/>
-                  </a:lnTo>
-                  <a:lnTo>
-                    <a:pt x="19562" y="5621"/>
-                  </a:lnTo>
-                  <a:lnTo>
-                    <a:pt x="19861" y="5022"/>
-                  </a:lnTo>
-                  <a:lnTo>
-                    <a:pt x="20086" y="4347"/>
-                  </a:lnTo>
-                  <a:lnTo>
-                    <a:pt x="20161" y="3598"/>
-                  </a:lnTo>
-                  <a:lnTo>
-                    <a:pt x="20086" y="2848"/>
-                  </a:lnTo>
-                  <a:lnTo>
-                    <a:pt x="19861" y="2174"/>
-                  </a:lnTo>
-                  <a:lnTo>
-                    <a:pt x="19562" y="1574"/>
-                  </a:lnTo>
-                  <a:lnTo>
-                    <a:pt x="19112" y="1050"/>
-                  </a:lnTo>
-                  <a:lnTo>
-                    <a:pt x="18587" y="600"/>
-                  </a:lnTo>
-                  <a:lnTo>
-                    <a:pt x="17988" y="300"/>
-                  </a:lnTo>
-                  <a:lnTo>
-                    <a:pt x="17313" y="75"/>
-                  </a:lnTo>
-                  <a:lnTo>
-                    <a:pt x="16639" y="0"/>
-                  </a:lnTo>
-                  <a:close/>
-                </a:path>
-              </a:pathLst>
-            </a:custGeom>
-            <a:solidFill>
-              <a:schemeClr val="dk2"/>
-            </a:solidFill>
-            <a:ln>
-              <a:noFill/>
-            </a:ln>
-          </p:spPr>
-          <p:txBody>
-            <a:bodyPr spcFirstLastPara="1" wrap="square" lIns="91425" tIns="91425" rIns="91425" bIns="91425" anchor="ctr" anchorCtr="0">
-              <a:noAutofit/>
-            </a:bodyPr>
-            <a:lstStyle/>
-            <a:p>
-              <a:pPr marL="0" lvl="0" indent="0" algn="l" rtl="0">
-                <a:spcBef>
-                  <a:spcPts val="0"/>
-                </a:spcBef>
-                <a:spcAft>
-                  <a:spcPts val="0"/>
-                </a:spcAft>
-                <a:buNone/>
-              </a:pPr>
-              <a:endParaRPr/>
-            </a:p>
-          </p:txBody>
-        </p:sp>
-        <p:sp>
-          <p:nvSpPr>
-            <p:cNvPr id="269" name="Google Shape;269;p31"/>
-            <p:cNvSpPr/>
-            <p:nvPr/>
-          </p:nvSpPr>
-          <p:spPr>
-            <a:xfrm>
-              <a:off x="5739987" y="529223"/>
-              <a:ext cx="83354" cy="83354"/>
-            </a:xfrm>
-            <a:custGeom>
-              <a:avLst/>
-              <a:gdLst/>
-              <a:ahLst/>
-              <a:cxnLst/>
-              <a:rect l="l" t="t" r="r" b="b"/>
-              <a:pathLst>
-                <a:path w="3973" h="3973" extrusionOk="0">
-                  <a:moveTo>
-                    <a:pt x="2024" y="1"/>
-                  </a:moveTo>
-                  <a:lnTo>
-                    <a:pt x="1575" y="76"/>
-                  </a:lnTo>
-                  <a:lnTo>
-                    <a:pt x="1200" y="151"/>
-                  </a:lnTo>
-                  <a:lnTo>
-                    <a:pt x="900" y="375"/>
-                  </a:lnTo>
-                  <a:lnTo>
-                    <a:pt x="600" y="600"/>
-                  </a:lnTo>
-                  <a:lnTo>
-                    <a:pt x="375" y="900"/>
-                  </a:lnTo>
-                  <a:lnTo>
-                    <a:pt x="151" y="1200"/>
-                  </a:lnTo>
-                  <a:lnTo>
-                    <a:pt x="76" y="1575"/>
-                  </a:lnTo>
-                  <a:lnTo>
-                    <a:pt x="1" y="2024"/>
-                  </a:lnTo>
-                  <a:lnTo>
-                    <a:pt x="76" y="2399"/>
-                  </a:lnTo>
-                  <a:lnTo>
-                    <a:pt x="151" y="2774"/>
-                  </a:lnTo>
-                  <a:lnTo>
-                    <a:pt x="375" y="3073"/>
-                  </a:lnTo>
-                  <a:lnTo>
-                    <a:pt x="600" y="3373"/>
-                  </a:lnTo>
-                  <a:lnTo>
-                    <a:pt x="900" y="3673"/>
-                  </a:lnTo>
-                  <a:lnTo>
-                    <a:pt x="1200" y="3823"/>
-                  </a:lnTo>
-                  <a:lnTo>
-                    <a:pt x="1575" y="3973"/>
-                  </a:lnTo>
-                  <a:lnTo>
-                    <a:pt x="2399" y="3973"/>
-                  </a:lnTo>
-                  <a:lnTo>
-                    <a:pt x="2774" y="3823"/>
-                  </a:lnTo>
-                  <a:lnTo>
-                    <a:pt x="3073" y="3673"/>
-                  </a:lnTo>
-                  <a:lnTo>
-                    <a:pt x="3373" y="3373"/>
-                  </a:lnTo>
-                  <a:lnTo>
-                    <a:pt x="3598" y="3073"/>
-                  </a:lnTo>
-                  <a:lnTo>
-                    <a:pt x="3823" y="2774"/>
-                  </a:lnTo>
-                  <a:lnTo>
-                    <a:pt x="3898" y="2399"/>
-                  </a:lnTo>
-                  <a:lnTo>
-                    <a:pt x="3973" y="2024"/>
-                  </a:lnTo>
-                  <a:lnTo>
-                    <a:pt x="3898" y="1575"/>
-                  </a:lnTo>
-                  <a:lnTo>
-                    <a:pt x="3823" y="1200"/>
-                  </a:lnTo>
-                  <a:lnTo>
-                    <a:pt x="3598" y="900"/>
-                  </a:lnTo>
-                  <a:lnTo>
-                    <a:pt x="3373" y="600"/>
-                  </a:lnTo>
-                  <a:lnTo>
-                    <a:pt x="3073" y="375"/>
-                  </a:lnTo>
-                  <a:lnTo>
-                    <a:pt x="2774" y="151"/>
-                  </a:lnTo>
-                  <a:lnTo>
-                    <a:pt x="2399" y="76"/>
-                  </a:lnTo>
-                  <a:lnTo>
-                    <a:pt x="2024" y="1"/>
-                  </a:lnTo>
-                  <a:close/>
-                </a:path>
-              </a:pathLst>
-            </a:custGeom>
-            <a:solidFill>
-              <a:schemeClr val="dk2"/>
-            </a:solidFill>
-            <a:ln>
-              <a:noFill/>
-            </a:ln>
-          </p:spPr>
-          <p:txBody>
-            <a:bodyPr spcFirstLastPara="1" wrap="square" lIns="91425" tIns="91425" rIns="91425" bIns="91425" anchor="ctr" anchorCtr="0">
-              <a:noAutofit/>
-            </a:bodyPr>
-            <a:lstStyle/>
-            <a:p>
-              <a:pPr marL="0" lvl="0" indent="0" algn="l" rtl="0">
-                <a:spcBef>
-                  <a:spcPts val="0"/>
-                </a:spcBef>
-                <a:spcAft>
-                  <a:spcPts val="0"/>
-                </a:spcAft>
-                <a:buNone/>
-              </a:pPr>
-              <a:endParaRPr/>
-            </a:p>
-          </p:txBody>
-        </p:sp>
-        <p:sp>
-          <p:nvSpPr>
-            <p:cNvPr id="270" name="Google Shape;270;p31"/>
-            <p:cNvSpPr/>
-            <p:nvPr/>
-          </p:nvSpPr>
-          <p:spPr>
-            <a:xfrm>
-              <a:off x="6208555" y="538664"/>
-              <a:ext cx="408837" cy="64493"/>
-            </a:xfrm>
-            <a:custGeom>
-              <a:avLst/>
-              <a:gdLst/>
-              <a:ahLst/>
-              <a:cxnLst/>
-              <a:rect l="l" t="t" r="r" b="b"/>
-              <a:pathLst>
-                <a:path w="19487" h="3074" extrusionOk="0">
-                  <a:moveTo>
-                    <a:pt x="1275" y="0"/>
-                  </a:moveTo>
-                  <a:lnTo>
-                    <a:pt x="1050" y="75"/>
-                  </a:lnTo>
-                  <a:lnTo>
-                    <a:pt x="750" y="150"/>
-                  </a:lnTo>
-                  <a:lnTo>
-                    <a:pt x="525" y="300"/>
-                  </a:lnTo>
-                  <a:lnTo>
-                    <a:pt x="375" y="450"/>
-                  </a:lnTo>
-                  <a:lnTo>
-                    <a:pt x="225" y="675"/>
-                  </a:lnTo>
-                  <a:lnTo>
-                    <a:pt x="75" y="975"/>
-                  </a:lnTo>
-                  <a:lnTo>
-                    <a:pt x="1" y="1274"/>
-                  </a:lnTo>
-                  <a:lnTo>
-                    <a:pt x="1" y="1574"/>
-                  </a:lnTo>
-                  <a:lnTo>
-                    <a:pt x="1" y="1874"/>
-                  </a:lnTo>
-                  <a:lnTo>
-                    <a:pt x="75" y="2174"/>
-                  </a:lnTo>
-                  <a:lnTo>
-                    <a:pt x="225" y="2399"/>
-                  </a:lnTo>
-                  <a:lnTo>
-                    <a:pt x="375" y="2623"/>
-                  </a:lnTo>
-                  <a:lnTo>
-                    <a:pt x="525" y="2773"/>
-                  </a:lnTo>
-                  <a:lnTo>
-                    <a:pt x="750" y="2923"/>
-                  </a:lnTo>
-                  <a:lnTo>
-                    <a:pt x="1050" y="2998"/>
-                  </a:lnTo>
-                  <a:lnTo>
-                    <a:pt x="1275" y="3073"/>
-                  </a:lnTo>
-                  <a:lnTo>
-                    <a:pt x="18137" y="3073"/>
-                  </a:lnTo>
-                  <a:lnTo>
-                    <a:pt x="18437" y="2998"/>
-                  </a:lnTo>
-                  <a:lnTo>
-                    <a:pt x="18662" y="2923"/>
-                  </a:lnTo>
-                  <a:lnTo>
-                    <a:pt x="18887" y="2773"/>
-                  </a:lnTo>
-                  <a:lnTo>
-                    <a:pt x="19112" y="2623"/>
-                  </a:lnTo>
-                  <a:lnTo>
-                    <a:pt x="19262" y="2399"/>
-                  </a:lnTo>
-                  <a:lnTo>
-                    <a:pt x="19337" y="2174"/>
-                  </a:lnTo>
-                  <a:lnTo>
-                    <a:pt x="19412" y="1874"/>
-                  </a:lnTo>
-                  <a:lnTo>
-                    <a:pt x="19486" y="1574"/>
-                  </a:lnTo>
-                  <a:lnTo>
-                    <a:pt x="19412" y="1274"/>
-                  </a:lnTo>
-                  <a:lnTo>
-                    <a:pt x="19337" y="975"/>
-                  </a:lnTo>
-                  <a:lnTo>
-                    <a:pt x="19262" y="675"/>
-                  </a:lnTo>
-                  <a:lnTo>
-                    <a:pt x="19112" y="450"/>
-                  </a:lnTo>
-                  <a:lnTo>
-                    <a:pt x="18887" y="300"/>
-                  </a:lnTo>
-                  <a:lnTo>
-                    <a:pt x="18662" y="150"/>
-                  </a:lnTo>
-                  <a:lnTo>
-                    <a:pt x="18437" y="75"/>
-                  </a:lnTo>
-                  <a:lnTo>
-                    <a:pt x="18137" y="0"/>
-                  </a:lnTo>
-                  <a:close/>
-                </a:path>
-              </a:pathLst>
-            </a:custGeom>
-            <a:solidFill>
-              <a:schemeClr val="dk2"/>
-            </a:solidFill>
-            <a:ln>
-              <a:noFill/>
-            </a:ln>
-          </p:spPr>
-          <p:txBody>
-            <a:bodyPr spcFirstLastPara="1" wrap="square" lIns="91425" tIns="91425" rIns="91425" bIns="91425" anchor="ctr" anchorCtr="0">
-              <a:noAutofit/>
-            </a:bodyPr>
-            <a:lstStyle/>
-            <a:p>
-              <a:pPr marL="0" lvl="0" indent="0" algn="l" rtl="0">
-                <a:spcBef>
-                  <a:spcPts val="0"/>
-                </a:spcBef>
-                <a:spcAft>
-                  <a:spcPts val="0"/>
-                </a:spcAft>
-                <a:buNone/>
-              </a:pPr>
-              <a:endParaRPr/>
-            </a:p>
-          </p:txBody>
-        </p:sp>
-      </p:grpSp>
-      <p:pic>
-        <p:nvPicPr>
-          <p:cNvPr id="271" name="Google Shape;271;p31"/>
-          <p:cNvPicPr preferRelativeResize="0"/>
-          <p:nvPr/>
-        </p:nvPicPr>
-        <p:blipFill rotWithShape="1">
-          <a:blip r:embed="rId3">
-            <a:alphaModFix/>
-          </a:blip>
-          <a:srcRect b="23786"/>
-          <a:stretch/>
-        </p:blipFill>
-        <p:spPr>
-          <a:xfrm>
-            <a:off x="5580684" y="865501"/>
-            <a:ext cx="1943222" cy="3297484"/>
-          </a:xfrm>
-          <a:prstGeom prst="rect">
-            <a:avLst/>
-          </a:prstGeom>
-          <a:noFill/>
-          <a:ln>
-            <a:noFill/>
-          </a:ln>
-        </p:spPr>
-      </p:pic>
-    </p:spTree>
-  </p:cSld>
-  <p:clrMapOvr>
-    <a:masterClrMapping/>
-  </p:clrMapOvr>
-  <p:timing>
-    <p:tnLst>
-      <p:par>
-        <p:cTn id="1" dur="indefinite" restart="never" nodeType="tmRoot"/>
-      </p:par>
-    </p:tnLst>
-  </p:timing>
-</p:sld>
-</file>
-
-<file path=ppt/slides/slide3.xml><?xml version="1.0" encoding="utf-8"?>
-<p:sld xmlns:a="http://schemas.openxmlformats.org/drawingml/2006/main" xmlns:r="http://schemas.openxmlformats.org/officeDocument/2006/relationships" xmlns:p="http://schemas.openxmlformats.org/presentationml/2006/main">
-  <p:cSld>
-    <p:spTree>
-      <p:nvGrpSpPr>
-        <p:cNvPr id="1" name="Shape 84"/>
-        <p:cNvGrpSpPr/>
-        <p:nvPr/>
-      </p:nvGrpSpPr>
-      <p:grpSpPr>
-        <a:xfrm>
-          <a:off x="0" y="0"/>
-          <a:ext cx="0" cy="0"/>
-          <a:chOff x="0" y="0"/>
-          <a:chExt cx="0" cy="0"/>
-        </a:xfrm>
-      </p:grpSpPr>
-      <p:sp>
-        <p:nvSpPr>
-          <p:cNvPr id="85" name="Google Shape;85;p17"/>
-          <p:cNvSpPr txBox="1">
-            <a:spLocks noGrp="1"/>
-          </p:cNvSpPr>
-          <p:nvPr>
-            <p:ph type="title"/>
-          </p:nvPr>
-        </p:nvSpPr>
-        <p:spPr>
-          <a:xfrm>
-            <a:off x="930600" y="886017"/>
-            <a:ext cx="7282800" cy="364200"/>
-          </a:xfrm>
-          <a:prstGeom prst="rect">
-            <a:avLst/>
-          </a:prstGeom>
-        </p:spPr>
-        <p:txBody>
-          <a:bodyPr spcFirstLastPara="1" wrap="square" lIns="0" tIns="0" rIns="0" bIns="0" anchor="b" anchorCtr="0">
-            <a:noAutofit/>
-          </a:bodyPr>
-          <a:lstStyle/>
-          <a:p>
-            <a:pPr marL="0" lvl="0" indent="0" algn="l" rtl="0">
-              <a:spcBef>
-                <a:spcPts val="0"/>
-              </a:spcBef>
-              <a:spcAft>
-                <a:spcPts val="0"/>
-              </a:spcAft>
-              <a:buNone/>
-            </a:pPr>
-            <a:r>
-              <a:rPr lang="en-US" dirty="0" smtClean="0"/>
-              <a:t>What is React Native ?</a:t>
-            </a:r>
-            <a:endParaRPr dirty="0"/>
-          </a:p>
-        </p:txBody>
-      </p:sp>
-      <p:sp>
-        <p:nvSpPr>
-          <p:cNvPr id="86" name="Google Shape;86;p17"/>
-          <p:cNvSpPr txBox="1">
-            <a:spLocks noGrp="1"/>
-          </p:cNvSpPr>
-          <p:nvPr>
-            <p:ph type="body" idx="1"/>
-          </p:nvPr>
-        </p:nvSpPr>
-        <p:spPr>
-          <a:xfrm>
-            <a:off x="680936" y="1415684"/>
-            <a:ext cx="7532464" cy="2585627"/>
-          </a:xfrm>
-          <a:prstGeom prst="rect">
-            <a:avLst/>
-          </a:prstGeom>
-        </p:spPr>
-        <p:txBody>
-          <a:bodyPr spcFirstLastPara="1" wrap="square" lIns="0" tIns="0" rIns="0" bIns="0" anchor="t" anchorCtr="0">
-            <a:noAutofit/>
-          </a:bodyPr>
-          <a:lstStyle/>
-          <a:p>
-            <a:pPr marL="457200" lvl="0" indent="-381000" algn="l" rtl="0">
-              <a:spcBef>
-                <a:spcPts val="600"/>
-              </a:spcBef>
-              <a:spcAft>
-                <a:spcPts val="0"/>
-              </a:spcAft>
-              <a:buSzPts val="2400"/>
-              <a:buChar char="▪"/>
-            </a:pPr>
-            <a:r>
-              <a:rPr lang="en-US" dirty="0" smtClean="0"/>
-              <a:t>React native is UI-Software Framework.</a:t>
-            </a:r>
-            <a:endParaRPr dirty="0"/>
-          </a:p>
-          <a:p>
-            <a:pPr marL="457200" lvl="0" indent="-381000" algn="l" rtl="0">
-              <a:spcBef>
-                <a:spcPts val="0"/>
-              </a:spcBef>
-              <a:spcAft>
-                <a:spcPts val="0"/>
-              </a:spcAft>
-              <a:buSzPts val="2400"/>
-              <a:buChar char="▪"/>
-            </a:pPr>
-            <a:r>
-              <a:rPr lang="en-US" dirty="0" smtClean="0"/>
-              <a:t>It can create IOS and Android app.</a:t>
-            </a:r>
-            <a:endParaRPr dirty="0"/>
-          </a:p>
-          <a:p>
-            <a:pPr marL="457200" lvl="0" indent="-381000" algn="l" rtl="0">
-              <a:spcBef>
-                <a:spcPts val="0"/>
-              </a:spcBef>
-              <a:spcAft>
-                <a:spcPts val="0"/>
-              </a:spcAft>
-              <a:buSzPts val="2400"/>
-              <a:buChar char="▪"/>
-            </a:pPr>
-            <a:r>
-              <a:rPr lang="en-US" dirty="0" smtClean="0"/>
-              <a:t>It uses JavaScript to write code.</a:t>
-            </a:r>
-            <a:endParaRPr dirty="0"/>
-          </a:p>
-          <a:p>
-            <a:pPr marL="0" lvl="0" indent="0" algn="l" rtl="0">
-              <a:spcBef>
-                <a:spcPts val="600"/>
-              </a:spcBef>
-              <a:spcAft>
-                <a:spcPts val="0"/>
-              </a:spcAft>
-              <a:buNone/>
-            </a:pPr>
-            <a:r>
-              <a:rPr lang="en" dirty="0" smtClean="0"/>
-              <a:t>It more liked one when its come in market and Lots of companies are Hiring Developers. </a:t>
-            </a:r>
-            <a:endParaRPr dirty="0"/>
-          </a:p>
-        </p:txBody>
-      </p:sp>
-      <p:sp>
-        <p:nvSpPr>
-          <p:cNvPr id="87" name="Google Shape;87;p17"/>
-          <p:cNvSpPr txBox="1">
-            <a:spLocks noGrp="1"/>
-          </p:cNvSpPr>
-          <p:nvPr>
-            <p:ph type="sldNum" idx="12"/>
-          </p:nvPr>
-        </p:nvSpPr>
-        <p:spPr>
-          <a:xfrm>
-            <a:off x="8213401" y="4248586"/>
-            <a:ext cx="465300" cy="474300"/>
-          </a:xfrm>
-          <a:prstGeom prst="rect">
-            <a:avLst/>
-          </a:prstGeom>
-        </p:spPr>
-        <p:txBody>
-          <a:bodyPr spcFirstLastPara="1" wrap="square" lIns="0" tIns="0" rIns="0" bIns="0" anchor="b" anchorCtr="0">
-            <a:noAutofit/>
-          </a:bodyPr>
-          <a:lstStyle/>
-          <a:p>
-            <a:pPr marL="0" lvl="0" indent="0" algn="r" rtl="0">
-              <a:spcBef>
-                <a:spcPts val="0"/>
-              </a:spcBef>
-              <a:spcAft>
-                <a:spcPts val="0"/>
-              </a:spcAft>
-              <a:buNone/>
-            </a:pPr>
-            <a:fld id="{00000000-1234-1234-1234-123412341234}" type="slidenum">
-              <a:rPr lang="en"/>
-              <a:t>3</a:t>
-            </a:fld>
-            <a:endParaRPr/>
-          </a:p>
-        </p:txBody>
-      </p:sp>
-    </p:spTree>
-  </p:cSld>
-  <p:clrMapOvr>
-    <a:masterClrMapping/>
-  </p:clrMapOvr>
-  <p:timing>
-    <p:tnLst>
-      <p:par>
-        <p:cTn id="1" dur="indefinite" restart="never" nodeType="tmRoot"/>
-      </p:par>
-    </p:tnLst>
-  </p:timing>
-</p:sld>
-</file>
-
-<file path=ppt/slides/slide4.xml><?xml version="1.0" encoding="utf-8"?>
 <p:sld xmlns:a="http://schemas.openxmlformats.org/drawingml/2006/main" xmlns:r="http://schemas.openxmlformats.org/officeDocument/2006/relationships" xmlns:p="http://schemas.openxmlformats.org/presentationml/2006/main">
   <p:cSld>
     <p:spTree>
@@ -14901,8 +14835,8 @@
         </p:blipFill>
         <p:spPr>
           <a:xfrm>
-            <a:off x="353499" y="1896914"/>
-            <a:ext cx="2081597" cy="1300998"/>
+            <a:off x="780843" y="2202153"/>
+            <a:ext cx="1518049" cy="948781"/>
           </a:xfrm>
           <a:prstGeom prst="rect">
             <a:avLst/>
@@ -14931,8 +14865,8 @@
         </p:blipFill>
         <p:spPr>
           <a:xfrm>
-            <a:off x="2288521" y="2004090"/>
-            <a:ext cx="1146844" cy="1146844"/>
+            <a:off x="2107595" y="2151359"/>
+            <a:ext cx="971715" cy="971715"/>
           </a:xfrm>
           <a:prstGeom prst="rect">
             <a:avLst/>
@@ -14954,7 +14888,2653 @@
 </p:sld>
 </file>
 
+<file path=ppt/slides/slide20.xml><?xml version="1.0" encoding="utf-8"?>
+<p:sld xmlns:a="http://schemas.openxmlformats.org/drawingml/2006/main" xmlns:r="http://schemas.openxmlformats.org/officeDocument/2006/relationships" xmlns:p="http://schemas.openxmlformats.org/presentationml/2006/main">
+  <p:cSld>
+    <p:spTree>
+      <p:nvGrpSpPr>
+        <p:cNvPr id="1" name=""/>
+        <p:cNvGrpSpPr/>
+        <p:nvPr/>
+      </p:nvGrpSpPr>
+      <p:grpSpPr>
+        <a:xfrm>
+          <a:off x="0" y="0"/>
+          <a:ext cx="0" cy="0"/>
+          <a:chOff x="0" y="0"/>
+          <a:chExt cx="0" cy="0"/>
+        </a:xfrm>
+      </p:grpSpPr>
+      <p:sp>
+        <p:nvSpPr>
+          <p:cNvPr id="2" name="Slide Number Placeholder 1"/>
+          <p:cNvSpPr>
+            <a:spLocks noGrp="1"/>
+          </p:cNvSpPr>
+          <p:nvPr>
+            <p:ph type="sldNum" idx="12"/>
+          </p:nvPr>
+        </p:nvSpPr>
+        <p:spPr/>
+        <p:txBody>
+          <a:bodyPr/>
+          <a:lstStyle/>
+          <a:p>
+            <a:pPr marL="0" lvl="0" indent="0" algn="r" rtl="0">
+              <a:spcBef>
+                <a:spcPts val="0"/>
+              </a:spcBef>
+              <a:spcAft>
+                <a:spcPts val="0"/>
+              </a:spcAft>
+              <a:buNone/>
+            </a:pPr>
+            <a:fld id="{00000000-1234-1234-1234-123412341234}" type="slidenum">
+              <a:rPr lang="en" smtClean="0"/>
+              <a:t>20</a:t>
+            </a:fld>
+            <a:endParaRPr lang="en"/>
+          </a:p>
+        </p:txBody>
+      </p:sp>
+      <p:sp>
+        <p:nvSpPr>
+          <p:cNvPr id="4" name="TextBox 3"/>
+          <p:cNvSpPr txBox="1"/>
+          <p:nvPr/>
+        </p:nvSpPr>
+        <p:spPr>
+          <a:xfrm>
+            <a:off x="920885" y="752272"/>
+            <a:ext cx="7516238" cy="646331"/>
+          </a:xfrm>
+          <a:prstGeom prst="rect">
+            <a:avLst/>
+          </a:prstGeom>
+          <a:noFill/>
+        </p:spPr>
+        <p:txBody>
+          <a:bodyPr wrap="square" rtlCol="0">
+            <a:spAutoFit/>
+          </a:bodyPr>
+          <a:lstStyle/>
+          <a:p>
+            <a:pPr algn="ctr"/>
+            <a:r>
+              <a:rPr lang="en-US" sz="3600" dirty="0" smtClean="0">
+                <a:solidFill>
+                  <a:schemeClr val="bg1"/>
+                </a:solidFill>
+                <a:latin typeface="Ubuntu" panose="020B0604020202020204" charset="0"/>
+              </a:rPr>
+              <a:t>Reference</a:t>
+            </a:r>
+            <a:endParaRPr lang="en-IN" sz="3600" dirty="0">
+              <a:solidFill>
+                <a:schemeClr val="bg1"/>
+              </a:solidFill>
+              <a:latin typeface="Ubuntu" panose="020B0604020202020204" charset="0"/>
+            </a:endParaRPr>
+          </a:p>
+        </p:txBody>
+      </p:sp>
+      <p:sp>
+        <p:nvSpPr>
+          <p:cNvPr id="5" name="TextBox 4"/>
+          <p:cNvSpPr txBox="1"/>
+          <p:nvPr/>
+        </p:nvSpPr>
+        <p:spPr>
+          <a:xfrm>
+            <a:off x="1057072" y="1757464"/>
+            <a:ext cx="7388979" cy="1323439"/>
+          </a:xfrm>
+          <a:prstGeom prst="rect">
+            <a:avLst/>
+          </a:prstGeom>
+          <a:noFill/>
+        </p:spPr>
+        <p:txBody>
+          <a:bodyPr wrap="square" rtlCol="0">
+            <a:spAutoFit/>
+          </a:bodyPr>
+          <a:lstStyle/>
+          <a:p>
+            <a:pPr marL="342900" indent="-342900">
+              <a:buFont typeface="Arial" panose="020B0604020202020204" pitchFamily="34" charset="0"/>
+              <a:buChar char="•"/>
+            </a:pPr>
+            <a:r>
+              <a:rPr lang="en-US" sz="2000" dirty="0" smtClean="0">
+                <a:solidFill>
+                  <a:schemeClr val="bg1"/>
+                </a:solidFill>
+                <a:latin typeface="Ubuntu" panose="020B0604020202020204" charset="0"/>
+              </a:rPr>
+              <a:t>(IEEE) </a:t>
+            </a:r>
+            <a:r>
+              <a:rPr lang="en-US" sz="2000" dirty="0">
+                <a:solidFill>
+                  <a:schemeClr val="bg1"/>
+                </a:solidFill>
+                <a:latin typeface="Ubuntu" panose="020B0604020202020204" charset="0"/>
+              </a:rPr>
+              <a:t>React Native Based Mobile App for Online </a:t>
+            </a:r>
+            <a:r>
+              <a:rPr lang="en-US" sz="2000" dirty="0" smtClean="0">
+                <a:solidFill>
+                  <a:schemeClr val="bg1"/>
+                </a:solidFill>
+                <a:latin typeface="Ubuntu" panose="020B0604020202020204" charset="0"/>
+              </a:rPr>
+              <a:t>Experimentation, </a:t>
+            </a:r>
+            <a:r>
+              <a:rPr lang="en-IN" sz="2000" dirty="0" err="1">
+                <a:solidFill>
+                  <a:schemeClr val="bg1"/>
+                </a:solidFill>
+                <a:latin typeface="Ubuntu" panose="020B0604020202020204" charset="0"/>
+              </a:rPr>
+              <a:t>Xingwei</a:t>
+            </a:r>
+            <a:r>
+              <a:rPr lang="en-IN" sz="2000" dirty="0">
+                <a:solidFill>
+                  <a:schemeClr val="bg1"/>
+                </a:solidFill>
+                <a:latin typeface="Ubuntu" panose="020B0604020202020204" charset="0"/>
+              </a:rPr>
+              <a:t> </a:t>
+            </a:r>
+            <a:r>
+              <a:rPr lang="en-IN" sz="2000" dirty="0" smtClean="0">
+                <a:solidFill>
+                  <a:schemeClr val="bg1"/>
+                </a:solidFill>
+                <a:latin typeface="Ubuntu" panose="020B0604020202020204" charset="0"/>
+              </a:rPr>
+              <a:t>Zhou, 2020.</a:t>
+            </a:r>
+          </a:p>
+          <a:p>
+            <a:pPr marL="342900" indent="-342900">
+              <a:buFont typeface="Arial" panose="020B0604020202020204" pitchFamily="34" charset="0"/>
+              <a:buChar char="•"/>
+            </a:pPr>
+            <a:endParaRPr lang="en-US" sz="2000" dirty="0" smtClean="0">
+              <a:solidFill>
+                <a:schemeClr val="bg1"/>
+              </a:solidFill>
+              <a:latin typeface="Ubuntu" panose="020B0604020202020204" charset="0"/>
+            </a:endParaRPr>
+          </a:p>
+          <a:p>
+            <a:pPr marL="342900" indent="-342900">
+              <a:buFont typeface="Arial" panose="020B0604020202020204" pitchFamily="34" charset="0"/>
+              <a:buChar char="•"/>
+            </a:pPr>
+            <a:r>
+              <a:rPr lang="en-US" sz="2000" dirty="0" smtClean="0">
+                <a:solidFill>
+                  <a:schemeClr val="bg1"/>
+                </a:solidFill>
+                <a:latin typeface="Ubuntu" panose="020B0604020202020204" charset="0"/>
+              </a:rPr>
+              <a:t>(Springer) </a:t>
+            </a:r>
+            <a:r>
+              <a:rPr lang="en-IN" sz="2000" dirty="0">
+                <a:solidFill>
+                  <a:schemeClr val="bg1"/>
+                </a:solidFill>
+                <a:latin typeface="Ubuntu" panose="020B0604020202020204" charset="0"/>
+              </a:rPr>
+              <a:t>React Native </a:t>
+            </a:r>
+            <a:r>
+              <a:rPr lang="en-IN" sz="2000" dirty="0" smtClean="0">
+                <a:solidFill>
+                  <a:schemeClr val="bg1"/>
+                </a:solidFill>
+                <a:latin typeface="Ubuntu" panose="020B0604020202020204" charset="0"/>
+              </a:rPr>
+              <a:t>Supplements, Paul, 2019.</a:t>
+            </a:r>
+            <a:endParaRPr lang="en-IN" sz="2000" dirty="0">
+              <a:solidFill>
+                <a:schemeClr val="bg1"/>
+              </a:solidFill>
+              <a:latin typeface="Ubuntu" panose="020B0604020202020204" charset="0"/>
+            </a:endParaRPr>
+          </a:p>
+        </p:txBody>
+      </p:sp>
+    </p:spTree>
+    <p:extLst>
+      <p:ext uri="{BB962C8B-B14F-4D97-AF65-F5344CB8AC3E}">
+        <p14:creationId xmlns:p14="http://schemas.microsoft.com/office/powerpoint/2010/main" val="1276697575"/>
+      </p:ext>
+    </p:extLst>
+  </p:cSld>
+  <p:clrMapOvr>
+    <a:masterClrMapping/>
+  </p:clrMapOvr>
+  <p:timing>
+    <p:tnLst>
+      <p:par>
+        <p:cTn id="1" dur="indefinite" restart="never" nodeType="tmRoot"/>
+      </p:par>
+    </p:tnLst>
+  </p:timing>
+</p:sld>
+</file>
+
+<file path=ppt/slides/slide21.xml><?xml version="1.0" encoding="utf-8"?>
+<p:sld xmlns:a="http://schemas.openxmlformats.org/drawingml/2006/main" xmlns:r="http://schemas.openxmlformats.org/officeDocument/2006/relationships" xmlns:p="http://schemas.openxmlformats.org/presentationml/2006/main">
+  <p:cSld>
+    <p:spTree>
+      <p:nvGrpSpPr>
+        <p:cNvPr id="1" name="Shape 299"/>
+        <p:cNvGrpSpPr/>
+        <p:nvPr/>
+      </p:nvGrpSpPr>
+      <p:grpSpPr>
+        <a:xfrm>
+          <a:off x="0" y="0"/>
+          <a:ext cx="0" cy="0"/>
+          <a:chOff x="0" y="0"/>
+          <a:chExt cx="0" cy="0"/>
+        </a:xfrm>
+      </p:grpSpPr>
+      <p:sp>
+        <p:nvSpPr>
+          <p:cNvPr id="300" name="Google Shape;300;p34"/>
+          <p:cNvSpPr txBox="1">
+            <a:spLocks noGrp="1"/>
+          </p:cNvSpPr>
+          <p:nvPr>
+            <p:ph type="ctrTitle" idx="4294967295"/>
+          </p:nvPr>
+        </p:nvSpPr>
+        <p:spPr>
+          <a:xfrm>
+            <a:off x="930600" y="789712"/>
+            <a:ext cx="3582000" cy="846900"/>
+          </a:xfrm>
+          <a:prstGeom prst="rect">
+            <a:avLst/>
+          </a:prstGeom>
+        </p:spPr>
+        <p:txBody>
+          <a:bodyPr spcFirstLastPara="1" wrap="square" lIns="0" tIns="0" rIns="0" bIns="0" anchor="b" anchorCtr="0">
+            <a:noAutofit/>
+          </a:bodyPr>
+          <a:lstStyle/>
+          <a:p>
+            <a:pPr marL="0" lvl="0" indent="0" algn="l" rtl="0">
+              <a:spcBef>
+                <a:spcPts val="0"/>
+              </a:spcBef>
+              <a:spcAft>
+                <a:spcPts val="0"/>
+              </a:spcAft>
+              <a:buNone/>
+            </a:pPr>
+            <a:r>
+              <a:rPr lang="en" sz="6000"/>
+              <a:t>Thanks!</a:t>
+            </a:r>
+            <a:endParaRPr sz="6000"/>
+          </a:p>
+        </p:txBody>
+      </p:sp>
+      <p:sp>
+        <p:nvSpPr>
+          <p:cNvPr id="301" name="Google Shape;301;p34"/>
+          <p:cNvSpPr txBox="1">
+            <a:spLocks noGrp="1"/>
+          </p:cNvSpPr>
+          <p:nvPr>
+            <p:ph type="subTitle" idx="4294967295"/>
+          </p:nvPr>
+        </p:nvSpPr>
+        <p:spPr>
+          <a:xfrm>
+            <a:off x="930599" y="1903103"/>
+            <a:ext cx="4387187" cy="2300700"/>
+          </a:xfrm>
+          <a:prstGeom prst="rect">
+            <a:avLst/>
+          </a:prstGeom>
+        </p:spPr>
+        <p:txBody>
+          <a:bodyPr spcFirstLastPara="1" wrap="square" lIns="0" tIns="0" rIns="0" bIns="0" anchor="t" anchorCtr="0">
+            <a:noAutofit/>
+          </a:bodyPr>
+          <a:lstStyle/>
+          <a:p>
+            <a:pPr marL="0" lvl="0" indent="0" algn="l" rtl="0">
+              <a:spcBef>
+                <a:spcPts val="600"/>
+              </a:spcBef>
+              <a:spcAft>
+                <a:spcPts val="0"/>
+              </a:spcAft>
+              <a:buNone/>
+            </a:pPr>
+            <a:r>
+              <a:rPr lang="en" b="1" dirty="0">
+                <a:latin typeface="Ubuntu"/>
+                <a:ea typeface="Ubuntu"/>
+                <a:cs typeface="Ubuntu"/>
+                <a:sym typeface="Ubuntu"/>
+              </a:rPr>
+              <a:t>Any questions?</a:t>
+            </a:r>
+            <a:endParaRPr b="1" dirty="0">
+              <a:latin typeface="Ubuntu"/>
+              <a:ea typeface="Ubuntu"/>
+              <a:cs typeface="Ubuntu"/>
+              <a:sym typeface="Ubuntu"/>
+            </a:endParaRPr>
+          </a:p>
+          <a:p>
+            <a:pPr marL="0" lvl="0" indent="0" algn="l" rtl="0">
+              <a:spcBef>
+                <a:spcPts val="600"/>
+              </a:spcBef>
+              <a:spcAft>
+                <a:spcPts val="0"/>
+              </a:spcAft>
+              <a:buNone/>
+            </a:pPr>
+            <a:r>
+              <a:rPr lang="en" dirty="0"/>
+              <a:t>You can find me at:</a:t>
+            </a:r>
+            <a:endParaRPr dirty="0"/>
+          </a:p>
+          <a:p>
+            <a:pPr marL="457200" lvl="0" indent="-381000" algn="l" rtl="0">
+              <a:spcBef>
+                <a:spcPts val="600"/>
+              </a:spcBef>
+              <a:spcAft>
+                <a:spcPts val="0"/>
+              </a:spcAft>
+              <a:buSzPts val="2400"/>
+              <a:buChar char="▪"/>
+            </a:pPr>
+            <a:r>
+              <a:rPr lang="en" dirty="0" smtClean="0"/>
+              <a:t>@github.com/sanketscode</a:t>
+            </a:r>
+          </a:p>
+          <a:p>
+            <a:pPr marL="457200" lvl="0" indent="-381000" algn="l" rtl="0">
+              <a:spcBef>
+                <a:spcPts val="600"/>
+              </a:spcBef>
+              <a:spcAft>
+                <a:spcPts val="0"/>
+              </a:spcAft>
+              <a:buSzPts val="2400"/>
+              <a:buChar char="▪"/>
+            </a:pPr>
+            <a:r>
+              <a:rPr lang="en-IN" dirty="0" smtClean="0"/>
+              <a:t>Sanket.202165@srttc.ac.in</a:t>
+            </a:r>
+            <a:endParaRPr dirty="0"/>
+          </a:p>
+        </p:txBody>
+      </p:sp>
+      <p:sp>
+        <p:nvSpPr>
+          <p:cNvPr id="302" name="Google Shape;302;p34"/>
+          <p:cNvSpPr txBox="1">
+            <a:spLocks noGrp="1"/>
+          </p:cNvSpPr>
+          <p:nvPr>
+            <p:ph type="sldNum" idx="12"/>
+          </p:nvPr>
+        </p:nvSpPr>
+        <p:spPr>
+          <a:xfrm>
+            <a:off x="8213401" y="4248586"/>
+            <a:ext cx="465300" cy="474300"/>
+          </a:xfrm>
+          <a:prstGeom prst="rect">
+            <a:avLst/>
+          </a:prstGeom>
+        </p:spPr>
+        <p:txBody>
+          <a:bodyPr spcFirstLastPara="1" wrap="square" lIns="0" tIns="0" rIns="0" bIns="0" anchor="b" anchorCtr="0">
+            <a:noAutofit/>
+          </a:bodyPr>
+          <a:lstStyle/>
+          <a:p>
+            <a:pPr marL="0" lvl="0" indent="0" algn="r" rtl="0">
+              <a:spcBef>
+                <a:spcPts val="0"/>
+              </a:spcBef>
+              <a:spcAft>
+                <a:spcPts val="0"/>
+              </a:spcAft>
+              <a:buNone/>
+            </a:pPr>
+            <a:fld id="{00000000-1234-1234-1234-123412341234}" type="slidenum">
+              <a:rPr lang="en"/>
+              <a:t>21</a:t>
+            </a:fld>
+            <a:endParaRPr/>
+          </a:p>
+        </p:txBody>
+      </p:sp>
+      <p:sp>
+        <p:nvSpPr>
+          <p:cNvPr id="303" name="Google Shape;303;p34"/>
+          <p:cNvSpPr/>
+          <p:nvPr/>
+        </p:nvSpPr>
+        <p:spPr>
+          <a:xfrm>
+            <a:off x="5504401" y="1494825"/>
+            <a:ext cx="2153902" cy="2153864"/>
+          </a:xfrm>
+          <a:custGeom>
+            <a:avLst/>
+            <a:gdLst/>
+            <a:ahLst/>
+            <a:cxnLst/>
+            <a:rect l="l" t="t" r="r" b="b"/>
+            <a:pathLst>
+              <a:path w="15290" h="15290" extrusionOk="0">
+                <a:moveTo>
+                  <a:pt x="4519" y="6815"/>
+                </a:moveTo>
+                <a:lnTo>
+                  <a:pt x="4690" y="6839"/>
+                </a:lnTo>
+                <a:lnTo>
+                  <a:pt x="4861" y="6888"/>
+                </a:lnTo>
+                <a:lnTo>
+                  <a:pt x="5007" y="6986"/>
+                </a:lnTo>
+                <a:lnTo>
+                  <a:pt x="5154" y="7084"/>
+                </a:lnTo>
+                <a:lnTo>
+                  <a:pt x="5251" y="7230"/>
+                </a:lnTo>
+                <a:lnTo>
+                  <a:pt x="5325" y="7401"/>
+                </a:lnTo>
+                <a:lnTo>
+                  <a:pt x="5374" y="7572"/>
+                </a:lnTo>
+                <a:lnTo>
+                  <a:pt x="5398" y="7767"/>
+                </a:lnTo>
+                <a:lnTo>
+                  <a:pt x="5374" y="7963"/>
+                </a:lnTo>
+                <a:lnTo>
+                  <a:pt x="5325" y="8134"/>
+                </a:lnTo>
+                <a:lnTo>
+                  <a:pt x="5251" y="8305"/>
+                </a:lnTo>
+                <a:lnTo>
+                  <a:pt x="5154" y="8451"/>
+                </a:lnTo>
+                <a:lnTo>
+                  <a:pt x="5007" y="8549"/>
+                </a:lnTo>
+                <a:lnTo>
+                  <a:pt x="4861" y="8647"/>
+                </a:lnTo>
+                <a:lnTo>
+                  <a:pt x="4690" y="8696"/>
+                </a:lnTo>
+                <a:lnTo>
+                  <a:pt x="4519" y="8720"/>
+                </a:lnTo>
+                <a:lnTo>
+                  <a:pt x="4348" y="8696"/>
+                </a:lnTo>
+                <a:lnTo>
+                  <a:pt x="4177" y="8647"/>
+                </a:lnTo>
+                <a:lnTo>
+                  <a:pt x="4030" y="8549"/>
+                </a:lnTo>
+                <a:lnTo>
+                  <a:pt x="3884" y="8451"/>
+                </a:lnTo>
+                <a:lnTo>
+                  <a:pt x="3786" y="8305"/>
+                </a:lnTo>
+                <a:lnTo>
+                  <a:pt x="3713" y="8134"/>
+                </a:lnTo>
+                <a:lnTo>
+                  <a:pt x="3664" y="7963"/>
+                </a:lnTo>
+                <a:lnTo>
+                  <a:pt x="3640" y="7767"/>
+                </a:lnTo>
+                <a:lnTo>
+                  <a:pt x="3664" y="7572"/>
+                </a:lnTo>
+                <a:lnTo>
+                  <a:pt x="3713" y="7401"/>
+                </a:lnTo>
+                <a:lnTo>
+                  <a:pt x="3786" y="7230"/>
+                </a:lnTo>
+                <a:lnTo>
+                  <a:pt x="3884" y="7084"/>
+                </a:lnTo>
+                <a:lnTo>
+                  <a:pt x="4030" y="6986"/>
+                </a:lnTo>
+                <a:lnTo>
+                  <a:pt x="4177" y="6888"/>
+                </a:lnTo>
+                <a:lnTo>
+                  <a:pt x="4348" y="6839"/>
+                </a:lnTo>
+                <a:lnTo>
+                  <a:pt x="4519" y="6815"/>
+                </a:lnTo>
+                <a:close/>
+                <a:moveTo>
+                  <a:pt x="10771" y="6815"/>
+                </a:moveTo>
+                <a:lnTo>
+                  <a:pt x="10942" y="6839"/>
+                </a:lnTo>
+                <a:lnTo>
+                  <a:pt x="11113" y="6888"/>
+                </a:lnTo>
+                <a:lnTo>
+                  <a:pt x="11260" y="6986"/>
+                </a:lnTo>
+                <a:lnTo>
+                  <a:pt x="11406" y="7084"/>
+                </a:lnTo>
+                <a:lnTo>
+                  <a:pt x="11504" y="7230"/>
+                </a:lnTo>
+                <a:lnTo>
+                  <a:pt x="11577" y="7401"/>
+                </a:lnTo>
+                <a:lnTo>
+                  <a:pt x="11626" y="7572"/>
+                </a:lnTo>
+                <a:lnTo>
+                  <a:pt x="11650" y="7767"/>
+                </a:lnTo>
+                <a:lnTo>
+                  <a:pt x="11626" y="7963"/>
+                </a:lnTo>
+                <a:lnTo>
+                  <a:pt x="11577" y="8134"/>
+                </a:lnTo>
+                <a:lnTo>
+                  <a:pt x="11504" y="8305"/>
+                </a:lnTo>
+                <a:lnTo>
+                  <a:pt x="11406" y="8451"/>
+                </a:lnTo>
+                <a:lnTo>
+                  <a:pt x="11260" y="8549"/>
+                </a:lnTo>
+                <a:lnTo>
+                  <a:pt x="11113" y="8647"/>
+                </a:lnTo>
+                <a:lnTo>
+                  <a:pt x="10942" y="8696"/>
+                </a:lnTo>
+                <a:lnTo>
+                  <a:pt x="10771" y="8720"/>
+                </a:lnTo>
+                <a:lnTo>
+                  <a:pt x="10600" y="8696"/>
+                </a:lnTo>
+                <a:lnTo>
+                  <a:pt x="10429" y="8647"/>
+                </a:lnTo>
+                <a:lnTo>
+                  <a:pt x="10283" y="8549"/>
+                </a:lnTo>
+                <a:lnTo>
+                  <a:pt x="10136" y="8451"/>
+                </a:lnTo>
+                <a:lnTo>
+                  <a:pt x="10038" y="8305"/>
+                </a:lnTo>
+                <a:lnTo>
+                  <a:pt x="9965" y="8134"/>
+                </a:lnTo>
+                <a:lnTo>
+                  <a:pt x="9916" y="7963"/>
+                </a:lnTo>
+                <a:lnTo>
+                  <a:pt x="9892" y="7767"/>
+                </a:lnTo>
+                <a:lnTo>
+                  <a:pt x="9916" y="7572"/>
+                </a:lnTo>
+                <a:lnTo>
+                  <a:pt x="9965" y="7401"/>
+                </a:lnTo>
+                <a:lnTo>
+                  <a:pt x="10038" y="7230"/>
+                </a:lnTo>
+                <a:lnTo>
+                  <a:pt x="10136" y="7084"/>
+                </a:lnTo>
+                <a:lnTo>
+                  <a:pt x="10283" y="6986"/>
+                </a:lnTo>
+                <a:lnTo>
+                  <a:pt x="10429" y="6888"/>
+                </a:lnTo>
+                <a:lnTo>
+                  <a:pt x="10600" y="6839"/>
+                </a:lnTo>
+                <a:lnTo>
+                  <a:pt x="10771" y="6815"/>
+                </a:lnTo>
+                <a:close/>
+                <a:moveTo>
+                  <a:pt x="11308" y="10210"/>
+                </a:moveTo>
+                <a:lnTo>
+                  <a:pt x="11406" y="10234"/>
+                </a:lnTo>
+                <a:lnTo>
+                  <a:pt x="11479" y="10259"/>
+                </a:lnTo>
+                <a:lnTo>
+                  <a:pt x="11577" y="10307"/>
+                </a:lnTo>
+                <a:lnTo>
+                  <a:pt x="11650" y="10356"/>
+                </a:lnTo>
+                <a:lnTo>
+                  <a:pt x="11699" y="10430"/>
+                </a:lnTo>
+                <a:lnTo>
+                  <a:pt x="11748" y="10527"/>
+                </a:lnTo>
+                <a:lnTo>
+                  <a:pt x="11772" y="10625"/>
+                </a:lnTo>
+                <a:lnTo>
+                  <a:pt x="11797" y="10698"/>
+                </a:lnTo>
+                <a:lnTo>
+                  <a:pt x="11772" y="10796"/>
+                </a:lnTo>
+                <a:lnTo>
+                  <a:pt x="11748" y="10894"/>
+                </a:lnTo>
+                <a:lnTo>
+                  <a:pt x="11699" y="10967"/>
+                </a:lnTo>
+                <a:lnTo>
+                  <a:pt x="11650" y="11065"/>
+                </a:lnTo>
+                <a:lnTo>
+                  <a:pt x="11235" y="11431"/>
+                </a:lnTo>
+                <a:lnTo>
+                  <a:pt x="10795" y="11773"/>
+                </a:lnTo>
+                <a:lnTo>
+                  <a:pt x="10307" y="12041"/>
+                </a:lnTo>
+                <a:lnTo>
+                  <a:pt x="9819" y="12286"/>
+                </a:lnTo>
+                <a:lnTo>
+                  <a:pt x="9281" y="12457"/>
+                </a:lnTo>
+                <a:lnTo>
+                  <a:pt x="8768" y="12603"/>
+                </a:lnTo>
+                <a:lnTo>
+                  <a:pt x="8207" y="12676"/>
+                </a:lnTo>
+                <a:lnTo>
+                  <a:pt x="7645" y="12701"/>
+                </a:lnTo>
+                <a:lnTo>
+                  <a:pt x="7083" y="12676"/>
+                </a:lnTo>
+                <a:lnTo>
+                  <a:pt x="6521" y="12603"/>
+                </a:lnTo>
+                <a:lnTo>
+                  <a:pt x="6009" y="12457"/>
+                </a:lnTo>
+                <a:lnTo>
+                  <a:pt x="5471" y="12286"/>
+                </a:lnTo>
+                <a:lnTo>
+                  <a:pt x="4983" y="12041"/>
+                </a:lnTo>
+                <a:lnTo>
+                  <a:pt x="4494" y="11773"/>
+                </a:lnTo>
+                <a:lnTo>
+                  <a:pt x="4055" y="11431"/>
+                </a:lnTo>
+                <a:lnTo>
+                  <a:pt x="3640" y="11065"/>
+                </a:lnTo>
+                <a:lnTo>
+                  <a:pt x="3591" y="10967"/>
+                </a:lnTo>
+                <a:lnTo>
+                  <a:pt x="3542" y="10894"/>
+                </a:lnTo>
+                <a:lnTo>
+                  <a:pt x="3517" y="10796"/>
+                </a:lnTo>
+                <a:lnTo>
+                  <a:pt x="3493" y="10698"/>
+                </a:lnTo>
+                <a:lnTo>
+                  <a:pt x="3517" y="10625"/>
+                </a:lnTo>
+                <a:lnTo>
+                  <a:pt x="3542" y="10527"/>
+                </a:lnTo>
+                <a:lnTo>
+                  <a:pt x="3591" y="10430"/>
+                </a:lnTo>
+                <a:lnTo>
+                  <a:pt x="3640" y="10356"/>
+                </a:lnTo>
+                <a:lnTo>
+                  <a:pt x="3713" y="10307"/>
+                </a:lnTo>
+                <a:lnTo>
+                  <a:pt x="3811" y="10259"/>
+                </a:lnTo>
+                <a:lnTo>
+                  <a:pt x="3884" y="10234"/>
+                </a:lnTo>
+                <a:lnTo>
+                  <a:pt x="3981" y="10210"/>
+                </a:lnTo>
+                <a:lnTo>
+                  <a:pt x="4079" y="10234"/>
+                </a:lnTo>
+                <a:lnTo>
+                  <a:pt x="4177" y="10259"/>
+                </a:lnTo>
+                <a:lnTo>
+                  <a:pt x="4250" y="10307"/>
+                </a:lnTo>
+                <a:lnTo>
+                  <a:pt x="4323" y="10356"/>
+                </a:lnTo>
+                <a:lnTo>
+                  <a:pt x="4690" y="10674"/>
+                </a:lnTo>
+                <a:lnTo>
+                  <a:pt x="5056" y="10942"/>
+                </a:lnTo>
+                <a:lnTo>
+                  <a:pt x="5447" y="11187"/>
+                </a:lnTo>
+                <a:lnTo>
+                  <a:pt x="5862" y="11382"/>
+                </a:lnTo>
+                <a:lnTo>
+                  <a:pt x="6277" y="11529"/>
+                </a:lnTo>
+                <a:lnTo>
+                  <a:pt x="6717" y="11651"/>
+                </a:lnTo>
+                <a:lnTo>
+                  <a:pt x="7181" y="11700"/>
+                </a:lnTo>
+                <a:lnTo>
+                  <a:pt x="7645" y="11724"/>
+                </a:lnTo>
+                <a:lnTo>
+                  <a:pt x="8109" y="11700"/>
+                </a:lnTo>
+                <a:lnTo>
+                  <a:pt x="8573" y="11651"/>
+                </a:lnTo>
+                <a:lnTo>
+                  <a:pt x="9013" y="11529"/>
+                </a:lnTo>
+                <a:lnTo>
+                  <a:pt x="9428" y="11382"/>
+                </a:lnTo>
+                <a:lnTo>
+                  <a:pt x="9843" y="11187"/>
+                </a:lnTo>
+                <a:lnTo>
+                  <a:pt x="10234" y="10942"/>
+                </a:lnTo>
+                <a:lnTo>
+                  <a:pt x="10600" y="10674"/>
+                </a:lnTo>
+                <a:lnTo>
+                  <a:pt x="10966" y="10356"/>
+                </a:lnTo>
+                <a:lnTo>
+                  <a:pt x="11040" y="10307"/>
+                </a:lnTo>
+                <a:lnTo>
+                  <a:pt x="11113" y="10259"/>
+                </a:lnTo>
+                <a:lnTo>
+                  <a:pt x="11211" y="10234"/>
+                </a:lnTo>
+                <a:lnTo>
+                  <a:pt x="11308" y="10210"/>
+                </a:lnTo>
+                <a:close/>
+                <a:moveTo>
+                  <a:pt x="7254" y="1"/>
+                </a:moveTo>
+                <a:lnTo>
+                  <a:pt x="6863" y="50"/>
+                </a:lnTo>
+                <a:lnTo>
+                  <a:pt x="6473" y="99"/>
+                </a:lnTo>
+                <a:lnTo>
+                  <a:pt x="6106" y="147"/>
+                </a:lnTo>
+                <a:lnTo>
+                  <a:pt x="5740" y="245"/>
+                </a:lnTo>
+                <a:lnTo>
+                  <a:pt x="5374" y="343"/>
+                </a:lnTo>
+                <a:lnTo>
+                  <a:pt x="5007" y="465"/>
+                </a:lnTo>
+                <a:lnTo>
+                  <a:pt x="4665" y="611"/>
+                </a:lnTo>
+                <a:lnTo>
+                  <a:pt x="4323" y="758"/>
+                </a:lnTo>
+                <a:lnTo>
+                  <a:pt x="4006" y="929"/>
+                </a:lnTo>
+                <a:lnTo>
+                  <a:pt x="3688" y="1100"/>
+                </a:lnTo>
+                <a:lnTo>
+                  <a:pt x="3371" y="1295"/>
+                </a:lnTo>
+                <a:lnTo>
+                  <a:pt x="3078" y="1515"/>
+                </a:lnTo>
+                <a:lnTo>
+                  <a:pt x="2785" y="1735"/>
+                </a:lnTo>
+                <a:lnTo>
+                  <a:pt x="2516" y="1979"/>
+                </a:lnTo>
+                <a:lnTo>
+                  <a:pt x="2247" y="2248"/>
+                </a:lnTo>
+                <a:lnTo>
+                  <a:pt x="1979" y="2516"/>
+                </a:lnTo>
+                <a:lnTo>
+                  <a:pt x="1735" y="2785"/>
+                </a:lnTo>
+                <a:lnTo>
+                  <a:pt x="1515" y="3078"/>
+                </a:lnTo>
+                <a:lnTo>
+                  <a:pt x="1295" y="3371"/>
+                </a:lnTo>
+                <a:lnTo>
+                  <a:pt x="1100" y="3689"/>
+                </a:lnTo>
+                <a:lnTo>
+                  <a:pt x="929" y="4006"/>
+                </a:lnTo>
+                <a:lnTo>
+                  <a:pt x="758" y="4324"/>
+                </a:lnTo>
+                <a:lnTo>
+                  <a:pt x="611" y="4666"/>
+                </a:lnTo>
+                <a:lnTo>
+                  <a:pt x="465" y="5008"/>
+                </a:lnTo>
+                <a:lnTo>
+                  <a:pt x="342" y="5374"/>
+                </a:lnTo>
+                <a:lnTo>
+                  <a:pt x="245" y="5740"/>
+                </a:lnTo>
+                <a:lnTo>
+                  <a:pt x="147" y="6107"/>
+                </a:lnTo>
+                <a:lnTo>
+                  <a:pt x="98" y="6473"/>
+                </a:lnTo>
+                <a:lnTo>
+                  <a:pt x="49" y="6864"/>
+                </a:lnTo>
+                <a:lnTo>
+                  <a:pt x="1" y="7255"/>
+                </a:lnTo>
+                <a:lnTo>
+                  <a:pt x="1" y="7645"/>
+                </a:lnTo>
+                <a:lnTo>
+                  <a:pt x="1" y="8036"/>
+                </a:lnTo>
+                <a:lnTo>
+                  <a:pt x="49" y="8427"/>
+                </a:lnTo>
+                <a:lnTo>
+                  <a:pt x="98" y="8818"/>
+                </a:lnTo>
+                <a:lnTo>
+                  <a:pt x="147" y="9184"/>
+                </a:lnTo>
+                <a:lnTo>
+                  <a:pt x="245" y="9550"/>
+                </a:lnTo>
+                <a:lnTo>
+                  <a:pt x="342" y="9917"/>
+                </a:lnTo>
+                <a:lnTo>
+                  <a:pt x="465" y="10283"/>
+                </a:lnTo>
+                <a:lnTo>
+                  <a:pt x="611" y="10625"/>
+                </a:lnTo>
+                <a:lnTo>
+                  <a:pt x="758" y="10967"/>
+                </a:lnTo>
+                <a:lnTo>
+                  <a:pt x="929" y="11284"/>
+                </a:lnTo>
+                <a:lnTo>
+                  <a:pt x="1100" y="11602"/>
+                </a:lnTo>
+                <a:lnTo>
+                  <a:pt x="1295" y="11919"/>
+                </a:lnTo>
+                <a:lnTo>
+                  <a:pt x="1515" y="12212"/>
+                </a:lnTo>
+                <a:lnTo>
+                  <a:pt x="1735" y="12506"/>
+                </a:lnTo>
+                <a:lnTo>
+                  <a:pt x="1979" y="12774"/>
+                </a:lnTo>
+                <a:lnTo>
+                  <a:pt x="2247" y="13043"/>
+                </a:lnTo>
+                <a:lnTo>
+                  <a:pt x="2516" y="13311"/>
+                </a:lnTo>
+                <a:lnTo>
+                  <a:pt x="2785" y="13556"/>
+                </a:lnTo>
+                <a:lnTo>
+                  <a:pt x="3078" y="13776"/>
+                </a:lnTo>
+                <a:lnTo>
+                  <a:pt x="3371" y="13995"/>
+                </a:lnTo>
+                <a:lnTo>
+                  <a:pt x="3688" y="14191"/>
+                </a:lnTo>
+                <a:lnTo>
+                  <a:pt x="4006" y="14362"/>
+                </a:lnTo>
+                <a:lnTo>
+                  <a:pt x="4323" y="14533"/>
+                </a:lnTo>
+                <a:lnTo>
+                  <a:pt x="4665" y="14679"/>
+                </a:lnTo>
+                <a:lnTo>
+                  <a:pt x="5007" y="14826"/>
+                </a:lnTo>
+                <a:lnTo>
+                  <a:pt x="5374" y="14948"/>
+                </a:lnTo>
+                <a:lnTo>
+                  <a:pt x="5740" y="15046"/>
+                </a:lnTo>
+                <a:lnTo>
+                  <a:pt x="6106" y="15143"/>
+                </a:lnTo>
+                <a:lnTo>
+                  <a:pt x="6473" y="15192"/>
+                </a:lnTo>
+                <a:lnTo>
+                  <a:pt x="6863" y="15241"/>
+                </a:lnTo>
+                <a:lnTo>
+                  <a:pt x="7254" y="15290"/>
+                </a:lnTo>
+                <a:lnTo>
+                  <a:pt x="8036" y="15290"/>
+                </a:lnTo>
+                <a:lnTo>
+                  <a:pt x="8426" y="15241"/>
+                </a:lnTo>
+                <a:lnTo>
+                  <a:pt x="8817" y="15192"/>
+                </a:lnTo>
+                <a:lnTo>
+                  <a:pt x="9184" y="15143"/>
+                </a:lnTo>
+                <a:lnTo>
+                  <a:pt x="9550" y="15046"/>
+                </a:lnTo>
+                <a:lnTo>
+                  <a:pt x="9916" y="14948"/>
+                </a:lnTo>
+                <a:lnTo>
+                  <a:pt x="10283" y="14826"/>
+                </a:lnTo>
+                <a:lnTo>
+                  <a:pt x="10625" y="14679"/>
+                </a:lnTo>
+                <a:lnTo>
+                  <a:pt x="10966" y="14533"/>
+                </a:lnTo>
+                <a:lnTo>
+                  <a:pt x="11284" y="14362"/>
+                </a:lnTo>
+                <a:lnTo>
+                  <a:pt x="11601" y="14191"/>
+                </a:lnTo>
+                <a:lnTo>
+                  <a:pt x="11919" y="13995"/>
+                </a:lnTo>
+                <a:lnTo>
+                  <a:pt x="12212" y="13776"/>
+                </a:lnTo>
+                <a:lnTo>
+                  <a:pt x="12505" y="13556"/>
+                </a:lnTo>
+                <a:lnTo>
+                  <a:pt x="12774" y="13311"/>
+                </a:lnTo>
+                <a:lnTo>
+                  <a:pt x="13042" y="13043"/>
+                </a:lnTo>
+                <a:lnTo>
+                  <a:pt x="13311" y="12774"/>
+                </a:lnTo>
+                <a:lnTo>
+                  <a:pt x="13555" y="12506"/>
+                </a:lnTo>
+                <a:lnTo>
+                  <a:pt x="13775" y="12212"/>
+                </a:lnTo>
+                <a:lnTo>
+                  <a:pt x="13995" y="11919"/>
+                </a:lnTo>
+                <a:lnTo>
+                  <a:pt x="14190" y="11602"/>
+                </a:lnTo>
+                <a:lnTo>
+                  <a:pt x="14361" y="11284"/>
+                </a:lnTo>
+                <a:lnTo>
+                  <a:pt x="14532" y="10967"/>
+                </a:lnTo>
+                <a:lnTo>
+                  <a:pt x="14679" y="10625"/>
+                </a:lnTo>
+                <a:lnTo>
+                  <a:pt x="14825" y="10283"/>
+                </a:lnTo>
+                <a:lnTo>
+                  <a:pt x="14947" y="9917"/>
+                </a:lnTo>
+                <a:lnTo>
+                  <a:pt x="15045" y="9550"/>
+                </a:lnTo>
+                <a:lnTo>
+                  <a:pt x="15143" y="9184"/>
+                </a:lnTo>
+                <a:lnTo>
+                  <a:pt x="15192" y="8818"/>
+                </a:lnTo>
+                <a:lnTo>
+                  <a:pt x="15240" y="8427"/>
+                </a:lnTo>
+                <a:lnTo>
+                  <a:pt x="15289" y="8036"/>
+                </a:lnTo>
+                <a:lnTo>
+                  <a:pt x="15289" y="7645"/>
+                </a:lnTo>
+                <a:lnTo>
+                  <a:pt x="15289" y="7255"/>
+                </a:lnTo>
+                <a:lnTo>
+                  <a:pt x="15240" y="6864"/>
+                </a:lnTo>
+                <a:lnTo>
+                  <a:pt x="15192" y="6473"/>
+                </a:lnTo>
+                <a:lnTo>
+                  <a:pt x="15143" y="6107"/>
+                </a:lnTo>
+                <a:lnTo>
+                  <a:pt x="15045" y="5740"/>
+                </a:lnTo>
+                <a:lnTo>
+                  <a:pt x="14947" y="5374"/>
+                </a:lnTo>
+                <a:lnTo>
+                  <a:pt x="14825" y="5008"/>
+                </a:lnTo>
+                <a:lnTo>
+                  <a:pt x="14679" y="4666"/>
+                </a:lnTo>
+                <a:lnTo>
+                  <a:pt x="14532" y="4324"/>
+                </a:lnTo>
+                <a:lnTo>
+                  <a:pt x="14361" y="4006"/>
+                </a:lnTo>
+                <a:lnTo>
+                  <a:pt x="14190" y="3689"/>
+                </a:lnTo>
+                <a:lnTo>
+                  <a:pt x="13995" y="3371"/>
+                </a:lnTo>
+                <a:lnTo>
+                  <a:pt x="13775" y="3078"/>
+                </a:lnTo>
+                <a:lnTo>
+                  <a:pt x="13555" y="2785"/>
+                </a:lnTo>
+                <a:lnTo>
+                  <a:pt x="13311" y="2516"/>
+                </a:lnTo>
+                <a:lnTo>
+                  <a:pt x="13042" y="2248"/>
+                </a:lnTo>
+                <a:lnTo>
+                  <a:pt x="12774" y="1979"/>
+                </a:lnTo>
+                <a:lnTo>
+                  <a:pt x="12505" y="1735"/>
+                </a:lnTo>
+                <a:lnTo>
+                  <a:pt x="12212" y="1515"/>
+                </a:lnTo>
+                <a:lnTo>
+                  <a:pt x="11919" y="1295"/>
+                </a:lnTo>
+                <a:lnTo>
+                  <a:pt x="11601" y="1100"/>
+                </a:lnTo>
+                <a:lnTo>
+                  <a:pt x="11284" y="929"/>
+                </a:lnTo>
+                <a:lnTo>
+                  <a:pt x="10966" y="758"/>
+                </a:lnTo>
+                <a:lnTo>
+                  <a:pt x="10625" y="611"/>
+                </a:lnTo>
+                <a:lnTo>
+                  <a:pt x="10283" y="465"/>
+                </a:lnTo>
+                <a:lnTo>
+                  <a:pt x="9916" y="343"/>
+                </a:lnTo>
+                <a:lnTo>
+                  <a:pt x="9550" y="245"/>
+                </a:lnTo>
+                <a:lnTo>
+                  <a:pt x="9184" y="147"/>
+                </a:lnTo>
+                <a:lnTo>
+                  <a:pt x="8817" y="99"/>
+                </a:lnTo>
+                <a:lnTo>
+                  <a:pt x="8426" y="50"/>
+                </a:lnTo>
+                <a:lnTo>
+                  <a:pt x="8036" y="1"/>
+                </a:lnTo>
+                <a:close/>
+              </a:path>
+            </a:pathLst>
+          </a:custGeom>
+          <a:solidFill>
+            <a:schemeClr val="lt1"/>
+          </a:solidFill>
+          <a:ln>
+            <a:noFill/>
+          </a:ln>
+        </p:spPr>
+        <p:txBody>
+          <a:bodyPr spcFirstLastPara="1" wrap="square" lIns="91425" tIns="91425" rIns="91425" bIns="91425" anchor="ctr" anchorCtr="0">
+            <a:noAutofit/>
+          </a:bodyPr>
+          <a:lstStyle/>
+          <a:p>
+            <a:pPr marL="0" lvl="0" indent="0" algn="l" rtl="0">
+              <a:spcBef>
+                <a:spcPts val="0"/>
+              </a:spcBef>
+              <a:spcAft>
+                <a:spcPts val="0"/>
+              </a:spcAft>
+              <a:buNone/>
+            </a:pPr>
+            <a:endParaRPr>
+              <a:solidFill>
+                <a:schemeClr val="dk1"/>
+              </a:solidFill>
+            </a:endParaRPr>
+          </a:p>
+        </p:txBody>
+      </p:sp>
+    </p:spTree>
+  </p:cSld>
+  <p:clrMapOvr>
+    <a:masterClrMapping/>
+  </p:clrMapOvr>
+  <p:timing>
+    <p:tnLst>
+      <p:par>
+        <p:cTn id="1" dur="indefinite" restart="never" nodeType="tmRoot"/>
+      </p:par>
+    </p:tnLst>
+  </p:timing>
+</p:sld>
+</file>
+
+<file path=ppt/slides/slide3.xml><?xml version="1.0" encoding="utf-8"?>
+<p:sld xmlns:a="http://schemas.openxmlformats.org/drawingml/2006/main" xmlns:r="http://schemas.openxmlformats.org/officeDocument/2006/relationships" xmlns:p="http://schemas.openxmlformats.org/presentationml/2006/main">
+  <p:cSld>
+    <p:spTree>
+      <p:nvGrpSpPr>
+        <p:cNvPr id="1" name=""/>
+        <p:cNvGrpSpPr/>
+        <p:nvPr/>
+      </p:nvGrpSpPr>
+      <p:grpSpPr>
+        <a:xfrm>
+          <a:off x="0" y="0"/>
+          <a:ext cx="0" cy="0"/>
+          <a:chOff x="0" y="0"/>
+          <a:chExt cx="0" cy="0"/>
+        </a:xfrm>
+      </p:grpSpPr>
+      <p:sp>
+        <p:nvSpPr>
+          <p:cNvPr id="2" name="Title 1"/>
+          <p:cNvSpPr>
+            <a:spLocks noGrp="1"/>
+          </p:cNvSpPr>
+          <p:nvPr>
+            <p:ph type="ctrTitle"/>
+          </p:nvPr>
+        </p:nvSpPr>
+        <p:spPr>
+          <a:xfrm>
+            <a:off x="1138123" y="668187"/>
+            <a:ext cx="7282800" cy="584100"/>
+          </a:xfrm>
+        </p:spPr>
+        <p:txBody>
+          <a:bodyPr/>
+          <a:lstStyle/>
+          <a:p>
+            <a:pPr algn="ctr"/>
+            <a:r>
+              <a:rPr lang="en-US" dirty="0" smtClean="0"/>
+              <a:t>TRENDS</a:t>
+            </a:r>
+            <a:endParaRPr lang="en-IN" dirty="0"/>
+          </a:p>
+        </p:txBody>
+      </p:sp>
+      <p:pic>
+        <p:nvPicPr>
+          <p:cNvPr id="4" name="Picture 3"/>
+          <p:cNvPicPr>
+            <a:picLocks noChangeAspect="1"/>
+          </p:cNvPicPr>
+          <p:nvPr/>
+        </p:nvPicPr>
+        <p:blipFill rotWithShape="1">
+          <a:blip r:embed="rId2">
+            <a:extLst>
+              <a:ext uri="{28A0092B-C50C-407E-A947-70E740481C1C}">
+                <a14:useLocalDpi xmlns:a14="http://schemas.microsoft.com/office/drawing/2010/main" val="0"/>
+              </a:ext>
+            </a:extLst>
+          </a:blip>
+          <a:srcRect l="-116" t="8806"/>
+          <a:stretch/>
+        </p:blipFill>
+        <p:spPr>
+          <a:xfrm>
+            <a:off x="1994170" y="1407267"/>
+            <a:ext cx="5570705" cy="2854258"/>
+          </a:xfrm>
+          <a:prstGeom prst="rect">
+            <a:avLst/>
+          </a:prstGeom>
+        </p:spPr>
+      </p:pic>
+    </p:spTree>
+    <p:extLst>
+      <p:ext uri="{BB962C8B-B14F-4D97-AF65-F5344CB8AC3E}">
+        <p14:creationId xmlns:p14="http://schemas.microsoft.com/office/powerpoint/2010/main" val="1487758694"/>
+      </p:ext>
+    </p:extLst>
+  </p:cSld>
+  <p:clrMapOvr>
+    <a:masterClrMapping/>
+  </p:clrMapOvr>
+  <p:timing>
+    <p:tnLst>
+      <p:par>
+        <p:cTn id="1" dur="indefinite" restart="never" nodeType="tmRoot"/>
+      </p:par>
+    </p:tnLst>
+  </p:timing>
+</p:sld>
+</file>
+
+<file path=ppt/slides/slide4.xml><?xml version="1.0" encoding="utf-8"?>
+<p:sld xmlns:a="http://schemas.openxmlformats.org/drawingml/2006/main" xmlns:r="http://schemas.openxmlformats.org/officeDocument/2006/relationships" xmlns:p="http://schemas.openxmlformats.org/presentationml/2006/main">
+  <p:cSld>
+    <p:spTree>
+      <p:nvGrpSpPr>
+        <p:cNvPr id="1" name="Shape 78"/>
+        <p:cNvGrpSpPr/>
+        <p:nvPr/>
+      </p:nvGrpSpPr>
+      <p:grpSpPr>
+        <a:xfrm>
+          <a:off x="0" y="0"/>
+          <a:ext cx="0" cy="0"/>
+          <a:chOff x="0" y="0"/>
+          <a:chExt cx="0" cy="0"/>
+        </a:xfrm>
+      </p:grpSpPr>
+      <p:sp>
+        <p:nvSpPr>
+          <p:cNvPr id="79" name="Google Shape;79;p16"/>
+          <p:cNvSpPr txBox="1">
+            <a:spLocks noGrp="1"/>
+          </p:cNvSpPr>
+          <p:nvPr>
+            <p:ph type="body" idx="1"/>
+          </p:nvPr>
+        </p:nvSpPr>
+        <p:spPr>
+          <a:xfrm>
+            <a:off x="930600" y="939700"/>
+            <a:ext cx="7282800" cy="3264000"/>
+          </a:xfrm>
+          <a:prstGeom prst="rect">
+            <a:avLst/>
+          </a:prstGeom>
+        </p:spPr>
+        <p:txBody>
+          <a:bodyPr spcFirstLastPara="1" wrap="square" lIns="0" tIns="0" rIns="0" bIns="0" anchor="ctr" anchorCtr="0">
+            <a:noAutofit/>
+          </a:bodyPr>
+          <a:lstStyle/>
+          <a:p>
+            <a:pPr marL="0" indent="0">
+              <a:buNone/>
+            </a:pPr>
+            <a:r>
+              <a:rPr lang="en-US" b="1" dirty="0">
+                <a:effectLst>
+                  <a:outerShdw blurRad="38100" dist="38100" dir="2700000" algn="tl">
+                    <a:srgbClr val="000000">
+                      <a:alpha val="43137"/>
+                    </a:srgbClr>
+                  </a:outerShdw>
+                </a:effectLst>
+              </a:rPr>
+              <a:t>Lets Start To Understand why React Native is best to create Cross-</a:t>
+            </a:r>
+            <a:r>
+              <a:rPr lang="en-US" b="1" dirty="0" err="1">
+                <a:effectLst>
+                  <a:outerShdw blurRad="38100" dist="38100" dir="2700000" algn="tl">
+                    <a:srgbClr val="000000">
+                      <a:alpha val="43137"/>
+                    </a:srgbClr>
+                  </a:outerShdw>
+                </a:effectLst>
+              </a:rPr>
+              <a:t>Plaform</a:t>
+            </a:r>
+            <a:r>
+              <a:rPr lang="en-US" b="1" dirty="0">
+                <a:effectLst>
+                  <a:outerShdw blurRad="38100" dist="38100" dir="2700000" algn="tl">
+                    <a:srgbClr val="000000">
+                      <a:alpha val="43137"/>
+                    </a:srgbClr>
+                  </a:outerShdw>
+                </a:effectLst>
+              </a:rPr>
+              <a:t> apps</a:t>
+            </a:r>
+            <a:r>
+              <a:rPr lang="en-US" dirty="0"/>
+              <a:t>.</a:t>
+            </a:r>
+          </a:p>
+          <a:p>
+            <a:pPr marL="0" lvl="0" indent="0" algn="l" rtl="0">
+              <a:spcBef>
+                <a:spcPts val="600"/>
+              </a:spcBef>
+              <a:spcAft>
+                <a:spcPts val="0"/>
+              </a:spcAft>
+              <a:buNone/>
+            </a:pPr>
+            <a:endParaRPr dirty="0"/>
+          </a:p>
+        </p:txBody>
+      </p:sp>
+      <p:sp>
+        <p:nvSpPr>
+          <p:cNvPr id="80" name="Google Shape;80;p16"/>
+          <p:cNvSpPr txBox="1">
+            <a:spLocks noGrp="1"/>
+          </p:cNvSpPr>
+          <p:nvPr>
+            <p:ph type="sldNum" idx="12"/>
+          </p:nvPr>
+        </p:nvSpPr>
+        <p:spPr>
+          <a:xfrm>
+            <a:off x="8213401" y="4248586"/>
+            <a:ext cx="465300" cy="474300"/>
+          </a:xfrm>
+          <a:prstGeom prst="rect">
+            <a:avLst/>
+          </a:prstGeom>
+        </p:spPr>
+        <p:txBody>
+          <a:bodyPr spcFirstLastPara="1" wrap="square" lIns="0" tIns="0" rIns="0" bIns="0" anchor="b" anchorCtr="0">
+            <a:noAutofit/>
+          </a:bodyPr>
+          <a:lstStyle/>
+          <a:p>
+            <a:pPr marL="0" lvl="0" indent="0" algn="r" rtl="0">
+              <a:spcBef>
+                <a:spcPts val="0"/>
+              </a:spcBef>
+              <a:spcAft>
+                <a:spcPts val="0"/>
+              </a:spcAft>
+              <a:buNone/>
+            </a:pPr>
+            <a:fld id="{00000000-1234-1234-1234-123412341234}" type="slidenum">
+              <a:rPr lang="en"/>
+              <a:t>4</a:t>
+            </a:fld>
+            <a:endParaRPr/>
+          </a:p>
+        </p:txBody>
+      </p:sp>
+    </p:spTree>
+  </p:cSld>
+  <p:clrMapOvr>
+    <a:masterClrMapping/>
+  </p:clrMapOvr>
+  <p:timing>
+    <p:tnLst>
+      <p:par>
+        <p:cTn id="1" dur="indefinite" restart="never" nodeType="tmRoot"/>
+      </p:par>
+    </p:tnLst>
+  </p:timing>
+</p:sld>
+</file>
+
 <file path=ppt/slides/slide5.xml><?xml version="1.0" encoding="utf-8"?>
+<p:sld xmlns:a="http://schemas.openxmlformats.org/drawingml/2006/main" xmlns:r="http://schemas.openxmlformats.org/officeDocument/2006/relationships" xmlns:p="http://schemas.openxmlformats.org/presentationml/2006/main">
+  <p:cSld>
+    <p:spTree>
+      <p:nvGrpSpPr>
+        <p:cNvPr id="1" name="Shape 263"/>
+        <p:cNvGrpSpPr/>
+        <p:nvPr/>
+      </p:nvGrpSpPr>
+      <p:grpSpPr>
+        <a:xfrm>
+          <a:off x="0" y="0"/>
+          <a:ext cx="0" cy="0"/>
+          <a:chOff x="0" y="0"/>
+          <a:chExt cx="0" cy="0"/>
+        </a:xfrm>
+      </p:grpSpPr>
+      <p:sp>
+        <p:nvSpPr>
+          <p:cNvPr id="264" name="Google Shape;264;p31"/>
+          <p:cNvSpPr txBox="1">
+            <a:spLocks noGrp="1"/>
+          </p:cNvSpPr>
+          <p:nvPr>
+            <p:ph type="body" idx="4294967295"/>
+          </p:nvPr>
+        </p:nvSpPr>
+        <p:spPr>
+          <a:xfrm>
+            <a:off x="457200" y="465400"/>
+            <a:ext cx="2762100" cy="4212600"/>
+          </a:xfrm>
+          <a:prstGeom prst="rect">
+            <a:avLst/>
+          </a:prstGeom>
+        </p:spPr>
+        <p:txBody>
+          <a:bodyPr spcFirstLastPara="1" wrap="square" lIns="0" tIns="0" rIns="0" bIns="0" anchor="t" anchorCtr="0">
+            <a:noAutofit/>
+          </a:bodyPr>
+          <a:lstStyle/>
+          <a:p>
+            <a:pPr marL="0" lvl="0" indent="0" algn="l" rtl="0">
+              <a:spcBef>
+                <a:spcPts val="600"/>
+              </a:spcBef>
+              <a:spcAft>
+                <a:spcPts val="0"/>
+              </a:spcAft>
+              <a:buNone/>
+            </a:pPr>
+            <a:r>
+              <a:rPr lang="en-IN" b="1" dirty="0" smtClean="0">
+                <a:latin typeface="Ubuntu"/>
+                <a:ea typeface="Ubuntu"/>
+                <a:cs typeface="Ubuntu"/>
+                <a:sym typeface="Ubuntu"/>
+              </a:rPr>
+              <a:t>What is Native Apps?</a:t>
+            </a:r>
+            <a:endParaRPr b="1" dirty="0">
+              <a:latin typeface="Ubuntu"/>
+              <a:ea typeface="Ubuntu"/>
+              <a:cs typeface="Ubuntu"/>
+              <a:sym typeface="Ubuntu"/>
+            </a:endParaRPr>
+          </a:p>
+          <a:p>
+            <a:pPr marL="0" lvl="0" indent="0" algn="l" rtl="0">
+              <a:spcBef>
+                <a:spcPts val="600"/>
+              </a:spcBef>
+              <a:spcAft>
+                <a:spcPts val="0"/>
+              </a:spcAft>
+              <a:buNone/>
+            </a:pPr>
+            <a:r>
+              <a:rPr lang="en" sz="1800" dirty="0" smtClean="0"/>
+              <a:t>Native apps Build using one Programming Language and Specifically for one Platform.</a:t>
+            </a:r>
+            <a:endParaRPr sz="1800" dirty="0"/>
+          </a:p>
+        </p:txBody>
+      </p:sp>
+      <p:sp>
+        <p:nvSpPr>
+          <p:cNvPr id="265" name="Google Shape;265;p31"/>
+          <p:cNvSpPr txBox="1">
+            <a:spLocks noGrp="1"/>
+          </p:cNvSpPr>
+          <p:nvPr>
+            <p:ph type="sldNum" idx="12"/>
+          </p:nvPr>
+        </p:nvSpPr>
+        <p:spPr>
+          <a:xfrm>
+            <a:off x="8213401" y="4248586"/>
+            <a:ext cx="465300" cy="474300"/>
+          </a:xfrm>
+          <a:prstGeom prst="rect">
+            <a:avLst/>
+          </a:prstGeom>
+        </p:spPr>
+        <p:txBody>
+          <a:bodyPr spcFirstLastPara="1" wrap="square" lIns="0" tIns="0" rIns="0" bIns="0" anchor="b" anchorCtr="0">
+            <a:noAutofit/>
+          </a:bodyPr>
+          <a:lstStyle/>
+          <a:p>
+            <a:pPr marL="0" lvl="0" indent="0" algn="r" rtl="0">
+              <a:spcBef>
+                <a:spcPts val="0"/>
+              </a:spcBef>
+              <a:spcAft>
+                <a:spcPts val="0"/>
+              </a:spcAft>
+              <a:buNone/>
+            </a:pPr>
+            <a:fld id="{00000000-1234-1234-1234-123412341234}" type="slidenum">
+              <a:rPr lang="en"/>
+              <a:t>5</a:t>
+            </a:fld>
+            <a:endParaRPr/>
+          </a:p>
+        </p:txBody>
+      </p:sp>
+      <p:grpSp>
+        <p:nvGrpSpPr>
+          <p:cNvPr id="266" name="Google Shape;266;p31"/>
+          <p:cNvGrpSpPr/>
+          <p:nvPr/>
+        </p:nvGrpSpPr>
+        <p:grpSpPr>
+          <a:xfrm>
+            <a:off x="5538280" y="531779"/>
+            <a:ext cx="2033423" cy="3991718"/>
+            <a:chOff x="5353200" y="373572"/>
+            <a:chExt cx="2119546" cy="4396359"/>
+          </a:xfrm>
+        </p:grpSpPr>
+        <p:sp>
+          <p:nvSpPr>
+            <p:cNvPr id="267" name="Google Shape;267;p31"/>
+            <p:cNvSpPr/>
+            <p:nvPr/>
+          </p:nvSpPr>
+          <p:spPr>
+            <a:xfrm>
+              <a:off x="5353200" y="373572"/>
+              <a:ext cx="2119546" cy="4396359"/>
+            </a:xfrm>
+            <a:custGeom>
+              <a:avLst/>
+              <a:gdLst/>
+              <a:ahLst/>
+              <a:cxnLst/>
+              <a:rect l="l" t="t" r="r" b="b"/>
+              <a:pathLst>
+                <a:path w="101027" h="209550" extrusionOk="0">
+                  <a:moveTo>
+                    <a:pt x="98629" y="18886"/>
+                  </a:moveTo>
+                  <a:lnTo>
+                    <a:pt x="98629" y="190364"/>
+                  </a:lnTo>
+                  <a:lnTo>
+                    <a:pt x="2398" y="190364"/>
+                  </a:lnTo>
+                  <a:lnTo>
+                    <a:pt x="2398" y="18886"/>
+                  </a:lnTo>
+                  <a:close/>
+                  <a:moveTo>
+                    <a:pt x="10343" y="0"/>
+                  </a:moveTo>
+                  <a:lnTo>
+                    <a:pt x="9293" y="75"/>
+                  </a:lnTo>
+                  <a:lnTo>
+                    <a:pt x="8244" y="225"/>
+                  </a:lnTo>
+                  <a:lnTo>
+                    <a:pt x="7270" y="450"/>
+                  </a:lnTo>
+                  <a:lnTo>
+                    <a:pt x="6295" y="824"/>
+                  </a:lnTo>
+                  <a:lnTo>
+                    <a:pt x="5396" y="1274"/>
+                  </a:lnTo>
+                  <a:lnTo>
+                    <a:pt x="4572" y="1799"/>
+                  </a:lnTo>
+                  <a:lnTo>
+                    <a:pt x="3747" y="2398"/>
+                  </a:lnTo>
+                  <a:lnTo>
+                    <a:pt x="2998" y="3073"/>
+                  </a:lnTo>
+                  <a:lnTo>
+                    <a:pt x="2323" y="3747"/>
+                  </a:lnTo>
+                  <a:lnTo>
+                    <a:pt x="1724" y="4572"/>
+                  </a:lnTo>
+                  <a:lnTo>
+                    <a:pt x="1199" y="5396"/>
+                  </a:lnTo>
+                  <a:lnTo>
+                    <a:pt x="824" y="6370"/>
+                  </a:lnTo>
+                  <a:lnTo>
+                    <a:pt x="450" y="7270"/>
+                  </a:lnTo>
+                  <a:lnTo>
+                    <a:pt x="225" y="8319"/>
+                  </a:lnTo>
+                  <a:lnTo>
+                    <a:pt x="0" y="9293"/>
+                  </a:lnTo>
+                  <a:lnTo>
+                    <a:pt x="0" y="10343"/>
+                  </a:lnTo>
+                  <a:lnTo>
+                    <a:pt x="0" y="199207"/>
+                  </a:lnTo>
+                  <a:lnTo>
+                    <a:pt x="0" y="200257"/>
+                  </a:lnTo>
+                  <a:lnTo>
+                    <a:pt x="225" y="201231"/>
+                  </a:lnTo>
+                  <a:lnTo>
+                    <a:pt x="450" y="202280"/>
+                  </a:lnTo>
+                  <a:lnTo>
+                    <a:pt x="824" y="203180"/>
+                  </a:lnTo>
+                  <a:lnTo>
+                    <a:pt x="1199" y="204154"/>
+                  </a:lnTo>
+                  <a:lnTo>
+                    <a:pt x="1724" y="204978"/>
+                  </a:lnTo>
+                  <a:lnTo>
+                    <a:pt x="2323" y="205803"/>
+                  </a:lnTo>
+                  <a:lnTo>
+                    <a:pt x="2998" y="206477"/>
+                  </a:lnTo>
+                  <a:lnTo>
+                    <a:pt x="3747" y="207152"/>
+                  </a:lnTo>
+                  <a:lnTo>
+                    <a:pt x="4572" y="207751"/>
+                  </a:lnTo>
+                  <a:lnTo>
+                    <a:pt x="5396" y="208276"/>
+                  </a:lnTo>
+                  <a:lnTo>
+                    <a:pt x="6295" y="208726"/>
+                  </a:lnTo>
+                  <a:lnTo>
+                    <a:pt x="7270" y="209100"/>
+                  </a:lnTo>
+                  <a:lnTo>
+                    <a:pt x="8244" y="209325"/>
+                  </a:lnTo>
+                  <a:lnTo>
+                    <a:pt x="9293" y="209475"/>
+                  </a:lnTo>
+                  <a:lnTo>
+                    <a:pt x="10343" y="209550"/>
+                  </a:lnTo>
+                  <a:lnTo>
+                    <a:pt x="90610" y="209550"/>
+                  </a:lnTo>
+                  <a:lnTo>
+                    <a:pt x="91659" y="209475"/>
+                  </a:lnTo>
+                  <a:lnTo>
+                    <a:pt x="92708" y="209325"/>
+                  </a:lnTo>
+                  <a:lnTo>
+                    <a:pt x="93682" y="209100"/>
+                  </a:lnTo>
+                  <a:lnTo>
+                    <a:pt x="94657" y="208726"/>
+                  </a:lnTo>
+                  <a:lnTo>
+                    <a:pt x="95556" y="208276"/>
+                  </a:lnTo>
+                  <a:lnTo>
+                    <a:pt x="96455" y="207751"/>
+                  </a:lnTo>
+                  <a:lnTo>
+                    <a:pt x="97205" y="207152"/>
+                  </a:lnTo>
+                  <a:lnTo>
+                    <a:pt x="97954" y="206477"/>
+                  </a:lnTo>
+                  <a:lnTo>
+                    <a:pt x="98629" y="205803"/>
+                  </a:lnTo>
+                  <a:lnTo>
+                    <a:pt x="99228" y="204978"/>
+                  </a:lnTo>
+                  <a:lnTo>
+                    <a:pt x="99753" y="204154"/>
+                  </a:lnTo>
+                  <a:lnTo>
+                    <a:pt x="100203" y="203180"/>
+                  </a:lnTo>
+                  <a:lnTo>
+                    <a:pt x="100577" y="202280"/>
+                  </a:lnTo>
+                  <a:lnTo>
+                    <a:pt x="100802" y="201231"/>
+                  </a:lnTo>
+                  <a:lnTo>
+                    <a:pt x="100952" y="200257"/>
+                  </a:lnTo>
+                  <a:lnTo>
+                    <a:pt x="101027" y="199207"/>
+                  </a:lnTo>
+                  <a:lnTo>
+                    <a:pt x="101027" y="10343"/>
+                  </a:lnTo>
+                  <a:lnTo>
+                    <a:pt x="100952" y="9293"/>
+                  </a:lnTo>
+                  <a:lnTo>
+                    <a:pt x="100802" y="8319"/>
+                  </a:lnTo>
+                  <a:lnTo>
+                    <a:pt x="100577" y="7270"/>
+                  </a:lnTo>
+                  <a:lnTo>
+                    <a:pt x="100203" y="6370"/>
+                  </a:lnTo>
+                  <a:lnTo>
+                    <a:pt x="99753" y="5396"/>
+                  </a:lnTo>
+                  <a:lnTo>
+                    <a:pt x="99228" y="4572"/>
+                  </a:lnTo>
+                  <a:lnTo>
+                    <a:pt x="98629" y="3747"/>
+                  </a:lnTo>
+                  <a:lnTo>
+                    <a:pt x="97954" y="3073"/>
+                  </a:lnTo>
+                  <a:lnTo>
+                    <a:pt x="97205" y="2398"/>
+                  </a:lnTo>
+                  <a:lnTo>
+                    <a:pt x="96455" y="1799"/>
+                  </a:lnTo>
+                  <a:lnTo>
+                    <a:pt x="95556" y="1274"/>
+                  </a:lnTo>
+                  <a:lnTo>
+                    <a:pt x="94657" y="824"/>
+                  </a:lnTo>
+                  <a:lnTo>
+                    <a:pt x="93682" y="450"/>
+                  </a:lnTo>
+                  <a:lnTo>
+                    <a:pt x="92708" y="225"/>
+                  </a:lnTo>
+                  <a:lnTo>
+                    <a:pt x="91659" y="75"/>
+                  </a:lnTo>
+                  <a:lnTo>
+                    <a:pt x="90610" y="0"/>
+                  </a:lnTo>
+                  <a:close/>
+                </a:path>
+              </a:pathLst>
+            </a:custGeom>
+            <a:solidFill>
+              <a:schemeClr val="dk1"/>
+            </a:solidFill>
+            <a:ln>
+              <a:noFill/>
+            </a:ln>
+          </p:spPr>
+          <p:txBody>
+            <a:bodyPr spcFirstLastPara="1" wrap="square" lIns="91425" tIns="91425" rIns="91425" bIns="91425" anchor="ctr" anchorCtr="0">
+              <a:noAutofit/>
+            </a:bodyPr>
+            <a:lstStyle/>
+            <a:p>
+              <a:pPr marL="0" lvl="0" indent="0" algn="l" rtl="0">
+                <a:spcBef>
+                  <a:spcPts val="0"/>
+                </a:spcBef>
+                <a:spcAft>
+                  <a:spcPts val="0"/>
+                </a:spcAft>
+                <a:buNone/>
+              </a:pPr>
+              <a:endParaRPr/>
+            </a:p>
+          </p:txBody>
+        </p:sp>
+        <p:sp>
+          <p:nvSpPr>
+            <p:cNvPr id="268" name="Google Shape;268;p31"/>
+            <p:cNvSpPr/>
+            <p:nvPr/>
+          </p:nvSpPr>
+          <p:spPr>
+            <a:xfrm>
+              <a:off x="6200687" y="4493184"/>
+              <a:ext cx="422999" cy="150972"/>
+            </a:xfrm>
+            <a:custGeom>
+              <a:avLst/>
+              <a:gdLst/>
+              <a:ahLst/>
+              <a:cxnLst/>
+              <a:rect l="l" t="t" r="r" b="b"/>
+              <a:pathLst>
+                <a:path w="20162" h="7196" extrusionOk="0">
+                  <a:moveTo>
+                    <a:pt x="3598" y="0"/>
+                  </a:moveTo>
+                  <a:lnTo>
+                    <a:pt x="2849" y="75"/>
+                  </a:lnTo>
+                  <a:lnTo>
+                    <a:pt x="2174" y="300"/>
+                  </a:lnTo>
+                  <a:lnTo>
+                    <a:pt x="1575" y="600"/>
+                  </a:lnTo>
+                  <a:lnTo>
+                    <a:pt x="1050" y="1050"/>
+                  </a:lnTo>
+                  <a:lnTo>
+                    <a:pt x="600" y="1574"/>
+                  </a:lnTo>
+                  <a:lnTo>
+                    <a:pt x="301" y="2174"/>
+                  </a:lnTo>
+                  <a:lnTo>
+                    <a:pt x="76" y="2848"/>
+                  </a:lnTo>
+                  <a:lnTo>
+                    <a:pt x="1" y="3598"/>
+                  </a:lnTo>
+                  <a:lnTo>
+                    <a:pt x="76" y="4347"/>
+                  </a:lnTo>
+                  <a:lnTo>
+                    <a:pt x="301" y="5022"/>
+                  </a:lnTo>
+                  <a:lnTo>
+                    <a:pt x="600" y="5621"/>
+                  </a:lnTo>
+                  <a:lnTo>
+                    <a:pt x="1050" y="6146"/>
+                  </a:lnTo>
+                  <a:lnTo>
+                    <a:pt x="1575" y="6596"/>
+                  </a:lnTo>
+                  <a:lnTo>
+                    <a:pt x="2174" y="6896"/>
+                  </a:lnTo>
+                  <a:lnTo>
+                    <a:pt x="2849" y="7120"/>
+                  </a:lnTo>
+                  <a:lnTo>
+                    <a:pt x="3598" y="7195"/>
+                  </a:lnTo>
+                  <a:lnTo>
+                    <a:pt x="16639" y="7195"/>
+                  </a:lnTo>
+                  <a:lnTo>
+                    <a:pt x="17313" y="7120"/>
+                  </a:lnTo>
+                  <a:lnTo>
+                    <a:pt x="17988" y="6896"/>
+                  </a:lnTo>
+                  <a:lnTo>
+                    <a:pt x="18587" y="6596"/>
+                  </a:lnTo>
+                  <a:lnTo>
+                    <a:pt x="19112" y="6146"/>
+                  </a:lnTo>
+                  <a:lnTo>
+                    <a:pt x="19562" y="5621"/>
+                  </a:lnTo>
+                  <a:lnTo>
+                    <a:pt x="19861" y="5022"/>
+                  </a:lnTo>
+                  <a:lnTo>
+                    <a:pt x="20086" y="4347"/>
+                  </a:lnTo>
+                  <a:lnTo>
+                    <a:pt x="20161" y="3598"/>
+                  </a:lnTo>
+                  <a:lnTo>
+                    <a:pt x="20086" y="2848"/>
+                  </a:lnTo>
+                  <a:lnTo>
+                    <a:pt x="19861" y="2174"/>
+                  </a:lnTo>
+                  <a:lnTo>
+                    <a:pt x="19562" y="1574"/>
+                  </a:lnTo>
+                  <a:lnTo>
+                    <a:pt x="19112" y="1050"/>
+                  </a:lnTo>
+                  <a:lnTo>
+                    <a:pt x="18587" y="600"/>
+                  </a:lnTo>
+                  <a:lnTo>
+                    <a:pt x="17988" y="300"/>
+                  </a:lnTo>
+                  <a:lnTo>
+                    <a:pt x="17313" y="75"/>
+                  </a:lnTo>
+                  <a:lnTo>
+                    <a:pt x="16639" y="0"/>
+                  </a:lnTo>
+                  <a:close/>
+                </a:path>
+              </a:pathLst>
+            </a:custGeom>
+            <a:solidFill>
+              <a:schemeClr val="dk2"/>
+            </a:solidFill>
+            <a:ln>
+              <a:noFill/>
+            </a:ln>
+          </p:spPr>
+          <p:txBody>
+            <a:bodyPr spcFirstLastPara="1" wrap="square" lIns="91425" tIns="91425" rIns="91425" bIns="91425" anchor="ctr" anchorCtr="0">
+              <a:noAutofit/>
+            </a:bodyPr>
+            <a:lstStyle/>
+            <a:p>
+              <a:pPr marL="0" lvl="0" indent="0" algn="l" rtl="0">
+                <a:spcBef>
+                  <a:spcPts val="0"/>
+                </a:spcBef>
+                <a:spcAft>
+                  <a:spcPts val="0"/>
+                </a:spcAft>
+                <a:buNone/>
+              </a:pPr>
+              <a:endParaRPr/>
+            </a:p>
+          </p:txBody>
+        </p:sp>
+        <p:sp>
+          <p:nvSpPr>
+            <p:cNvPr id="269" name="Google Shape;269;p31"/>
+            <p:cNvSpPr/>
+            <p:nvPr/>
+          </p:nvSpPr>
+          <p:spPr>
+            <a:xfrm>
+              <a:off x="5739987" y="529223"/>
+              <a:ext cx="83354" cy="83354"/>
+            </a:xfrm>
+            <a:custGeom>
+              <a:avLst/>
+              <a:gdLst/>
+              <a:ahLst/>
+              <a:cxnLst/>
+              <a:rect l="l" t="t" r="r" b="b"/>
+              <a:pathLst>
+                <a:path w="3973" h="3973" extrusionOk="0">
+                  <a:moveTo>
+                    <a:pt x="2024" y="1"/>
+                  </a:moveTo>
+                  <a:lnTo>
+                    <a:pt x="1575" y="76"/>
+                  </a:lnTo>
+                  <a:lnTo>
+                    <a:pt x="1200" y="151"/>
+                  </a:lnTo>
+                  <a:lnTo>
+                    <a:pt x="900" y="375"/>
+                  </a:lnTo>
+                  <a:lnTo>
+                    <a:pt x="600" y="600"/>
+                  </a:lnTo>
+                  <a:lnTo>
+                    <a:pt x="375" y="900"/>
+                  </a:lnTo>
+                  <a:lnTo>
+                    <a:pt x="151" y="1200"/>
+                  </a:lnTo>
+                  <a:lnTo>
+                    <a:pt x="76" y="1575"/>
+                  </a:lnTo>
+                  <a:lnTo>
+                    <a:pt x="1" y="2024"/>
+                  </a:lnTo>
+                  <a:lnTo>
+                    <a:pt x="76" y="2399"/>
+                  </a:lnTo>
+                  <a:lnTo>
+                    <a:pt x="151" y="2774"/>
+                  </a:lnTo>
+                  <a:lnTo>
+                    <a:pt x="375" y="3073"/>
+                  </a:lnTo>
+                  <a:lnTo>
+                    <a:pt x="600" y="3373"/>
+                  </a:lnTo>
+                  <a:lnTo>
+                    <a:pt x="900" y="3673"/>
+                  </a:lnTo>
+                  <a:lnTo>
+                    <a:pt x="1200" y="3823"/>
+                  </a:lnTo>
+                  <a:lnTo>
+                    <a:pt x="1575" y="3973"/>
+                  </a:lnTo>
+                  <a:lnTo>
+                    <a:pt x="2399" y="3973"/>
+                  </a:lnTo>
+                  <a:lnTo>
+                    <a:pt x="2774" y="3823"/>
+                  </a:lnTo>
+                  <a:lnTo>
+                    <a:pt x="3073" y="3673"/>
+                  </a:lnTo>
+                  <a:lnTo>
+                    <a:pt x="3373" y="3373"/>
+                  </a:lnTo>
+                  <a:lnTo>
+                    <a:pt x="3598" y="3073"/>
+                  </a:lnTo>
+                  <a:lnTo>
+                    <a:pt x="3823" y="2774"/>
+                  </a:lnTo>
+                  <a:lnTo>
+                    <a:pt x="3898" y="2399"/>
+                  </a:lnTo>
+                  <a:lnTo>
+                    <a:pt x="3973" y="2024"/>
+                  </a:lnTo>
+                  <a:lnTo>
+                    <a:pt x="3898" y="1575"/>
+                  </a:lnTo>
+                  <a:lnTo>
+                    <a:pt x="3823" y="1200"/>
+                  </a:lnTo>
+                  <a:lnTo>
+                    <a:pt x="3598" y="900"/>
+                  </a:lnTo>
+                  <a:lnTo>
+                    <a:pt x="3373" y="600"/>
+                  </a:lnTo>
+                  <a:lnTo>
+                    <a:pt x="3073" y="375"/>
+                  </a:lnTo>
+                  <a:lnTo>
+                    <a:pt x="2774" y="151"/>
+                  </a:lnTo>
+                  <a:lnTo>
+                    <a:pt x="2399" y="76"/>
+                  </a:lnTo>
+                  <a:lnTo>
+                    <a:pt x="2024" y="1"/>
+                  </a:lnTo>
+                  <a:close/>
+                </a:path>
+              </a:pathLst>
+            </a:custGeom>
+            <a:solidFill>
+              <a:schemeClr val="dk2"/>
+            </a:solidFill>
+            <a:ln>
+              <a:noFill/>
+            </a:ln>
+          </p:spPr>
+          <p:txBody>
+            <a:bodyPr spcFirstLastPara="1" wrap="square" lIns="91425" tIns="91425" rIns="91425" bIns="91425" anchor="ctr" anchorCtr="0">
+              <a:noAutofit/>
+            </a:bodyPr>
+            <a:lstStyle/>
+            <a:p>
+              <a:pPr marL="0" lvl="0" indent="0" algn="l" rtl="0">
+                <a:spcBef>
+                  <a:spcPts val="0"/>
+                </a:spcBef>
+                <a:spcAft>
+                  <a:spcPts val="0"/>
+                </a:spcAft>
+                <a:buNone/>
+              </a:pPr>
+              <a:endParaRPr/>
+            </a:p>
+          </p:txBody>
+        </p:sp>
+        <p:sp>
+          <p:nvSpPr>
+            <p:cNvPr id="270" name="Google Shape;270;p31"/>
+            <p:cNvSpPr/>
+            <p:nvPr/>
+          </p:nvSpPr>
+          <p:spPr>
+            <a:xfrm>
+              <a:off x="6208555" y="538664"/>
+              <a:ext cx="408837" cy="64493"/>
+            </a:xfrm>
+            <a:custGeom>
+              <a:avLst/>
+              <a:gdLst/>
+              <a:ahLst/>
+              <a:cxnLst/>
+              <a:rect l="l" t="t" r="r" b="b"/>
+              <a:pathLst>
+                <a:path w="19487" h="3074" extrusionOk="0">
+                  <a:moveTo>
+                    <a:pt x="1275" y="0"/>
+                  </a:moveTo>
+                  <a:lnTo>
+                    <a:pt x="1050" y="75"/>
+                  </a:lnTo>
+                  <a:lnTo>
+                    <a:pt x="750" y="150"/>
+                  </a:lnTo>
+                  <a:lnTo>
+                    <a:pt x="525" y="300"/>
+                  </a:lnTo>
+                  <a:lnTo>
+                    <a:pt x="375" y="450"/>
+                  </a:lnTo>
+                  <a:lnTo>
+                    <a:pt x="225" y="675"/>
+                  </a:lnTo>
+                  <a:lnTo>
+                    <a:pt x="75" y="975"/>
+                  </a:lnTo>
+                  <a:lnTo>
+                    <a:pt x="1" y="1274"/>
+                  </a:lnTo>
+                  <a:lnTo>
+                    <a:pt x="1" y="1574"/>
+                  </a:lnTo>
+                  <a:lnTo>
+                    <a:pt x="1" y="1874"/>
+                  </a:lnTo>
+                  <a:lnTo>
+                    <a:pt x="75" y="2174"/>
+                  </a:lnTo>
+                  <a:lnTo>
+                    <a:pt x="225" y="2399"/>
+                  </a:lnTo>
+                  <a:lnTo>
+                    <a:pt x="375" y="2623"/>
+                  </a:lnTo>
+                  <a:lnTo>
+                    <a:pt x="525" y="2773"/>
+                  </a:lnTo>
+                  <a:lnTo>
+                    <a:pt x="750" y="2923"/>
+                  </a:lnTo>
+                  <a:lnTo>
+                    <a:pt x="1050" y="2998"/>
+                  </a:lnTo>
+                  <a:lnTo>
+                    <a:pt x="1275" y="3073"/>
+                  </a:lnTo>
+                  <a:lnTo>
+                    <a:pt x="18137" y="3073"/>
+                  </a:lnTo>
+                  <a:lnTo>
+                    <a:pt x="18437" y="2998"/>
+                  </a:lnTo>
+                  <a:lnTo>
+                    <a:pt x="18662" y="2923"/>
+                  </a:lnTo>
+                  <a:lnTo>
+                    <a:pt x="18887" y="2773"/>
+                  </a:lnTo>
+                  <a:lnTo>
+                    <a:pt x="19112" y="2623"/>
+                  </a:lnTo>
+                  <a:lnTo>
+                    <a:pt x="19262" y="2399"/>
+                  </a:lnTo>
+                  <a:lnTo>
+                    <a:pt x="19337" y="2174"/>
+                  </a:lnTo>
+                  <a:lnTo>
+                    <a:pt x="19412" y="1874"/>
+                  </a:lnTo>
+                  <a:lnTo>
+                    <a:pt x="19486" y="1574"/>
+                  </a:lnTo>
+                  <a:lnTo>
+                    <a:pt x="19412" y="1274"/>
+                  </a:lnTo>
+                  <a:lnTo>
+                    <a:pt x="19337" y="975"/>
+                  </a:lnTo>
+                  <a:lnTo>
+                    <a:pt x="19262" y="675"/>
+                  </a:lnTo>
+                  <a:lnTo>
+                    <a:pt x="19112" y="450"/>
+                  </a:lnTo>
+                  <a:lnTo>
+                    <a:pt x="18887" y="300"/>
+                  </a:lnTo>
+                  <a:lnTo>
+                    <a:pt x="18662" y="150"/>
+                  </a:lnTo>
+                  <a:lnTo>
+                    <a:pt x="18437" y="75"/>
+                  </a:lnTo>
+                  <a:lnTo>
+                    <a:pt x="18137" y="0"/>
+                  </a:lnTo>
+                  <a:close/>
+                </a:path>
+              </a:pathLst>
+            </a:custGeom>
+            <a:solidFill>
+              <a:schemeClr val="dk2"/>
+            </a:solidFill>
+            <a:ln>
+              <a:noFill/>
+            </a:ln>
+          </p:spPr>
+          <p:txBody>
+            <a:bodyPr spcFirstLastPara="1" wrap="square" lIns="91425" tIns="91425" rIns="91425" bIns="91425" anchor="ctr" anchorCtr="0">
+              <a:noAutofit/>
+            </a:bodyPr>
+            <a:lstStyle/>
+            <a:p>
+              <a:pPr marL="0" lvl="0" indent="0" algn="l" rtl="0">
+                <a:spcBef>
+                  <a:spcPts val="0"/>
+                </a:spcBef>
+                <a:spcAft>
+                  <a:spcPts val="0"/>
+                </a:spcAft>
+                <a:buNone/>
+              </a:pPr>
+              <a:endParaRPr/>
+            </a:p>
+          </p:txBody>
+        </p:sp>
+      </p:grpSp>
+      <p:pic>
+        <p:nvPicPr>
+          <p:cNvPr id="271" name="Google Shape;271;p31"/>
+          <p:cNvPicPr preferRelativeResize="0"/>
+          <p:nvPr/>
+        </p:nvPicPr>
+        <p:blipFill rotWithShape="1">
+          <a:blip r:embed="rId3">
+            <a:alphaModFix/>
+          </a:blip>
+          <a:srcRect b="23786"/>
+          <a:stretch/>
+        </p:blipFill>
+        <p:spPr>
+          <a:xfrm>
+            <a:off x="5580684" y="865501"/>
+            <a:ext cx="1943222" cy="3297484"/>
+          </a:xfrm>
+          <a:prstGeom prst="rect">
+            <a:avLst/>
+          </a:prstGeom>
+          <a:noFill/>
+          <a:ln>
+            <a:noFill/>
+          </a:ln>
+        </p:spPr>
+      </p:pic>
+    </p:spTree>
+  </p:cSld>
+  <p:clrMapOvr>
+    <a:masterClrMapping/>
+  </p:clrMapOvr>
+  <p:timing>
+    <p:tnLst>
+      <p:par>
+        <p:cTn id="1" dur="indefinite" restart="never" nodeType="tmRoot"/>
+      </p:par>
+    </p:tnLst>
+  </p:timing>
+</p:sld>
+</file>
+
+<file path=ppt/slides/slide6.xml><?xml version="1.0" encoding="utf-8"?>
+<p:sld xmlns:a="http://schemas.openxmlformats.org/drawingml/2006/main" xmlns:r="http://schemas.openxmlformats.org/officeDocument/2006/relationships" xmlns:p="http://schemas.openxmlformats.org/presentationml/2006/main">
+  <p:cSld>
+    <p:spTree>
+      <p:nvGrpSpPr>
+        <p:cNvPr id="1" name="Shape 84"/>
+        <p:cNvGrpSpPr/>
+        <p:nvPr/>
+      </p:nvGrpSpPr>
+      <p:grpSpPr>
+        <a:xfrm>
+          <a:off x="0" y="0"/>
+          <a:ext cx="0" cy="0"/>
+          <a:chOff x="0" y="0"/>
+          <a:chExt cx="0" cy="0"/>
+        </a:xfrm>
+      </p:grpSpPr>
+      <p:sp>
+        <p:nvSpPr>
+          <p:cNvPr id="85" name="Google Shape;85;p17"/>
+          <p:cNvSpPr txBox="1">
+            <a:spLocks noGrp="1"/>
+          </p:cNvSpPr>
+          <p:nvPr>
+            <p:ph type="title"/>
+          </p:nvPr>
+        </p:nvSpPr>
+        <p:spPr>
+          <a:xfrm>
+            <a:off x="930600" y="886016"/>
+            <a:ext cx="7282800" cy="605557"/>
+          </a:xfrm>
+          <a:prstGeom prst="rect">
+            <a:avLst/>
+          </a:prstGeom>
+        </p:spPr>
+        <p:txBody>
+          <a:bodyPr spcFirstLastPara="1" wrap="square" lIns="0" tIns="0" rIns="0" bIns="0" anchor="b" anchorCtr="0">
+            <a:noAutofit/>
+          </a:bodyPr>
+          <a:lstStyle/>
+          <a:p>
+            <a:pPr marL="0" lvl="0" indent="0" algn="l" rtl="0">
+              <a:spcBef>
+                <a:spcPts val="0"/>
+              </a:spcBef>
+              <a:spcAft>
+                <a:spcPts val="0"/>
+              </a:spcAft>
+              <a:buNone/>
+            </a:pPr>
+            <a:r>
+              <a:rPr lang="en-US" dirty="0" smtClean="0"/>
+              <a:t>What is React Native ? (Introduction)</a:t>
+            </a:r>
+            <a:endParaRPr dirty="0"/>
+          </a:p>
+        </p:txBody>
+      </p:sp>
+      <p:sp>
+        <p:nvSpPr>
+          <p:cNvPr id="86" name="Google Shape;86;p17"/>
+          <p:cNvSpPr txBox="1">
+            <a:spLocks noGrp="1"/>
+          </p:cNvSpPr>
+          <p:nvPr>
+            <p:ph type="body" idx="1"/>
+          </p:nvPr>
+        </p:nvSpPr>
+        <p:spPr>
+          <a:xfrm>
+            <a:off x="680936" y="1415684"/>
+            <a:ext cx="7532464" cy="2585627"/>
+          </a:xfrm>
+          <a:prstGeom prst="rect">
+            <a:avLst/>
+          </a:prstGeom>
+        </p:spPr>
+        <p:txBody>
+          <a:bodyPr spcFirstLastPara="1" wrap="square" lIns="0" tIns="0" rIns="0" bIns="0" anchor="t" anchorCtr="0">
+            <a:noAutofit/>
+          </a:bodyPr>
+          <a:lstStyle/>
+          <a:p>
+            <a:pPr marL="457200" lvl="0" indent="-381000" algn="l" rtl="0">
+              <a:spcBef>
+                <a:spcPts val="600"/>
+              </a:spcBef>
+              <a:spcAft>
+                <a:spcPts val="0"/>
+              </a:spcAft>
+              <a:buSzPts val="2400"/>
+              <a:buChar char="▪"/>
+            </a:pPr>
+            <a:r>
+              <a:rPr lang="en-US" dirty="0" smtClean="0"/>
+              <a:t>React native is UI-Software Framework.</a:t>
+            </a:r>
+            <a:endParaRPr dirty="0"/>
+          </a:p>
+          <a:p>
+            <a:pPr marL="457200" lvl="0" indent="-381000" algn="l" rtl="0">
+              <a:spcBef>
+                <a:spcPts val="0"/>
+              </a:spcBef>
+              <a:spcAft>
+                <a:spcPts val="0"/>
+              </a:spcAft>
+              <a:buSzPts val="2400"/>
+              <a:buChar char="▪"/>
+            </a:pPr>
+            <a:r>
+              <a:rPr lang="en-US" dirty="0" smtClean="0"/>
+              <a:t>It can create IOS and Android app.</a:t>
+            </a:r>
+            <a:endParaRPr dirty="0"/>
+          </a:p>
+          <a:p>
+            <a:pPr marL="457200" lvl="0" indent="-381000" algn="l" rtl="0">
+              <a:spcBef>
+                <a:spcPts val="0"/>
+              </a:spcBef>
+              <a:spcAft>
+                <a:spcPts val="0"/>
+              </a:spcAft>
+              <a:buSzPts val="2400"/>
+              <a:buChar char="▪"/>
+            </a:pPr>
+            <a:r>
+              <a:rPr lang="en-US" dirty="0" smtClean="0"/>
+              <a:t>It uses JavaScript to write code.</a:t>
+            </a:r>
+            <a:endParaRPr dirty="0"/>
+          </a:p>
+          <a:p>
+            <a:pPr marL="0" lvl="0" indent="0" algn="l" rtl="0">
+              <a:spcBef>
+                <a:spcPts val="600"/>
+              </a:spcBef>
+              <a:spcAft>
+                <a:spcPts val="0"/>
+              </a:spcAft>
+              <a:buNone/>
+            </a:pPr>
+            <a:r>
+              <a:rPr lang="en" dirty="0" smtClean="0"/>
+              <a:t>It more liked one when its come in market and Lots of companies are Hiring Developers. </a:t>
+            </a:r>
+            <a:endParaRPr dirty="0"/>
+          </a:p>
+        </p:txBody>
+      </p:sp>
+      <p:sp>
+        <p:nvSpPr>
+          <p:cNvPr id="87" name="Google Shape;87;p17"/>
+          <p:cNvSpPr txBox="1">
+            <a:spLocks noGrp="1"/>
+          </p:cNvSpPr>
+          <p:nvPr>
+            <p:ph type="sldNum" idx="12"/>
+          </p:nvPr>
+        </p:nvSpPr>
+        <p:spPr>
+          <a:xfrm>
+            <a:off x="8213401" y="4248586"/>
+            <a:ext cx="465300" cy="474300"/>
+          </a:xfrm>
+          <a:prstGeom prst="rect">
+            <a:avLst/>
+          </a:prstGeom>
+        </p:spPr>
+        <p:txBody>
+          <a:bodyPr spcFirstLastPara="1" wrap="square" lIns="0" tIns="0" rIns="0" bIns="0" anchor="b" anchorCtr="0">
+            <a:noAutofit/>
+          </a:bodyPr>
+          <a:lstStyle/>
+          <a:p>
+            <a:pPr marL="0" lvl="0" indent="0" algn="r" rtl="0">
+              <a:spcBef>
+                <a:spcPts val="0"/>
+              </a:spcBef>
+              <a:spcAft>
+                <a:spcPts val="0"/>
+              </a:spcAft>
+              <a:buNone/>
+            </a:pPr>
+            <a:fld id="{00000000-1234-1234-1234-123412341234}" type="slidenum">
+              <a:rPr lang="en"/>
+              <a:t>6</a:t>
+            </a:fld>
+            <a:endParaRPr/>
+          </a:p>
+        </p:txBody>
+      </p:sp>
+    </p:spTree>
+  </p:cSld>
+  <p:clrMapOvr>
+    <a:masterClrMapping/>
+  </p:clrMapOvr>
+  <p:timing>
+    <p:tnLst>
+      <p:par>
+        <p:cTn id="1" dur="indefinite" restart="never" nodeType="tmRoot"/>
+      </p:par>
+    </p:tnLst>
+  </p:timing>
+</p:sld>
+</file>
+
+<file path=ppt/slides/slide7.xml><?xml version="1.0" encoding="utf-8"?>
 <p:sld xmlns:a="http://schemas.openxmlformats.org/drawingml/2006/main" xmlns:r="http://schemas.openxmlformats.org/officeDocument/2006/relationships" xmlns:p="http://schemas.openxmlformats.org/presentationml/2006/main">
   <p:cSld>
     <p:spTree>
@@ -15121,890 +17701,7 @@
 </p:sld>
 </file>
 
-<file path=ppt/slides/slide6.xml><?xml version="1.0" encoding="utf-8"?>
-<p:sld xmlns:a="http://schemas.openxmlformats.org/drawingml/2006/main" xmlns:r="http://schemas.openxmlformats.org/officeDocument/2006/relationships" xmlns:p="http://schemas.openxmlformats.org/presentationml/2006/main">
-  <p:cSld>
-    <p:spTree>
-      <p:nvGrpSpPr>
-        <p:cNvPr id="1" name="Shape 142"/>
-        <p:cNvGrpSpPr/>
-        <p:nvPr/>
-      </p:nvGrpSpPr>
-      <p:grpSpPr>
-        <a:xfrm>
-          <a:off x="0" y="0"/>
-          <a:ext cx="0" cy="0"/>
-          <a:chOff x="0" y="0"/>
-          <a:chExt cx="0" cy="0"/>
-        </a:xfrm>
-      </p:grpSpPr>
-      <p:sp>
-        <p:nvSpPr>
-          <p:cNvPr id="143" name="Google Shape;143;p23"/>
-          <p:cNvSpPr txBox="1">
-            <a:spLocks noGrp="1"/>
-          </p:cNvSpPr>
-          <p:nvPr>
-            <p:ph type="title"/>
-          </p:nvPr>
-        </p:nvSpPr>
-        <p:spPr>
-          <a:xfrm>
-            <a:off x="930600" y="886017"/>
-            <a:ext cx="7282800" cy="364200"/>
-          </a:xfrm>
-          <a:prstGeom prst="rect">
-            <a:avLst/>
-          </a:prstGeom>
-        </p:spPr>
-        <p:txBody>
-          <a:bodyPr spcFirstLastPara="1" wrap="square" lIns="0" tIns="0" rIns="0" bIns="0" anchor="b" anchorCtr="0">
-            <a:noAutofit/>
-          </a:bodyPr>
-          <a:lstStyle/>
-          <a:p>
-            <a:pPr marL="0" lvl="0" indent="0" algn="l" rtl="0">
-              <a:spcBef>
-                <a:spcPts val="0"/>
-              </a:spcBef>
-              <a:spcAft>
-                <a:spcPts val="0"/>
-              </a:spcAft>
-              <a:buNone/>
-            </a:pPr>
-            <a:r>
-              <a:rPr lang="en" dirty="0" smtClean="0"/>
-              <a:t>React Native is Just A Framework</a:t>
-            </a:r>
-            <a:endParaRPr dirty="0"/>
-          </a:p>
-        </p:txBody>
-      </p:sp>
-      <p:sp>
-        <p:nvSpPr>
-          <p:cNvPr id="144" name="Google Shape;144;p23"/>
-          <p:cNvSpPr txBox="1">
-            <a:spLocks noGrp="1"/>
-          </p:cNvSpPr>
-          <p:nvPr>
-            <p:ph type="sldNum" idx="12"/>
-          </p:nvPr>
-        </p:nvSpPr>
-        <p:spPr>
-          <a:xfrm>
-            <a:off x="8213401" y="4248586"/>
-            <a:ext cx="465300" cy="474300"/>
-          </a:xfrm>
-          <a:prstGeom prst="rect">
-            <a:avLst/>
-          </a:prstGeom>
-        </p:spPr>
-        <p:txBody>
-          <a:bodyPr spcFirstLastPara="1" wrap="square" lIns="0" tIns="0" rIns="0" bIns="0" anchor="b" anchorCtr="0">
-            <a:noAutofit/>
-          </a:bodyPr>
-          <a:lstStyle/>
-          <a:p>
-            <a:pPr marL="0" lvl="0" indent="0" algn="r" rtl="0">
-              <a:spcBef>
-                <a:spcPts val="0"/>
-              </a:spcBef>
-              <a:spcAft>
-                <a:spcPts val="0"/>
-              </a:spcAft>
-              <a:buNone/>
-            </a:pPr>
-            <a:fld id="{00000000-1234-1234-1234-123412341234}" type="slidenum">
-              <a:rPr lang="en"/>
-              <a:t>6</a:t>
-            </a:fld>
-            <a:endParaRPr/>
-          </a:p>
-        </p:txBody>
-      </p:sp>
-      <p:cxnSp>
-        <p:nvCxnSpPr>
-          <p:cNvPr id="145" name="Google Shape;145;p23"/>
-          <p:cNvCxnSpPr>
-            <a:stCxn id="146" idx="2"/>
-            <a:endCxn id="147" idx="0"/>
-          </p:cNvCxnSpPr>
-          <p:nvPr/>
-        </p:nvCxnSpPr>
-        <p:spPr>
-          <a:xfrm rot="-5400000" flipH="1">
-            <a:off x="5265450" y="1298175"/>
-            <a:ext cx="517800" cy="1904700"/>
-          </a:xfrm>
-          <a:prstGeom prst="bentConnector3">
-            <a:avLst>
-              <a:gd name="adj1" fmla="val 49995"/>
-            </a:avLst>
-          </a:prstGeom>
-          <a:noFill/>
-          <a:ln w="9525" cap="flat" cmpd="sng">
-            <a:solidFill>
-              <a:schemeClr val="accent3"/>
-            </a:solidFill>
-            <a:prstDash val="solid"/>
-            <a:round/>
-            <a:headEnd type="diamond" w="med" len="med"/>
-            <a:tailEnd type="diamond" w="med" len="med"/>
-          </a:ln>
-        </p:spPr>
-      </p:cxnSp>
-      <p:cxnSp>
-        <p:nvCxnSpPr>
-          <p:cNvPr id="148" name="Google Shape;148;p23"/>
-          <p:cNvCxnSpPr>
-            <a:stCxn id="149" idx="2"/>
-            <a:endCxn id="150" idx="0"/>
-          </p:cNvCxnSpPr>
-          <p:nvPr/>
-        </p:nvCxnSpPr>
-        <p:spPr>
-          <a:xfrm rot="16200000" flipH="1">
-            <a:off x="2816041" y="2887531"/>
-            <a:ext cx="640859" cy="938176"/>
-          </a:xfrm>
-          <a:prstGeom prst="bentConnector3">
-            <a:avLst>
-              <a:gd name="adj1" fmla="val 50000"/>
-            </a:avLst>
-          </a:prstGeom>
-          <a:noFill/>
-          <a:ln w="9525" cap="flat" cmpd="sng">
-            <a:solidFill>
-              <a:schemeClr val="accent4"/>
-            </a:solidFill>
-            <a:prstDash val="solid"/>
-            <a:round/>
-            <a:headEnd type="diamond" w="med" len="med"/>
-            <a:tailEnd type="diamond" w="med" len="med"/>
-          </a:ln>
-        </p:spPr>
-      </p:cxnSp>
-      <p:cxnSp>
-        <p:nvCxnSpPr>
-          <p:cNvPr id="151" name="Google Shape;151;p23"/>
-          <p:cNvCxnSpPr>
-            <a:stCxn id="152" idx="0"/>
-            <a:endCxn id="149" idx="2"/>
-          </p:cNvCxnSpPr>
-          <p:nvPr/>
-        </p:nvCxnSpPr>
-        <p:spPr>
-          <a:xfrm rot="5400000" flipH="1" flipV="1">
-            <a:off x="1892220" y="2901888"/>
-            <a:ext cx="640860" cy="909464"/>
-          </a:xfrm>
-          <a:prstGeom prst="bentConnector3">
-            <a:avLst>
-              <a:gd name="adj1" fmla="val 50000"/>
-            </a:avLst>
-          </a:prstGeom>
-          <a:noFill/>
-          <a:ln w="9525" cap="flat" cmpd="sng">
-            <a:solidFill>
-              <a:schemeClr val="accent4"/>
-            </a:solidFill>
-            <a:prstDash val="solid"/>
-            <a:round/>
-            <a:headEnd type="diamond" w="med" len="med"/>
-            <a:tailEnd type="diamond" w="med" len="med"/>
-          </a:ln>
-        </p:spPr>
-      </p:cxnSp>
-      <p:cxnSp>
-        <p:nvCxnSpPr>
-          <p:cNvPr id="153" name="Google Shape;153;p23"/>
-          <p:cNvCxnSpPr>
-            <a:stCxn id="147" idx="2"/>
-            <a:endCxn id="154" idx="0"/>
-          </p:cNvCxnSpPr>
-          <p:nvPr/>
-        </p:nvCxnSpPr>
-        <p:spPr>
-          <a:xfrm rot="-5400000" flipH="1">
-            <a:off x="6610868" y="2901940"/>
-            <a:ext cx="640800" cy="909300"/>
-          </a:xfrm>
-          <a:prstGeom prst="bentConnector3">
-            <a:avLst>
-              <a:gd name="adj1" fmla="val 50000"/>
-            </a:avLst>
-          </a:prstGeom>
-          <a:noFill/>
-          <a:ln w="9525" cap="flat" cmpd="sng">
-            <a:solidFill>
-              <a:schemeClr val="accent5"/>
-            </a:solidFill>
-            <a:prstDash val="solid"/>
-            <a:round/>
-            <a:headEnd type="diamond" w="med" len="med"/>
-            <a:tailEnd type="diamond" w="med" len="med"/>
-          </a:ln>
-        </p:spPr>
-      </p:cxnSp>
-      <p:cxnSp>
-        <p:nvCxnSpPr>
-          <p:cNvPr id="155" name="Google Shape;155;p23"/>
-          <p:cNvCxnSpPr>
-            <a:stCxn id="156" idx="0"/>
-            <a:endCxn id="147" idx="2"/>
-          </p:cNvCxnSpPr>
-          <p:nvPr/>
-        </p:nvCxnSpPr>
-        <p:spPr>
-          <a:xfrm rot="-5400000">
-            <a:off x="5701486" y="2902000"/>
-            <a:ext cx="640800" cy="909300"/>
-          </a:xfrm>
-          <a:prstGeom prst="bentConnector3">
-            <a:avLst>
-              <a:gd name="adj1" fmla="val 50000"/>
-            </a:avLst>
-          </a:prstGeom>
-          <a:noFill/>
-          <a:ln w="9525" cap="flat" cmpd="sng">
-            <a:solidFill>
-              <a:schemeClr val="accent5"/>
-            </a:solidFill>
-            <a:prstDash val="solid"/>
-            <a:round/>
-            <a:headEnd type="diamond" w="med" len="med"/>
-            <a:tailEnd type="diamond" w="med" len="med"/>
-          </a:ln>
-        </p:spPr>
-      </p:cxnSp>
-      <p:cxnSp>
-        <p:nvCxnSpPr>
-          <p:cNvPr id="157" name="Google Shape;157;p23"/>
-          <p:cNvCxnSpPr>
-            <a:stCxn id="149" idx="0"/>
-            <a:endCxn id="146" idx="2"/>
-          </p:cNvCxnSpPr>
-          <p:nvPr/>
-        </p:nvCxnSpPr>
-        <p:spPr>
-          <a:xfrm rot="-5400000">
-            <a:off x="3360832" y="1298140"/>
-            <a:ext cx="517800" cy="1904700"/>
-          </a:xfrm>
-          <a:prstGeom prst="bentConnector3">
-            <a:avLst>
-              <a:gd name="adj1" fmla="val 49995"/>
-            </a:avLst>
-          </a:prstGeom>
-          <a:noFill/>
-          <a:ln w="9525" cap="flat" cmpd="sng">
-            <a:solidFill>
-              <a:schemeClr val="accent3"/>
-            </a:solidFill>
-            <a:prstDash val="solid"/>
-            <a:round/>
-            <a:headEnd type="diamond" w="med" len="med"/>
-            <a:tailEnd type="diamond" w="med" len="med"/>
-          </a:ln>
-        </p:spPr>
-      </p:cxnSp>
-      <p:sp>
-        <p:nvSpPr>
-          <p:cNvPr id="146" name="Google Shape;146;p23"/>
-          <p:cNvSpPr txBox="1"/>
-          <p:nvPr/>
-        </p:nvSpPr>
-        <p:spPr>
-          <a:xfrm>
-            <a:off x="3744600" y="1464825"/>
-            <a:ext cx="1654800" cy="526800"/>
-          </a:xfrm>
-          <a:prstGeom prst="rect">
-            <a:avLst/>
-          </a:prstGeom>
-          <a:noFill/>
-          <a:ln>
-            <a:noFill/>
-          </a:ln>
-        </p:spPr>
-        <p:txBody>
-          <a:bodyPr spcFirstLastPara="1" wrap="square" lIns="91425" tIns="91425" rIns="91425" bIns="91425" anchor="ctr" anchorCtr="0">
-            <a:noAutofit/>
-          </a:bodyPr>
-          <a:lstStyle/>
-          <a:p>
-            <a:pPr marL="0" lvl="0" indent="0" algn="ctr" rtl="0">
-              <a:spcBef>
-                <a:spcPts val="0"/>
-              </a:spcBef>
-              <a:spcAft>
-                <a:spcPts val="0"/>
-              </a:spcAft>
-              <a:buNone/>
-            </a:pPr>
-            <a:r>
-              <a:rPr lang="en-US" sz="1200" dirty="0" smtClean="0">
-                <a:solidFill>
-                  <a:schemeClr val="lt1"/>
-                </a:solidFill>
-                <a:latin typeface="Ubuntu Light"/>
-                <a:ea typeface="Ubuntu Light"/>
-                <a:cs typeface="Ubuntu Light"/>
-                <a:sym typeface="Ubuntu Light"/>
-              </a:rPr>
-              <a:t>React Native Code</a:t>
-            </a:r>
-            <a:endParaRPr sz="1200" dirty="0">
-              <a:solidFill>
-                <a:schemeClr val="lt1"/>
-              </a:solidFill>
-              <a:latin typeface="Ubuntu Light"/>
-              <a:ea typeface="Ubuntu Light"/>
-              <a:cs typeface="Ubuntu Light"/>
-              <a:sym typeface="Ubuntu Light"/>
-            </a:endParaRPr>
-          </a:p>
-        </p:txBody>
-      </p:sp>
-      <p:sp>
-        <p:nvSpPr>
-          <p:cNvPr id="149" name="Google Shape;149;p23"/>
-          <p:cNvSpPr txBox="1"/>
-          <p:nvPr/>
-        </p:nvSpPr>
-        <p:spPr>
-          <a:xfrm>
-            <a:off x="1839982" y="2509390"/>
-            <a:ext cx="1654800" cy="526800"/>
-          </a:xfrm>
-          <a:prstGeom prst="rect">
-            <a:avLst/>
-          </a:prstGeom>
-          <a:noFill/>
-          <a:ln>
-            <a:noFill/>
-          </a:ln>
-        </p:spPr>
-        <p:txBody>
-          <a:bodyPr spcFirstLastPara="1" wrap="square" lIns="91425" tIns="91425" rIns="91425" bIns="91425" anchor="ctr" anchorCtr="0">
-            <a:noAutofit/>
-          </a:bodyPr>
-          <a:lstStyle/>
-          <a:p>
-            <a:pPr marL="0" lvl="0" indent="0" algn="ctr" rtl="0">
-              <a:spcBef>
-                <a:spcPts val="0"/>
-              </a:spcBef>
-              <a:spcAft>
-                <a:spcPts val="0"/>
-              </a:spcAft>
-              <a:buNone/>
-            </a:pPr>
-            <a:r>
-              <a:rPr lang="en" sz="1200" dirty="0" smtClean="0">
-                <a:solidFill>
-                  <a:schemeClr val="lt1"/>
-                </a:solidFill>
-                <a:latin typeface="Ubuntu Light"/>
-                <a:ea typeface="Ubuntu Light"/>
-                <a:cs typeface="Ubuntu Light"/>
-                <a:sym typeface="Ubuntu Light"/>
-              </a:rPr>
-              <a:t>Expo App</a:t>
-            </a:r>
-            <a:endParaRPr sz="1200" dirty="0">
-              <a:solidFill>
-                <a:schemeClr val="lt1"/>
-              </a:solidFill>
-              <a:latin typeface="Ubuntu Light"/>
-              <a:ea typeface="Ubuntu Light"/>
-              <a:cs typeface="Ubuntu Light"/>
-              <a:sym typeface="Ubuntu Light"/>
-            </a:endParaRPr>
-          </a:p>
-        </p:txBody>
-      </p:sp>
-      <p:sp>
-        <p:nvSpPr>
-          <p:cNvPr id="147" name="Google Shape;147;p23"/>
-          <p:cNvSpPr txBox="1"/>
-          <p:nvPr/>
-        </p:nvSpPr>
-        <p:spPr>
-          <a:xfrm>
-            <a:off x="5649218" y="2509390"/>
-            <a:ext cx="1654800" cy="526800"/>
-          </a:xfrm>
-          <a:prstGeom prst="rect">
-            <a:avLst/>
-          </a:prstGeom>
-          <a:noFill/>
-          <a:ln>
-            <a:noFill/>
-          </a:ln>
-        </p:spPr>
-        <p:txBody>
-          <a:bodyPr spcFirstLastPara="1" wrap="square" lIns="91425" tIns="91425" rIns="91425" bIns="91425" anchor="ctr" anchorCtr="0">
-            <a:noAutofit/>
-          </a:bodyPr>
-          <a:lstStyle/>
-          <a:p>
-            <a:pPr marL="0" lvl="0" indent="0" algn="ctr" rtl="0">
-              <a:spcBef>
-                <a:spcPts val="0"/>
-              </a:spcBef>
-              <a:spcAft>
-                <a:spcPts val="0"/>
-              </a:spcAft>
-              <a:buNone/>
-            </a:pPr>
-            <a:r>
-              <a:rPr lang="en-US" sz="1200" dirty="0" smtClean="0">
-                <a:solidFill>
-                  <a:schemeClr val="lt1"/>
-                </a:solidFill>
-                <a:latin typeface="Ubuntu Light"/>
-                <a:ea typeface="Ubuntu Light"/>
-                <a:cs typeface="Ubuntu Light"/>
-                <a:sym typeface="Ubuntu Light"/>
-              </a:rPr>
-              <a:t>Native Modules </a:t>
-            </a:r>
-          </a:p>
-          <a:p>
-            <a:pPr marL="0" lvl="0" indent="0" algn="ctr" rtl="0">
-              <a:spcBef>
-                <a:spcPts val="0"/>
-              </a:spcBef>
-              <a:spcAft>
-                <a:spcPts val="0"/>
-              </a:spcAft>
-              <a:buNone/>
-            </a:pPr>
-            <a:r>
-              <a:rPr lang="en-US" sz="1200" dirty="0" smtClean="0">
-                <a:solidFill>
-                  <a:schemeClr val="lt1"/>
-                </a:solidFill>
-                <a:latin typeface="Ubuntu Light"/>
-                <a:ea typeface="Ubuntu Light"/>
-                <a:cs typeface="Ubuntu Light"/>
-                <a:sym typeface="Ubuntu Light"/>
-              </a:rPr>
-              <a:t>Implementation</a:t>
-            </a:r>
-            <a:endParaRPr sz="1200" dirty="0">
-              <a:solidFill>
-                <a:schemeClr val="lt1"/>
-              </a:solidFill>
-              <a:latin typeface="Ubuntu Light"/>
-              <a:ea typeface="Ubuntu Light"/>
-              <a:cs typeface="Ubuntu Light"/>
-              <a:sym typeface="Ubuntu Light"/>
-            </a:endParaRPr>
-          </a:p>
-        </p:txBody>
-      </p:sp>
-      <p:sp>
-        <p:nvSpPr>
-          <p:cNvPr id="154" name="Google Shape;154;p23"/>
-          <p:cNvSpPr txBox="1"/>
-          <p:nvPr/>
-        </p:nvSpPr>
-        <p:spPr>
-          <a:xfrm>
-            <a:off x="6558600" y="3677050"/>
-            <a:ext cx="1654800" cy="526800"/>
-          </a:xfrm>
-          <a:prstGeom prst="rect">
-            <a:avLst/>
-          </a:prstGeom>
-          <a:noFill/>
-          <a:ln>
-            <a:noFill/>
-          </a:ln>
-        </p:spPr>
-        <p:txBody>
-          <a:bodyPr spcFirstLastPara="1" wrap="square" lIns="91425" tIns="91425" rIns="91425" bIns="91425" anchor="ctr" anchorCtr="0">
-            <a:noAutofit/>
-          </a:bodyPr>
-          <a:lstStyle/>
-          <a:p>
-            <a:pPr marL="0" lvl="0" indent="0" algn="ctr" rtl="0">
-              <a:spcBef>
-                <a:spcPts val="0"/>
-              </a:spcBef>
-              <a:spcAft>
-                <a:spcPts val="0"/>
-              </a:spcAft>
-              <a:buNone/>
-            </a:pPr>
-            <a:r>
-              <a:rPr lang="en-US" sz="1200" dirty="0" smtClean="0">
-                <a:solidFill>
-                  <a:schemeClr val="lt1"/>
-                </a:solidFill>
-                <a:latin typeface="Ubuntu Light"/>
-                <a:ea typeface="Ubuntu Light"/>
-                <a:cs typeface="Ubuntu Light"/>
-                <a:sym typeface="Ubuntu Light"/>
-              </a:rPr>
-              <a:t>Creating IOS </a:t>
-            </a:r>
-          </a:p>
-          <a:p>
-            <a:pPr marL="0" lvl="0" indent="0" algn="ctr" rtl="0">
-              <a:spcBef>
-                <a:spcPts val="0"/>
-              </a:spcBef>
-              <a:spcAft>
-                <a:spcPts val="0"/>
-              </a:spcAft>
-              <a:buNone/>
-            </a:pPr>
-            <a:r>
-              <a:rPr lang="en-US" sz="1200" dirty="0" smtClean="0">
-                <a:solidFill>
-                  <a:schemeClr val="lt1"/>
-                </a:solidFill>
-                <a:latin typeface="Ubuntu Light"/>
-                <a:ea typeface="Ubuntu Light"/>
-                <a:cs typeface="Ubuntu Light"/>
-                <a:sym typeface="Ubuntu Light"/>
-              </a:rPr>
-              <a:t>Modules</a:t>
-            </a:r>
-            <a:endParaRPr sz="1200" dirty="0">
-              <a:solidFill>
-                <a:schemeClr val="lt1"/>
-              </a:solidFill>
-              <a:latin typeface="Ubuntu Light"/>
-              <a:ea typeface="Ubuntu Light"/>
-              <a:cs typeface="Ubuntu Light"/>
-              <a:sym typeface="Ubuntu Light"/>
-            </a:endParaRPr>
-          </a:p>
-        </p:txBody>
-      </p:sp>
-      <p:sp>
-        <p:nvSpPr>
-          <p:cNvPr id="156" name="Google Shape;156;p23"/>
-          <p:cNvSpPr txBox="1"/>
-          <p:nvPr/>
-        </p:nvSpPr>
-        <p:spPr>
-          <a:xfrm>
-            <a:off x="4739836" y="3677050"/>
-            <a:ext cx="1654800" cy="526800"/>
-          </a:xfrm>
-          <a:prstGeom prst="rect">
-            <a:avLst/>
-          </a:prstGeom>
-          <a:noFill/>
-          <a:ln>
-            <a:noFill/>
-          </a:ln>
-        </p:spPr>
-        <p:txBody>
-          <a:bodyPr spcFirstLastPara="1" wrap="square" lIns="91425" tIns="91425" rIns="91425" bIns="91425" anchor="ctr" anchorCtr="0">
-            <a:noAutofit/>
-          </a:bodyPr>
-          <a:lstStyle/>
-          <a:p>
-            <a:pPr marL="0" lvl="0" indent="0" algn="ctr" rtl="0">
-              <a:spcBef>
-                <a:spcPts val="0"/>
-              </a:spcBef>
-              <a:spcAft>
-                <a:spcPts val="0"/>
-              </a:spcAft>
-              <a:buNone/>
-            </a:pPr>
-            <a:r>
-              <a:rPr lang="en-US" sz="1200" dirty="0" smtClean="0">
-                <a:solidFill>
-                  <a:schemeClr val="lt1"/>
-                </a:solidFill>
-                <a:latin typeface="Ubuntu Light"/>
-                <a:ea typeface="Ubuntu Light"/>
-                <a:cs typeface="Ubuntu Light"/>
-                <a:sym typeface="Ubuntu Light"/>
-              </a:rPr>
-              <a:t>Creating Android</a:t>
-            </a:r>
-          </a:p>
-          <a:p>
-            <a:pPr marL="0" lvl="0" indent="0" algn="ctr" rtl="0">
-              <a:spcBef>
-                <a:spcPts val="0"/>
-              </a:spcBef>
-              <a:spcAft>
-                <a:spcPts val="0"/>
-              </a:spcAft>
-              <a:buNone/>
-            </a:pPr>
-            <a:r>
-              <a:rPr lang="en-US" sz="1200" dirty="0" smtClean="0">
-                <a:solidFill>
-                  <a:schemeClr val="lt1"/>
-                </a:solidFill>
-                <a:latin typeface="Ubuntu Light"/>
-                <a:ea typeface="Ubuntu Light"/>
-                <a:cs typeface="Ubuntu Light"/>
-                <a:sym typeface="Ubuntu Light"/>
-              </a:rPr>
-              <a:t>Modules</a:t>
-            </a:r>
-            <a:endParaRPr sz="1200" dirty="0">
-              <a:solidFill>
-                <a:schemeClr val="lt1"/>
-              </a:solidFill>
-              <a:latin typeface="Ubuntu Light"/>
-              <a:ea typeface="Ubuntu Light"/>
-              <a:cs typeface="Ubuntu Light"/>
-              <a:sym typeface="Ubuntu Light"/>
-            </a:endParaRPr>
-          </a:p>
-        </p:txBody>
-      </p:sp>
-      <p:sp>
-        <p:nvSpPr>
-          <p:cNvPr id="150" name="Google Shape;150;p23"/>
-          <p:cNvSpPr txBox="1"/>
-          <p:nvPr/>
-        </p:nvSpPr>
-        <p:spPr>
-          <a:xfrm>
-            <a:off x="2749363" y="3677049"/>
-            <a:ext cx="1712390" cy="618313"/>
-          </a:xfrm>
-          <a:prstGeom prst="rect">
-            <a:avLst/>
-          </a:prstGeom>
-          <a:noFill/>
-          <a:ln>
-            <a:noFill/>
-          </a:ln>
-        </p:spPr>
-        <p:txBody>
-          <a:bodyPr spcFirstLastPara="1" wrap="square" lIns="91425" tIns="91425" rIns="91425" bIns="91425" anchor="ctr" anchorCtr="0">
-            <a:noAutofit/>
-          </a:bodyPr>
-          <a:lstStyle/>
-          <a:p>
-            <a:pPr marL="0" lvl="0" indent="0" algn="ctr" rtl="0">
-              <a:spcBef>
-                <a:spcPts val="0"/>
-              </a:spcBef>
-              <a:spcAft>
-                <a:spcPts val="0"/>
-              </a:spcAft>
-              <a:buNone/>
-            </a:pPr>
-            <a:r>
-              <a:rPr lang="en-US" sz="1200" dirty="0" smtClean="0">
-                <a:solidFill>
-                  <a:schemeClr val="lt1"/>
-                </a:solidFill>
-                <a:latin typeface="Ubuntu Light"/>
-                <a:ea typeface="Ubuntu Light"/>
-                <a:cs typeface="Ubuntu Light"/>
-                <a:sym typeface="Ubuntu Light"/>
-              </a:rPr>
-              <a:t>Converts IOS </a:t>
-            </a:r>
-          </a:p>
-          <a:p>
-            <a:pPr marL="0" lvl="0" indent="0" algn="ctr" rtl="0">
-              <a:spcBef>
-                <a:spcPts val="0"/>
-              </a:spcBef>
-              <a:spcAft>
-                <a:spcPts val="0"/>
-              </a:spcAft>
-              <a:buNone/>
-            </a:pPr>
-            <a:r>
-              <a:rPr lang="en-US" sz="1200" dirty="0" smtClean="0">
-                <a:solidFill>
-                  <a:schemeClr val="lt1"/>
-                </a:solidFill>
-                <a:latin typeface="Ubuntu Light"/>
-                <a:ea typeface="Ubuntu Light"/>
-                <a:cs typeface="Ubuntu Light"/>
-                <a:sym typeface="Ubuntu Light"/>
-              </a:rPr>
-              <a:t>Code </a:t>
-            </a:r>
-          </a:p>
-          <a:p>
-            <a:pPr marL="0" lvl="0" indent="0" algn="ctr" rtl="0">
-              <a:spcBef>
-                <a:spcPts val="0"/>
-              </a:spcBef>
-              <a:spcAft>
-                <a:spcPts val="0"/>
-              </a:spcAft>
-              <a:buNone/>
-            </a:pPr>
-            <a:r>
-              <a:rPr lang="en-US" sz="1200" dirty="0" smtClean="0">
-                <a:solidFill>
-                  <a:schemeClr val="lt1"/>
-                </a:solidFill>
-                <a:latin typeface="Ubuntu Light"/>
-                <a:ea typeface="Ubuntu Light"/>
-                <a:cs typeface="Ubuntu Light"/>
-                <a:sym typeface="Ubuntu Light"/>
-              </a:rPr>
-              <a:t>(</a:t>
-            </a:r>
-            <a:r>
-              <a:rPr lang="en-US" sz="1200" dirty="0" err="1" smtClean="0">
-                <a:solidFill>
-                  <a:schemeClr val="lt1"/>
-                </a:solidFill>
-                <a:latin typeface="Ubuntu Light"/>
-                <a:ea typeface="Ubuntu Light"/>
-                <a:cs typeface="Ubuntu Light"/>
-                <a:sym typeface="Ubuntu Light"/>
-              </a:rPr>
-              <a:t>swift,objective</a:t>
-            </a:r>
-            <a:r>
-              <a:rPr lang="en-US" sz="1200" dirty="0">
-                <a:solidFill>
-                  <a:schemeClr val="lt1"/>
-                </a:solidFill>
-                <a:latin typeface="Ubuntu Light"/>
-                <a:ea typeface="Ubuntu Light"/>
-                <a:cs typeface="Ubuntu Light"/>
-                <a:sym typeface="Ubuntu Light"/>
-              </a:rPr>
-              <a:t>-</a:t>
-            </a:r>
-            <a:r>
-              <a:rPr lang="en-US" sz="1200" dirty="0" smtClean="0">
-                <a:solidFill>
-                  <a:schemeClr val="lt1"/>
-                </a:solidFill>
-                <a:latin typeface="Ubuntu Light"/>
-                <a:ea typeface="Ubuntu Light"/>
-                <a:cs typeface="Ubuntu Light"/>
-                <a:sym typeface="Ubuntu Light"/>
-              </a:rPr>
-              <a:t>C) </a:t>
-            </a:r>
-            <a:endParaRPr sz="1200" dirty="0">
-              <a:solidFill>
-                <a:schemeClr val="lt1"/>
-              </a:solidFill>
-              <a:latin typeface="Ubuntu Light"/>
-              <a:ea typeface="Ubuntu Light"/>
-              <a:cs typeface="Ubuntu Light"/>
-              <a:sym typeface="Ubuntu Light"/>
-            </a:endParaRPr>
-          </a:p>
-        </p:txBody>
-      </p:sp>
-      <p:sp>
-        <p:nvSpPr>
-          <p:cNvPr id="152" name="Google Shape;152;p23"/>
-          <p:cNvSpPr txBox="1"/>
-          <p:nvPr/>
-        </p:nvSpPr>
-        <p:spPr>
-          <a:xfrm>
-            <a:off x="930518" y="3677050"/>
-            <a:ext cx="1654800" cy="526800"/>
-          </a:xfrm>
-          <a:prstGeom prst="rect">
-            <a:avLst/>
-          </a:prstGeom>
-          <a:noFill/>
-          <a:ln>
-            <a:noFill/>
-          </a:ln>
-        </p:spPr>
-        <p:txBody>
-          <a:bodyPr spcFirstLastPara="1" wrap="square" lIns="91425" tIns="91425" rIns="91425" bIns="91425" anchor="ctr" anchorCtr="0">
-            <a:noAutofit/>
-          </a:bodyPr>
-          <a:lstStyle/>
-          <a:p>
-            <a:pPr marL="0" lvl="0" indent="0" algn="ctr" rtl="0">
-              <a:spcBef>
-                <a:spcPts val="0"/>
-              </a:spcBef>
-              <a:spcAft>
-                <a:spcPts val="0"/>
-              </a:spcAft>
-              <a:buNone/>
-            </a:pPr>
-            <a:r>
-              <a:rPr lang="en-US" sz="1200" dirty="0" smtClean="0">
-                <a:solidFill>
-                  <a:schemeClr val="lt1"/>
-                </a:solidFill>
-                <a:latin typeface="Ubuntu Light"/>
-                <a:ea typeface="Ubuntu Light"/>
-                <a:cs typeface="Ubuntu Light"/>
-                <a:sym typeface="Ubuntu Light"/>
-              </a:rPr>
-              <a:t>Converts Android Code(Java, </a:t>
-            </a:r>
-            <a:r>
-              <a:rPr lang="en-US" sz="1200" dirty="0" err="1" smtClean="0">
-                <a:solidFill>
-                  <a:schemeClr val="lt1"/>
-                </a:solidFill>
-                <a:latin typeface="Ubuntu Light"/>
-                <a:ea typeface="Ubuntu Light"/>
-                <a:cs typeface="Ubuntu Light"/>
-                <a:sym typeface="Ubuntu Light"/>
-              </a:rPr>
-              <a:t>Kotlin</a:t>
-            </a:r>
-            <a:r>
-              <a:rPr lang="en-US" sz="1200" dirty="0" smtClean="0">
-                <a:solidFill>
-                  <a:schemeClr val="lt1"/>
-                </a:solidFill>
-                <a:latin typeface="Ubuntu Light"/>
-                <a:ea typeface="Ubuntu Light"/>
-                <a:cs typeface="Ubuntu Light"/>
-                <a:sym typeface="Ubuntu Light"/>
-              </a:rPr>
-              <a:t>)</a:t>
-            </a:r>
-            <a:endParaRPr sz="1200" dirty="0">
-              <a:solidFill>
-                <a:schemeClr val="lt1"/>
-              </a:solidFill>
-              <a:latin typeface="Ubuntu Light"/>
-              <a:ea typeface="Ubuntu Light"/>
-              <a:cs typeface="Ubuntu Light"/>
-              <a:sym typeface="Ubuntu Light"/>
-            </a:endParaRPr>
-          </a:p>
-        </p:txBody>
-      </p:sp>
-    </p:spTree>
-  </p:cSld>
-  <p:clrMapOvr>
-    <a:masterClrMapping/>
-  </p:clrMapOvr>
-  <p:timing>
-    <p:tnLst>
-      <p:par>
-        <p:cTn id="1" dur="indefinite" restart="never" nodeType="tmRoot"/>
-      </p:par>
-    </p:tnLst>
-  </p:timing>
-</p:sld>
-</file>
-
-<file path=ppt/slides/slide7.xml><?xml version="1.0" encoding="utf-8"?>
+<file path=ppt/slides/slide8.xml><?xml version="1.0" encoding="utf-8"?>
 <p:sld xmlns:a="http://schemas.openxmlformats.org/drawingml/2006/main" xmlns:r="http://schemas.openxmlformats.org/officeDocument/2006/relationships" xmlns:p="http://schemas.openxmlformats.org/presentationml/2006/main">
   <p:cSld>
     <p:spTree>
@@ -19679,7 +21376,7 @@
             </a:pPr>
             <a:fld id="{00000000-1234-1234-1234-123412341234}" type="slidenum">
               <a:rPr lang="en"/>
-              <a:t>7</a:t>
+              <a:t>8</a:t>
             </a:fld>
             <a:endParaRPr/>
           </a:p>
@@ -20413,135 +22110,6 @@
           </p:txBody>
         </p:sp>
       </p:grpSp>
-    </p:spTree>
-  </p:cSld>
-  <p:clrMapOvr>
-    <a:masterClrMapping/>
-  </p:clrMapOvr>
-  <p:timing>
-    <p:tnLst>
-      <p:par>
-        <p:cTn id="1" dur="indefinite" restart="never" nodeType="tmRoot"/>
-      </p:par>
-    </p:tnLst>
-  </p:timing>
-</p:sld>
-</file>
-
-<file path=ppt/slides/slide8.xml><?xml version="1.0" encoding="utf-8"?>
-<p:sld xmlns:a="http://schemas.openxmlformats.org/drawingml/2006/main" xmlns:r="http://schemas.openxmlformats.org/officeDocument/2006/relationships" xmlns:p="http://schemas.openxmlformats.org/presentationml/2006/main">
-  <p:cSld>
-    <p:spTree>
-      <p:nvGrpSpPr>
-        <p:cNvPr id="1" name="Shape 78"/>
-        <p:cNvGrpSpPr/>
-        <p:nvPr/>
-      </p:nvGrpSpPr>
-      <p:grpSpPr>
-        <a:xfrm>
-          <a:off x="0" y="0"/>
-          <a:ext cx="0" cy="0"/>
-          <a:chOff x="0" y="0"/>
-          <a:chExt cx="0" cy="0"/>
-        </a:xfrm>
-      </p:grpSpPr>
-      <p:sp>
-        <p:nvSpPr>
-          <p:cNvPr id="79" name="Google Shape;79;p16"/>
-          <p:cNvSpPr txBox="1">
-            <a:spLocks noGrp="1"/>
-          </p:cNvSpPr>
-          <p:nvPr>
-            <p:ph type="body" idx="1"/>
-          </p:nvPr>
-        </p:nvSpPr>
-        <p:spPr>
-          <a:xfrm>
-            <a:off x="930600" y="939700"/>
-            <a:ext cx="7282800" cy="3264000"/>
-          </a:xfrm>
-          <a:prstGeom prst="rect">
-            <a:avLst/>
-          </a:prstGeom>
-        </p:spPr>
-        <p:txBody>
-          <a:bodyPr spcFirstLastPara="1" wrap="square" lIns="0" tIns="0" rIns="0" bIns="0" anchor="ctr" anchorCtr="0">
-            <a:noAutofit/>
-          </a:bodyPr>
-          <a:lstStyle/>
-          <a:p>
-            <a:pPr marL="0" indent="0">
-              <a:buNone/>
-            </a:pPr>
-            <a:r>
-              <a:rPr lang="en-US" dirty="0"/>
-              <a:t>Lets Start To Understand why React Native is best to create Cross-</a:t>
-            </a:r>
-            <a:r>
-              <a:rPr lang="en-US" dirty="0" err="1"/>
-              <a:t>Plaform</a:t>
-            </a:r>
-            <a:r>
-              <a:rPr lang="en-US" dirty="0"/>
-              <a:t> apps.</a:t>
-            </a:r>
-          </a:p>
-          <a:p>
-            <a:pPr marL="0" lvl="0" indent="0" algn="l" rtl="0">
-              <a:spcBef>
-                <a:spcPts val="600"/>
-              </a:spcBef>
-              <a:spcAft>
-                <a:spcPts val="0"/>
-              </a:spcAft>
-              <a:buNone/>
-            </a:pPr>
-            <a:endParaRPr dirty="0"/>
-          </a:p>
-        </p:txBody>
-      </p:sp>
-      <p:sp>
-        <p:nvSpPr>
-          <p:cNvPr id="80" name="Google Shape;80;p16"/>
-          <p:cNvSpPr txBox="1">
-            <a:spLocks noGrp="1"/>
-          </p:cNvSpPr>
-          <p:nvPr>
-            <p:ph type="sldNum" idx="12"/>
-          </p:nvPr>
-        </p:nvSpPr>
-        <p:spPr>
-          <a:xfrm>
-            <a:off x="8213401" y="4248586"/>
-            <a:ext cx="465300" cy="474300"/>
-          </a:xfrm>
-          <a:prstGeom prst="rect">
-            <a:avLst/>
-          </a:prstGeom>
-        </p:spPr>
-        <p:txBody>
-          <a:bodyPr spcFirstLastPara="1" wrap="square" lIns="0" tIns="0" rIns="0" bIns="0" anchor="b" anchorCtr="0">
-            <a:noAutofit/>
-          </a:bodyPr>
-          <a:lstStyle/>
-          <a:p>
-            <a:pPr marL="0" lvl="0" indent="0" algn="r" rtl="0">
-              <a:spcBef>
-                <a:spcPts val="0"/>
-              </a:spcBef>
-              <a:spcAft>
-                <a:spcPts val="0"/>
-              </a:spcAft>
-              <a:buNone/>
-            </a:pPr>
-            <a:fld id="{00000000-1234-1234-1234-123412341234}" type="slidenum">
-              <a:rPr lang="en"/>
-              <a:t>8</a:t>
-            </a:fld>
-            <a:endParaRPr/>
-          </a:p>
-        </p:txBody>
-      </p:sp>
     </p:spTree>
   </p:cSld>
   <p:clrMapOvr>
